--- a/docs/humanities-server-workshop.pptx
+++ b/docs/humanities-server-workshop.pptx
@@ -5,27 +5,28 @@
     <p:sldMasterId id="2147483714" r:id="rId1"/>
   </p:sldMasterIdLst>
   <p:notesMasterIdLst>
-    <p:notesMasterId r:id="rId20"/>
+    <p:notesMasterId r:id="rId21"/>
   </p:notesMasterIdLst>
   <p:sldIdLst>
     <p:sldId id="256" r:id="rId2"/>
     <p:sldId id="257" r:id="rId3"/>
-    <p:sldId id="258" r:id="rId4"/>
-    <p:sldId id="259" r:id="rId5"/>
-    <p:sldId id="264" r:id="rId6"/>
-    <p:sldId id="263" r:id="rId7"/>
-    <p:sldId id="268" r:id="rId8"/>
-    <p:sldId id="260" r:id="rId9"/>
-    <p:sldId id="261" r:id="rId10"/>
-    <p:sldId id="262" r:id="rId11"/>
-    <p:sldId id="266" r:id="rId12"/>
-    <p:sldId id="267" r:id="rId13"/>
-    <p:sldId id="265" r:id="rId14"/>
-    <p:sldId id="269" r:id="rId15"/>
-    <p:sldId id="270" r:id="rId16"/>
-    <p:sldId id="271" r:id="rId17"/>
-    <p:sldId id="272" r:id="rId18"/>
-    <p:sldId id="273" r:id="rId19"/>
+    <p:sldId id="274" r:id="rId4"/>
+    <p:sldId id="258" r:id="rId5"/>
+    <p:sldId id="259" r:id="rId6"/>
+    <p:sldId id="264" r:id="rId7"/>
+    <p:sldId id="263" r:id="rId8"/>
+    <p:sldId id="268" r:id="rId9"/>
+    <p:sldId id="260" r:id="rId10"/>
+    <p:sldId id="261" r:id="rId11"/>
+    <p:sldId id="262" r:id="rId12"/>
+    <p:sldId id="266" r:id="rId13"/>
+    <p:sldId id="267" r:id="rId14"/>
+    <p:sldId id="265" r:id="rId15"/>
+    <p:sldId id="269" r:id="rId16"/>
+    <p:sldId id="270" r:id="rId17"/>
+    <p:sldId id="271" r:id="rId18"/>
+    <p:sldId id="272" r:id="rId19"/>
+    <p:sldId id="273" r:id="rId20"/>
   </p:sldIdLst>
   <p:sldSz cx="12192000" cy="6858000"/>
   <p:notesSz cx="6858000" cy="9144000"/>
@@ -124,6 +125,11 @@
       </a:defRPr>
     </a:lvl9pPr>
   </p:defaultTextStyle>
+  <p:extLst>
+    <p:ext uri="{EFAFB233-063F-42B5-8137-9DF3F51BA10A}">
+      <p15:sldGuideLst xmlns:p15="http://schemas.microsoft.com/office/powerpoint/2012/main"/>
+    </p:ext>
+  </p:extLst>
 </p:presentation>
 </file>
 
@@ -209,7 +215,7 @@
           <a:p>
             <a:fld id="{F2888D72-CD00-41C6-B12B-CC9E50E9577B}" type="datetimeFigureOut">
               <a:rPr lang="en-US" smtClean="0"/>
-              <a:t>11/21/18</a:t>
+              <a:t>11/27/18</a:t>
             </a:fld>
             <a:endParaRPr lang="en-US"/>
           </a:p>
@@ -568,7 +574,7 @@
           <a:p>
             <a:fld id="{CD0C8D08-B2D2-4F62-9EA6-BBFAC8CF6F30}" type="slidenum">
               <a:rPr lang="en-US" smtClean="0"/>
-              <a:t>3</a:t>
+              <a:t>4</a:t>
             </a:fld>
             <a:endParaRPr lang="en-US"/>
           </a:p>
@@ -685,7 +691,7 @@
           <a:p>
             <a:fld id="{CD0C8D08-B2D2-4F62-9EA6-BBFAC8CF6F30}" type="slidenum">
               <a:rPr lang="en-US" smtClean="0"/>
-              <a:t>5</a:t>
+              <a:t>6</a:t>
             </a:fld>
             <a:endParaRPr lang="en-US"/>
           </a:p>
@@ -761,7 +767,7 @@
           <a:noFill/>
           <a:extLst>
             <a:ext uri="{909E8E84-426E-40dd-AFC4-6F175D3DCCD1}">
-              <a14:hiddenFill xmlns:a14="http://schemas.microsoft.com/office/drawing/2010/main" xmlns="">
+              <a14:hiddenFill xmlns="" xmlns:a14="http://schemas.microsoft.com/office/drawing/2010/main">
                 <a:solidFill>
                   <a:srgbClr val="FFFFFF"/>
                 </a:solidFill>
@@ -820,7 +826,7 @@
             </a:ln>
             <a:extLst>
               <a:ext uri="{91240B29-F687-4f45-9708-019B960494DF}">
-                <a14:hiddenLine xmlns:a14="http://schemas.microsoft.com/office/drawing/2010/main" xmlns="" w="9525">
+                <a14:hiddenLine xmlns="" xmlns:a14="http://schemas.microsoft.com/office/drawing/2010/main" w="9525">
                   <a:solidFill>
                     <a:srgbClr val="000000"/>
                   </a:solidFill>
@@ -910,7 +916,7 @@
             </a:ln>
             <a:extLst>
               <a:ext uri="{91240B29-F687-4f45-9708-019B960494DF}">
-                <a14:hiddenLine xmlns:a14="http://schemas.microsoft.com/office/drawing/2010/main" xmlns="" w="9525">
+                <a14:hiddenLine xmlns="" xmlns:a14="http://schemas.microsoft.com/office/drawing/2010/main" w="9525">
                   <a:solidFill>
                     <a:srgbClr val="000000"/>
                   </a:solidFill>
@@ -1000,7 +1006,7 @@
             </a:ln>
             <a:extLst>
               <a:ext uri="{91240B29-F687-4f45-9708-019B960494DF}">
-                <a14:hiddenLine xmlns:a14="http://schemas.microsoft.com/office/drawing/2010/main" xmlns="" w="9525">
+                <a14:hiddenLine xmlns="" xmlns:a14="http://schemas.microsoft.com/office/drawing/2010/main" w="9525">
                   <a:solidFill>
                     <a:srgbClr val="000000"/>
                   </a:solidFill>
@@ -1034,7 +1040,7 @@
             </a:ln>
             <a:extLst>
               <a:ext uri="{91240B29-F687-4f45-9708-019B960494DF}">
-                <a14:hiddenLine xmlns:a14="http://schemas.microsoft.com/office/drawing/2010/main" xmlns="" w="9525">
+                <a14:hiddenLine xmlns="" xmlns:a14="http://schemas.microsoft.com/office/drawing/2010/main" w="9525">
                   <a:solidFill>
                     <a:srgbClr val="000000"/>
                   </a:solidFill>
@@ -1124,7 +1130,7 @@
             </a:ln>
             <a:extLst>
               <a:ext uri="{91240B29-F687-4f45-9708-019B960494DF}">
-                <a14:hiddenLine xmlns:a14="http://schemas.microsoft.com/office/drawing/2010/main" xmlns="" w="9525">
+                <a14:hiddenLine xmlns="" xmlns:a14="http://schemas.microsoft.com/office/drawing/2010/main" w="9525">
                   <a:solidFill>
                     <a:srgbClr val="000000"/>
                   </a:solidFill>
@@ -1186,7 +1192,7 @@
             </a:ln>
             <a:extLst>
               <a:ext uri="{91240B29-F687-4f45-9708-019B960494DF}">
-                <a14:hiddenLine xmlns:a14="http://schemas.microsoft.com/office/drawing/2010/main" xmlns="" w="9525">
+                <a14:hiddenLine xmlns="" xmlns:a14="http://schemas.microsoft.com/office/drawing/2010/main" w="9525">
                   <a:solidFill>
                     <a:srgbClr val="000000"/>
                   </a:solidFill>
@@ -1248,7 +1254,7 @@
             </a:ln>
             <a:extLst>
               <a:ext uri="{91240B29-F687-4f45-9708-019B960494DF}">
-                <a14:hiddenLine xmlns:a14="http://schemas.microsoft.com/office/drawing/2010/main" xmlns="" w="9525">
+                <a14:hiddenLine xmlns="" xmlns:a14="http://schemas.microsoft.com/office/drawing/2010/main" w="9525">
                   <a:solidFill>
                     <a:srgbClr val="000000"/>
                   </a:solidFill>
@@ -1338,7 +1344,7 @@
             </a:ln>
             <a:extLst>
               <a:ext uri="{91240B29-F687-4f45-9708-019B960494DF}">
-                <a14:hiddenLine xmlns:a14="http://schemas.microsoft.com/office/drawing/2010/main" xmlns="" w="9525">
+                <a14:hiddenLine xmlns="" xmlns:a14="http://schemas.microsoft.com/office/drawing/2010/main" w="9525">
                   <a:solidFill>
                     <a:srgbClr val="000000"/>
                   </a:solidFill>
@@ -1400,7 +1406,7 @@
             </a:ln>
             <a:extLst>
               <a:ext uri="{91240B29-F687-4f45-9708-019B960494DF}">
-                <a14:hiddenLine xmlns:a14="http://schemas.microsoft.com/office/drawing/2010/main" xmlns="" w="9525">
+                <a14:hiddenLine xmlns="" xmlns:a14="http://schemas.microsoft.com/office/drawing/2010/main" w="9525">
                   <a:solidFill>
                     <a:srgbClr val="000000"/>
                   </a:solidFill>
@@ -1462,7 +1468,7 @@
             </a:ln>
             <a:extLst>
               <a:ext uri="{91240B29-F687-4f45-9708-019B960494DF}">
-                <a14:hiddenLine xmlns:a14="http://schemas.microsoft.com/office/drawing/2010/main" xmlns="" w="9525">
+                <a14:hiddenLine xmlns="" xmlns:a14="http://schemas.microsoft.com/office/drawing/2010/main" w="9525">
                   <a:solidFill>
                     <a:srgbClr val="000000"/>
                   </a:solidFill>
@@ -1552,7 +1558,7 @@
             </a:ln>
             <a:extLst>
               <a:ext uri="{91240B29-F687-4f45-9708-019B960494DF}">
-                <a14:hiddenLine xmlns:a14="http://schemas.microsoft.com/office/drawing/2010/main" xmlns="" w="9525">
+                <a14:hiddenLine xmlns="" xmlns:a14="http://schemas.microsoft.com/office/drawing/2010/main" w="9525">
                   <a:solidFill>
                     <a:srgbClr val="000000"/>
                   </a:solidFill>
@@ -1642,7 +1648,7 @@
             </a:ln>
             <a:extLst>
               <a:ext uri="{91240B29-F687-4f45-9708-019B960494DF}">
-                <a14:hiddenLine xmlns:a14="http://schemas.microsoft.com/office/drawing/2010/main" xmlns="" w="9525">
+                <a14:hiddenLine xmlns="" xmlns:a14="http://schemas.microsoft.com/office/drawing/2010/main" w="9525">
                   <a:solidFill>
                     <a:srgbClr val="000000"/>
                   </a:solidFill>
@@ -1704,7 +1710,7 @@
             </a:ln>
             <a:extLst>
               <a:ext uri="{91240B29-F687-4f45-9708-019B960494DF}">
-                <a14:hiddenLine xmlns:a14="http://schemas.microsoft.com/office/drawing/2010/main" xmlns="" w="9525">
+                <a14:hiddenLine xmlns="" xmlns:a14="http://schemas.microsoft.com/office/drawing/2010/main" w="9525">
                   <a:solidFill>
                     <a:srgbClr val="000000"/>
                   </a:solidFill>
@@ -1814,7 +1820,7 @@
             </a:ln>
             <a:extLst>
               <a:ext uri="{91240B29-F687-4f45-9708-019B960494DF}">
-                <a14:hiddenLine xmlns:a14="http://schemas.microsoft.com/office/drawing/2010/main" xmlns="" w="9525">
+                <a14:hiddenLine xmlns="" xmlns:a14="http://schemas.microsoft.com/office/drawing/2010/main" w="9525">
                   <a:solidFill>
                     <a:srgbClr val="000000"/>
                   </a:solidFill>
@@ -1876,7 +1882,7 @@
             </a:ln>
             <a:extLst>
               <a:ext uri="{91240B29-F687-4f45-9708-019B960494DF}">
-                <a14:hiddenLine xmlns:a14="http://schemas.microsoft.com/office/drawing/2010/main" xmlns="" w="9525">
+                <a14:hiddenLine xmlns="" xmlns:a14="http://schemas.microsoft.com/office/drawing/2010/main" w="9525">
                   <a:solidFill>
                     <a:srgbClr val="000000"/>
                   </a:solidFill>
@@ -1966,7 +1972,7 @@
             </a:ln>
             <a:extLst>
               <a:ext uri="{91240B29-F687-4f45-9708-019B960494DF}">
-                <a14:hiddenLine xmlns:a14="http://schemas.microsoft.com/office/drawing/2010/main" xmlns="" w="9525">
+                <a14:hiddenLine xmlns="" xmlns:a14="http://schemas.microsoft.com/office/drawing/2010/main" w="9525">
                   <a:solidFill>
                     <a:srgbClr val="000000"/>
                   </a:solidFill>
@@ -2056,7 +2062,7 @@
             </a:ln>
             <a:extLst>
               <a:ext uri="{91240B29-F687-4f45-9708-019B960494DF}">
-                <a14:hiddenLine xmlns:a14="http://schemas.microsoft.com/office/drawing/2010/main" xmlns="" w="9525">
+                <a14:hiddenLine xmlns="" xmlns:a14="http://schemas.microsoft.com/office/drawing/2010/main" w="9525">
                   <a:solidFill>
                     <a:srgbClr val="000000"/>
                   </a:solidFill>
@@ -2118,7 +2124,7 @@
             </a:ln>
             <a:extLst>
               <a:ext uri="{91240B29-F687-4f45-9708-019B960494DF}">
-                <a14:hiddenLine xmlns:a14="http://schemas.microsoft.com/office/drawing/2010/main" xmlns="" w="9525">
+                <a14:hiddenLine xmlns="" xmlns:a14="http://schemas.microsoft.com/office/drawing/2010/main" w="9525">
                   <a:solidFill>
                     <a:srgbClr val="000000"/>
                   </a:solidFill>
@@ -2208,7 +2214,7 @@
             </a:ln>
             <a:extLst>
               <a:ext uri="{91240B29-F687-4f45-9708-019B960494DF}">
-                <a14:hiddenLine xmlns:a14="http://schemas.microsoft.com/office/drawing/2010/main" xmlns="" w="9525">
+                <a14:hiddenLine xmlns="" xmlns:a14="http://schemas.microsoft.com/office/drawing/2010/main" w="9525">
                   <a:solidFill>
                     <a:srgbClr val="000000"/>
                   </a:solidFill>
@@ -2298,7 +2304,7 @@
             </a:ln>
             <a:extLst>
               <a:ext uri="{91240B29-F687-4f45-9708-019B960494DF}">
-                <a14:hiddenLine xmlns:a14="http://schemas.microsoft.com/office/drawing/2010/main" xmlns="" w="9525">
+                <a14:hiddenLine xmlns="" xmlns:a14="http://schemas.microsoft.com/office/drawing/2010/main" w="9525">
                   <a:solidFill>
                     <a:srgbClr val="000000"/>
                   </a:solidFill>
@@ -2354,7 +2360,7 @@
             </a:ln>
             <a:extLst>
               <a:ext uri="{91240B29-F687-4f45-9708-019B960494DF}">
-                <a14:hiddenLine xmlns:a14="http://schemas.microsoft.com/office/drawing/2010/main" xmlns="" w="9525">
+                <a14:hiddenLine xmlns="" xmlns:a14="http://schemas.microsoft.com/office/drawing/2010/main" w="9525">
                   <a:solidFill>
                     <a:srgbClr val="000000"/>
                   </a:solidFill>
@@ -2444,7 +2450,7 @@
             </a:ln>
             <a:extLst>
               <a:ext uri="{91240B29-F687-4f45-9708-019B960494DF}">
-                <a14:hiddenLine xmlns:a14="http://schemas.microsoft.com/office/drawing/2010/main" xmlns="" w="9525">
+                <a14:hiddenLine xmlns="" xmlns:a14="http://schemas.microsoft.com/office/drawing/2010/main" w="9525">
                   <a:solidFill>
                     <a:srgbClr val="000000"/>
                   </a:solidFill>
@@ -2500,7 +2506,7 @@
             </a:ln>
             <a:extLst>
               <a:ext uri="{91240B29-F687-4f45-9708-019B960494DF}">
-                <a14:hiddenLine xmlns:a14="http://schemas.microsoft.com/office/drawing/2010/main" xmlns="" w="9525">
+                <a14:hiddenLine xmlns="" xmlns:a14="http://schemas.microsoft.com/office/drawing/2010/main" w="9525">
                   <a:solidFill>
                     <a:srgbClr val="000000"/>
                   </a:solidFill>
@@ -2590,7 +2596,7 @@
             </a:ln>
             <a:extLst>
               <a:ext uri="{91240B29-F687-4f45-9708-019B960494DF}">
-                <a14:hiddenLine xmlns:a14="http://schemas.microsoft.com/office/drawing/2010/main" xmlns="" w="9525">
+                <a14:hiddenLine xmlns="" xmlns:a14="http://schemas.microsoft.com/office/drawing/2010/main" w="9525">
                   <a:solidFill>
                     <a:srgbClr val="000000"/>
                   </a:solidFill>
@@ -2658,7 +2664,7 @@
             </a:ln>
             <a:extLst>
               <a:ext uri="{91240B29-F687-4f45-9708-019B960494DF}">
-                <a14:hiddenLine xmlns:a14="http://schemas.microsoft.com/office/drawing/2010/main" xmlns="" w="9525">
+                <a14:hiddenLine xmlns="" xmlns:a14="http://schemas.microsoft.com/office/drawing/2010/main" w="9525">
                   <a:solidFill>
                     <a:srgbClr val="000000"/>
                   </a:solidFill>
@@ -2748,7 +2754,7 @@
             </a:ln>
             <a:extLst>
               <a:ext uri="{91240B29-F687-4f45-9708-019B960494DF}">
-                <a14:hiddenLine xmlns:a14="http://schemas.microsoft.com/office/drawing/2010/main" xmlns="" w="9525">
+                <a14:hiddenLine xmlns="" xmlns:a14="http://schemas.microsoft.com/office/drawing/2010/main" w="9525">
                   <a:solidFill>
                     <a:srgbClr val="000000"/>
                   </a:solidFill>
@@ -2816,7 +2822,7 @@
             </a:ln>
             <a:extLst>
               <a:ext uri="{91240B29-F687-4f45-9708-019B960494DF}">
-                <a14:hiddenLine xmlns:a14="http://schemas.microsoft.com/office/drawing/2010/main" xmlns="" w="9525">
+                <a14:hiddenLine xmlns="" xmlns:a14="http://schemas.microsoft.com/office/drawing/2010/main" w="9525">
                   <a:solidFill>
                     <a:srgbClr val="000000"/>
                   </a:solidFill>
@@ -2906,7 +2912,7 @@
             </a:ln>
             <a:extLst>
               <a:ext uri="{91240B29-F687-4f45-9708-019B960494DF}">
-                <a14:hiddenLine xmlns:a14="http://schemas.microsoft.com/office/drawing/2010/main" xmlns="" w="9525">
+                <a14:hiddenLine xmlns="" xmlns:a14="http://schemas.microsoft.com/office/drawing/2010/main" w="9525">
                   <a:solidFill>
                     <a:srgbClr val="000000"/>
                   </a:solidFill>
@@ -2940,7 +2946,7 @@
             </a:ln>
             <a:extLst>
               <a:ext uri="{91240B29-F687-4f45-9708-019B960494DF}">
-                <a14:hiddenLine xmlns:a14="http://schemas.microsoft.com/office/drawing/2010/main" xmlns="" w="9525">
+                <a14:hiddenLine xmlns="" xmlns:a14="http://schemas.microsoft.com/office/drawing/2010/main" w="9525">
                   <a:solidFill>
                     <a:srgbClr val="000000"/>
                   </a:solidFill>
@@ -3030,7 +3036,7 @@
             </a:ln>
             <a:extLst>
               <a:ext uri="{91240B29-F687-4f45-9708-019B960494DF}">
-                <a14:hiddenLine xmlns:a14="http://schemas.microsoft.com/office/drawing/2010/main" xmlns="" w="9525">
+                <a14:hiddenLine xmlns="" xmlns:a14="http://schemas.microsoft.com/office/drawing/2010/main" w="9525">
                   <a:solidFill>
                     <a:srgbClr val="000000"/>
                   </a:solidFill>
@@ -3092,7 +3098,7 @@
             </a:ln>
             <a:extLst>
               <a:ext uri="{91240B29-F687-4f45-9708-019B960494DF}">
-                <a14:hiddenLine xmlns:a14="http://schemas.microsoft.com/office/drawing/2010/main" xmlns="" w="9525">
+                <a14:hiddenLine xmlns="" xmlns:a14="http://schemas.microsoft.com/office/drawing/2010/main" w="9525">
                   <a:solidFill>
                     <a:srgbClr val="000000"/>
                   </a:solidFill>
@@ -3154,7 +3160,7 @@
             </a:ln>
             <a:extLst>
               <a:ext uri="{91240B29-F687-4f45-9708-019B960494DF}">
-                <a14:hiddenLine xmlns:a14="http://schemas.microsoft.com/office/drawing/2010/main" xmlns="" w="9525">
+                <a14:hiddenLine xmlns="" xmlns:a14="http://schemas.microsoft.com/office/drawing/2010/main" w="9525">
                   <a:solidFill>
                     <a:srgbClr val="000000"/>
                   </a:solidFill>
@@ -3244,7 +3250,7 @@
             </a:ln>
             <a:extLst>
               <a:ext uri="{91240B29-F687-4f45-9708-019B960494DF}">
-                <a14:hiddenLine xmlns:a14="http://schemas.microsoft.com/office/drawing/2010/main" xmlns="" w="9525">
+                <a14:hiddenLine xmlns="" xmlns:a14="http://schemas.microsoft.com/office/drawing/2010/main" w="9525">
                   <a:solidFill>
                     <a:srgbClr val="000000"/>
                   </a:solidFill>
@@ -3312,7 +3318,7 @@
             </a:ln>
             <a:extLst>
               <a:ext uri="{91240B29-F687-4f45-9708-019B960494DF}">
-                <a14:hiddenLine xmlns:a14="http://schemas.microsoft.com/office/drawing/2010/main" xmlns="" w="9525">
+                <a14:hiddenLine xmlns="" xmlns:a14="http://schemas.microsoft.com/office/drawing/2010/main" w="9525">
                   <a:solidFill>
                     <a:srgbClr val="000000"/>
                   </a:solidFill>
@@ -3374,7 +3380,7 @@
             </a:ln>
             <a:extLst>
               <a:ext uri="{91240B29-F687-4f45-9708-019B960494DF}">
-                <a14:hiddenLine xmlns:a14="http://schemas.microsoft.com/office/drawing/2010/main" xmlns="" w="9525">
+                <a14:hiddenLine xmlns="" xmlns:a14="http://schemas.microsoft.com/office/drawing/2010/main" w="9525">
                   <a:solidFill>
                     <a:srgbClr val="000000"/>
                   </a:solidFill>
@@ -3464,7 +3470,7 @@
             </a:ln>
             <a:extLst>
               <a:ext uri="{91240B29-F687-4f45-9708-019B960494DF}">
-                <a14:hiddenLine xmlns:a14="http://schemas.microsoft.com/office/drawing/2010/main" xmlns="" w="9525">
+                <a14:hiddenLine xmlns="" xmlns:a14="http://schemas.microsoft.com/office/drawing/2010/main" w="9525">
                   <a:solidFill>
                     <a:srgbClr val="000000"/>
                   </a:solidFill>
@@ -3526,7 +3532,7 @@
             </a:ln>
             <a:extLst>
               <a:ext uri="{91240B29-F687-4f45-9708-019B960494DF}">
-                <a14:hiddenLine xmlns:a14="http://schemas.microsoft.com/office/drawing/2010/main" xmlns="" w="9525">
+                <a14:hiddenLine xmlns="" xmlns:a14="http://schemas.microsoft.com/office/drawing/2010/main" w="9525">
                   <a:solidFill>
                     <a:srgbClr val="000000"/>
                   </a:solidFill>
@@ -3616,7 +3622,7 @@
             </a:ln>
             <a:extLst>
               <a:ext uri="{91240B29-F687-4f45-9708-019B960494DF}">
-                <a14:hiddenLine xmlns:a14="http://schemas.microsoft.com/office/drawing/2010/main" xmlns="" w="9525">
+                <a14:hiddenLine xmlns="" xmlns:a14="http://schemas.microsoft.com/office/drawing/2010/main" w="9525">
                   <a:solidFill>
                     <a:srgbClr val="000000"/>
                   </a:solidFill>
@@ -3678,7 +3684,7 @@
             </a:ln>
             <a:extLst>
               <a:ext uri="{91240B29-F687-4f45-9708-019B960494DF}">
-                <a14:hiddenLine xmlns:a14="http://schemas.microsoft.com/office/drawing/2010/main" xmlns="" w="9525">
+                <a14:hiddenLine xmlns="" xmlns:a14="http://schemas.microsoft.com/office/drawing/2010/main" w="9525">
                   <a:solidFill>
                     <a:srgbClr val="000000"/>
                   </a:solidFill>
@@ -3768,7 +3774,7 @@
             </a:ln>
             <a:extLst>
               <a:ext uri="{91240B29-F687-4f45-9708-019B960494DF}">
-                <a14:hiddenLine xmlns:a14="http://schemas.microsoft.com/office/drawing/2010/main" xmlns="" w="9525">
+                <a14:hiddenLine xmlns="" xmlns:a14="http://schemas.microsoft.com/office/drawing/2010/main" w="9525">
                   <a:solidFill>
                     <a:srgbClr val="000000"/>
                   </a:solidFill>
@@ -3802,7 +3808,7 @@
             </a:ln>
             <a:extLst>
               <a:ext uri="{91240B29-F687-4f45-9708-019B960494DF}">
-                <a14:hiddenLine xmlns:a14="http://schemas.microsoft.com/office/drawing/2010/main" xmlns="" w="9525">
+                <a14:hiddenLine xmlns="" xmlns:a14="http://schemas.microsoft.com/office/drawing/2010/main" w="9525">
                   <a:solidFill>
                     <a:srgbClr val="000000"/>
                   </a:solidFill>
@@ -3867,7 +3873,7 @@
             </a:ln>
             <a:extLst>
               <a:ext uri="{91240B29-F687-4f45-9708-019B960494DF}">
-                <a14:hiddenLine xmlns:a14="http://schemas.microsoft.com/office/drawing/2010/main" xmlns="" w="9525">
+                <a14:hiddenLine xmlns="" xmlns:a14="http://schemas.microsoft.com/office/drawing/2010/main" w="9525">
                   <a:solidFill>
                     <a:srgbClr val="000000"/>
                   </a:solidFill>
@@ -3957,7 +3963,7 @@
             </a:ln>
             <a:extLst>
               <a:ext uri="{91240B29-F687-4f45-9708-019B960494DF}">
-                <a14:hiddenLine xmlns:a14="http://schemas.microsoft.com/office/drawing/2010/main" xmlns="" w="9525">
+                <a14:hiddenLine xmlns="" xmlns:a14="http://schemas.microsoft.com/office/drawing/2010/main" w="9525">
                   <a:solidFill>
                     <a:srgbClr val="000000"/>
                   </a:solidFill>
@@ -4019,7 +4025,7 @@
             </a:ln>
             <a:extLst>
               <a:ext uri="{91240B29-F687-4f45-9708-019B960494DF}">
-                <a14:hiddenLine xmlns:a14="http://schemas.microsoft.com/office/drawing/2010/main" xmlns="" w="9525">
+                <a14:hiddenLine xmlns="" xmlns:a14="http://schemas.microsoft.com/office/drawing/2010/main" w="9525">
                   <a:solidFill>
                     <a:srgbClr val="000000"/>
                   </a:solidFill>
@@ -4109,7 +4115,7 @@
             </a:ln>
             <a:extLst>
               <a:ext uri="{91240B29-F687-4f45-9708-019B960494DF}">
-                <a14:hiddenLine xmlns:a14="http://schemas.microsoft.com/office/drawing/2010/main" xmlns="" w="9525">
+                <a14:hiddenLine xmlns="" xmlns:a14="http://schemas.microsoft.com/office/drawing/2010/main" w="9525">
                   <a:solidFill>
                     <a:srgbClr val="000000"/>
                   </a:solidFill>
@@ -4199,7 +4205,7 @@
             </a:ln>
             <a:extLst>
               <a:ext uri="{91240B29-F687-4f45-9708-019B960494DF}">
-                <a14:hiddenLine xmlns:a14="http://schemas.microsoft.com/office/drawing/2010/main" xmlns="" w="9525">
+                <a14:hiddenLine xmlns="" xmlns:a14="http://schemas.microsoft.com/office/drawing/2010/main" w="9525">
                   <a:solidFill>
                     <a:srgbClr val="000000"/>
                   </a:solidFill>
@@ -4264,7 +4270,7 @@
             </a:ln>
             <a:extLst>
               <a:ext uri="{91240B29-F687-4f45-9708-019B960494DF}">
-                <a14:hiddenLine xmlns:a14="http://schemas.microsoft.com/office/drawing/2010/main" xmlns="" w="9525">
+                <a14:hiddenLine xmlns="" xmlns:a14="http://schemas.microsoft.com/office/drawing/2010/main" w="9525">
                   <a:solidFill>
                     <a:srgbClr val="000000"/>
                   </a:solidFill>
@@ -4326,7 +4332,7 @@
             </a:ln>
             <a:extLst>
               <a:ext uri="{91240B29-F687-4f45-9708-019B960494DF}">
-                <a14:hiddenLine xmlns:a14="http://schemas.microsoft.com/office/drawing/2010/main" xmlns="" w="9525">
+                <a14:hiddenLine xmlns="" xmlns:a14="http://schemas.microsoft.com/office/drawing/2010/main" w="9525">
                   <a:solidFill>
                     <a:srgbClr val="000000"/>
                   </a:solidFill>
@@ -4416,7 +4422,7 @@
             </a:ln>
             <a:extLst>
               <a:ext uri="{91240B29-F687-4f45-9708-019B960494DF}">
-                <a14:hiddenLine xmlns:a14="http://schemas.microsoft.com/office/drawing/2010/main" xmlns="" w="9525">
+                <a14:hiddenLine xmlns="" xmlns:a14="http://schemas.microsoft.com/office/drawing/2010/main" w="9525">
                   <a:solidFill>
                     <a:srgbClr val="000000"/>
                   </a:solidFill>
@@ -4506,7 +4512,7 @@
             </a:ln>
             <a:extLst>
               <a:ext uri="{91240B29-F687-4f45-9708-019B960494DF}">
-                <a14:hiddenLine xmlns:a14="http://schemas.microsoft.com/office/drawing/2010/main" xmlns="" w="9525">
+                <a14:hiddenLine xmlns="" xmlns:a14="http://schemas.microsoft.com/office/drawing/2010/main" w="9525">
                   <a:solidFill>
                     <a:srgbClr val="000000"/>
                   </a:solidFill>
@@ -4568,7 +4574,7 @@
             </a:ln>
             <a:extLst>
               <a:ext uri="{91240B29-F687-4f45-9708-019B960494DF}">
-                <a14:hiddenLine xmlns:a14="http://schemas.microsoft.com/office/drawing/2010/main" xmlns="" w="9525">
+                <a14:hiddenLine xmlns="" xmlns:a14="http://schemas.microsoft.com/office/drawing/2010/main" w="9525">
                   <a:solidFill>
                     <a:srgbClr val="000000"/>
                   </a:solidFill>
@@ -4688,7 +4694,7 @@
             </a:ln>
             <a:extLst>
               <a:ext uri="{91240B29-F687-4f45-9708-019B960494DF}">
-                <a14:hiddenLine xmlns:a14="http://schemas.microsoft.com/office/drawing/2010/main" xmlns="" w="9525">
+                <a14:hiddenLine xmlns="" xmlns:a14="http://schemas.microsoft.com/office/drawing/2010/main" w="9525">
                   <a:solidFill>
                     <a:srgbClr val="000000"/>
                   </a:solidFill>
@@ -4756,7 +4762,7 @@
             </a:ln>
             <a:extLst>
               <a:ext uri="{91240B29-F687-4f45-9708-019B960494DF}">
-                <a14:hiddenLine xmlns:a14="http://schemas.microsoft.com/office/drawing/2010/main" xmlns="" w="9525">
+                <a14:hiddenLine xmlns="" xmlns:a14="http://schemas.microsoft.com/office/drawing/2010/main" w="9525">
                   <a:solidFill>
                     <a:srgbClr val="000000"/>
                   </a:solidFill>
@@ -4846,7 +4852,7 @@
             </a:ln>
             <a:extLst>
               <a:ext uri="{91240B29-F687-4f45-9708-019B960494DF}">
-                <a14:hiddenLine xmlns:a14="http://schemas.microsoft.com/office/drawing/2010/main" xmlns="" w="9525">
+                <a14:hiddenLine xmlns="" xmlns:a14="http://schemas.microsoft.com/office/drawing/2010/main" w="9525">
                   <a:solidFill>
                     <a:srgbClr val="000000"/>
                   </a:solidFill>
@@ -4986,7 +4992,7 @@
           <a:p>
             <a:fld id="{62B29A1C-2C6F-4F53-8817-88025C8CDCD8}" type="datetimeFigureOut">
               <a:rPr lang="en-US" smtClean="0"/>
-              <a:t>11/21/18</a:t>
+              <a:t>11/27/18</a:t>
             </a:fld>
             <a:endParaRPr lang="en-US"/>
           </a:p>
@@ -5253,7 +5259,7 @@
           <a:p>
             <a:fld id="{62B29A1C-2C6F-4F53-8817-88025C8CDCD8}" type="datetimeFigureOut">
               <a:rPr lang="en-US" smtClean="0"/>
-              <a:t>11/21/18</a:t>
+              <a:t>11/27/18</a:t>
             </a:fld>
             <a:endParaRPr lang="en-US"/>
           </a:p>
@@ -5449,7 +5455,7 @@
           <a:p>
             <a:fld id="{62B29A1C-2C6F-4F53-8817-88025C8CDCD8}" type="datetimeFigureOut">
               <a:rPr lang="en-US" smtClean="0"/>
-              <a:t>11/21/18</a:t>
+              <a:t>11/27/18</a:t>
             </a:fld>
             <a:endParaRPr lang="en-US"/>
           </a:p>
@@ -5712,7 +5718,7 @@
           <a:p>
             <a:fld id="{62B29A1C-2C6F-4F53-8817-88025C8CDCD8}" type="datetimeFigureOut">
               <a:rPr lang="en-US" smtClean="0"/>
-              <a:t>11/21/18</a:t>
+              <a:t>11/27/18</a:t>
             </a:fld>
             <a:endParaRPr lang="en-US"/>
           </a:p>
@@ -6146,7 +6152,7 @@
           <a:p>
             <a:fld id="{62B29A1C-2C6F-4F53-8817-88025C8CDCD8}" type="datetimeFigureOut">
               <a:rPr lang="en-US" smtClean="0"/>
-              <a:t>11/21/18</a:t>
+              <a:t>11/27/18</a:t>
             </a:fld>
             <a:endParaRPr lang="en-US"/>
           </a:p>
@@ -6692,7 +6698,7 @@
           <a:p>
             <a:fld id="{62B29A1C-2C6F-4F53-8817-88025C8CDCD8}" type="datetimeFigureOut">
               <a:rPr lang="en-US" smtClean="0"/>
-              <a:t>11/21/18</a:t>
+              <a:t>11/27/18</a:t>
             </a:fld>
             <a:endParaRPr lang="en-US"/>
           </a:p>
@@ -7412,7 +7418,7 @@
           <a:p>
             <a:fld id="{62B29A1C-2C6F-4F53-8817-88025C8CDCD8}" type="datetimeFigureOut">
               <a:rPr lang="en-US" smtClean="0"/>
-              <a:t>11/21/18</a:t>
+              <a:t>11/27/18</a:t>
             </a:fld>
             <a:endParaRPr lang="en-US"/>
           </a:p>
@@ -7582,7 +7588,7 @@
           <a:p>
             <a:fld id="{62B29A1C-2C6F-4F53-8817-88025C8CDCD8}" type="datetimeFigureOut">
               <a:rPr lang="en-US" smtClean="0"/>
-              <a:t>11/21/18</a:t>
+              <a:t>11/27/18</a:t>
             </a:fld>
             <a:endParaRPr lang="en-US"/>
           </a:p>
@@ -7762,7 +7768,7 @@
           <a:p>
             <a:fld id="{62B29A1C-2C6F-4F53-8817-88025C8CDCD8}" type="datetimeFigureOut">
               <a:rPr lang="en-US" smtClean="0"/>
-              <a:t>11/21/18</a:t>
+              <a:t>11/27/18</a:t>
             </a:fld>
             <a:endParaRPr lang="en-US"/>
           </a:p>
@@ -7932,7 +7938,7 @@
           <a:p>
             <a:fld id="{62B29A1C-2C6F-4F53-8817-88025C8CDCD8}" type="datetimeFigureOut">
               <a:rPr lang="en-US" smtClean="0"/>
-              <a:t>11/21/18</a:t>
+              <a:t>11/27/18</a:t>
             </a:fld>
             <a:endParaRPr lang="en-US"/>
           </a:p>
@@ -8182,7 +8188,7 @@
           <a:p>
             <a:fld id="{62B29A1C-2C6F-4F53-8817-88025C8CDCD8}" type="datetimeFigureOut">
               <a:rPr lang="en-US" smtClean="0"/>
-              <a:t>11/21/18</a:t>
+              <a:t>11/27/18</a:t>
             </a:fld>
             <a:endParaRPr lang="en-US"/>
           </a:p>
@@ -8414,7 +8420,7 @@
           <a:p>
             <a:fld id="{62B29A1C-2C6F-4F53-8817-88025C8CDCD8}" type="datetimeFigureOut">
               <a:rPr lang="en-US" smtClean="0"/>
-              <a:t>11/21/18</a:t>
+              <a:t>11/27/18</a:t>
             </a:fld>
             <a:endParaRPr lang="en-US"/>
           </a:p>
@@ -8795,7 +8801,7 @@
           <a:p>
             <a:fld id="{62B29A1C-2C6F-4F53-8817-88025C8CDCD8}" type="datetimeFigureOut">
               <a:rPr lang="en-US" smtClean="0"/>
-              <a:t>11/21/18</a:t>
+              <a:t>11/27/18</a:t>
             </a:fld>
             <a:endParaRPr lang="en-US"/>
           </a:p>
@@ -8913,7 +8919,7 @@
           <a:p>
             <a:fld id="{62B29A1C-2C6F-4F53-8817-88025C8CDCD8}" type="datetimeFigureOut">
               <a:rPr lang="en-US" smtClean="0"/>
-              <a:t>11/21/18</a:t>
+              <a:t>11/27/18</a:t>
             </a:fld>
             <a:endParaRPr lang="en-US"/>
           </a:p>
@@ -9008,7 +9014,7 @@
           <a:p>
             <a:fld id="{62B29A1C-2C6F-4F53-8817-88025C8CDCD8}" type="datetimeFigureOut">
               <a:rPr lang="en-US" smtClean="0"/>
-              <a:t>11/21/18</a:t>
+              <a:t>11/27/18</a:t>
             </a:fld>
             <a:endParaRPr lang="en-US"/>
           </a:p>
@@ -9257,7 +9263,7 @@
           <a:p>
             <a:fld id="{62B29A1C-2C6F-4F53-8817-88025C8CDCD8}" type="datetimeFigureOut">
               <a:rPr lang="en-US" smtClean="0"/>
-              <a:t>11/21/18</a:t>
+              <a:t>11/27/18</a:t>
             </a:fld>
             <a:endParaRPr lang="en-US"/>
           </a:p>
@@ -9537,7 +9543,7 @@
           <a:p>
             <a:fld id="{62B29A1C-2C6F-4F53-8817-88025C8CDCD8}" type="datetimeFigureOut">
               <a:rPr lang="en-US" smtClean="0"/>
-              <a:t>11/21/18</a:t>
+              <a:t>11/27/18</a:t>
             </a:fld>
             <a:endParaRPr lang="en-US"/>
           </a:p>
@@ -9660,7 +9666,7 @@
           <a:noFill/>
           <a:extLst>
             <a:ext uri="{909E8E84-426E-40dd-AFC4-6F175D3DCCD1}">
-              <a14:hiddenFill xmlns:a14="http://schemas.microsoft.com/office/drawing/2010/main" xmlns="">
+              <a14:hiddenFill xmlns="" xmlns:a14="http://schemas.microsoft.com/office/drawing/2010/main">
                 <a:solidFill>
                   <a:srgbClr val="FFFFFF"/>
                 </a:solidFill>
@@ -9734,7 +9740,7 @@
               </a:ln>
               <a:extLst>
                 <a:ext uri="{91240B29-F687-4f45-9708-019B960494DF}">
-                  <a14:hiddenLine xmlns:a14="http://schemas.microsoft.com/office/drawing/2010/main" xmlns="" w="9525">
+                  <a14:hiddenLine xmlns="" xmlns:a14="http://schemas.microsoft.com/office/drawing/2010/main" w="9525">
                     <a:solidFill>
                       <a:srgbClr val="000000"/>
                     </a:solidFill>
@@ -9824,7 +9830,7 @@
               </a:ln>
               <a:extLst>
                 <a:ext uri="{91240B29-F687-4f45-9708-019B960494DF}">
-                  <a14:hiddenLine xmlns:a14="http://schemas.microsoft.com/office/drawing/2010/main" xmlns="" w="9525">
+                  <a14:hiddenLine xmlns="" xmlns:a14="http://schemas.microsoft.com/office/drawing/2010/main" w="9525">
                     <a:solidFill>
                       <a:srgbClr val="000000"/>
                     </a:solidFill>
@@ -9914,7 +9920,7 @@
               </a:ln>
               <a:extLst>
                 <a:ext uri="{91240B29-F687-4f45-9708-019B960494DF}">
-                  <a14:hiddenLine xmlns:a14="http://schemas.microsoft.com/office/drawing/2010/main" xmlns="" w="9525">
+                  <a14:hiddenLine xmlns="" xmlns:a14="http://schemas.microsoft.com/office/drawing/2010/main" w="9525">
                     <a:solidFill>
                       <a:srgbClr val="000000"/>
                     </a:solidFill>
@@ -9976,7 +9982,7 @@
               </a:ln>
               <a:extLst>
                 <a:ext uri="{91240B29-F687-4f45-9708-019B960494DF}">
-                  <a14:hiddenLine xmlns:a14="http://schemas.microsoft.com/office/drawing/2010/main" xmlns="" w="9525">
+                  <a14:hiddenLine xmlns="" xmlns:a14="http://schemas.microsoft.com/office/drawing/2010/main" w="9525">
                     <a:solidFill>
                       <a:srgbClr val="000000"/>
                     </a:solidFill>
@@ -10066,7 +10072,7 @@
               </a:ln>
               <a:extLst>
                 <a:ext uri="{91240B29-F687-4f45-9708-019B960494DF}">
-                  <a14:hiddenLine xmlns:a14="http://schemas.microsoft.com/office/drawing/2010/main" xmlns="" w="9525">
+                  <a14:hiddenLine xmlns="" xmlns:a14="http://schemas.microsoft.com/office/drawing/2010/main" w="9525">
                     <a:solidFill>
                       <a:srgbClr val="000000"/>
                     </a:solidFill>
@@ -10128,7 +10134,7 @@
               </a:ln>
               <a:extLst>
                 <a:ext uri="{91240B29-F687-4f45-9708-019B960494DF}">
-                  <a14:hiddenLine xmlns:a14="http://schemas.microsoft.com/office/drawing/2010/main" xmlns="" w="9525">
+                  <a14:hiddenLine xmlns="" xmlns:a14="http://schemas.microsoft.com/office/drawing/2010/main" w="9525">
                     <a:solidFill>
                       <a:srgbClr val="000000"/>
                     </a:solidFill>
@@ -10190,7 +10196,7 @@
               </a:ln>
               <a:extLst>
                 <a:ext uri="{91240B29-F687-4f45-9708-019B960494DF}">
-                  <a14:hiddenLine xmlns:a14="http://schemas.microsoft.com/office/drawing/2010/main" xmlns="" w="9525">
+                  <a14:hiddenLine xmlns="" xmlns:a14="http://schemas.microsoft.com/office/drawing/2010/main" w="9525">
                     <a:solidFill>
                       <a:srgbClr val="000000"/>
                     </a:solidFill>
@@ -10280,7 +10286,7 @@
               </a:ln>
               <a:extLst>
                 <a:ext uri="{91240B29-F687-4f45-9708-019B960494DF}">
-                  <a14:hiddenLine xmlns:a14="http://schemas.microsoft.com/office/drawing/2010/main" xmlns="" w="9525">
+                  <a14:hiddenLine xmlns="" xmlns:a14="http://schemas.microsoft.com/office/drawing/2010/main" w="9525">
                     <a:solidFill>
                       <a:srgbClr val="000000"/>
                     </a:solidFill>
@@ -10370,7 +10376,7 @@
               </a:ln>
               <a:extLst>
                 <a:ext uri="{91240B29-F687-4f45-9708-019B960494DF}">
-                  <a14:hiddenLine xmlns:a14="http://schemas.microsoft.com/office/drawing/2010/main" xmlns="" w="9525">
+                  <a14:hiddenLine xmlns="" xmlns:a14="http://schemas.microsoft.com/office/drawing/2010/main" w="9525">
                     <a:solidFill>
                       <a:srgbClr val="000000"/>
                     </a:solidFill>
@@ -10432,7 +10438,7 @@
               </a:ln>
               <a:extLst>
                 <a:ext uri="{91240B29-F687-4f45-9708-019B960494DF}">
-                  <a14:hiddenLine xmlns:a14="http://schemas.microsoft.com/office/drawing/2010/main" xmlns="" w="9525">
+                  <a14:hiddenLine xmlns="" xmlns:a14="http://schemas.microsoft.com/office/drawing/2010/main" w="9525">
                     <a:solidFill>
                       <a:srgbClr val="000000"/>
                     </a:solidFill>
@@ -10542,7 +10548,7 @@
               </a:ln>
               <a:extLst>
                 <a:ext uri="{91240B29-F687-4f45-9708-019B960494DF}">
-                  <a14:hiddenLine xmlns:a14="http://schemas.microsoft.com/office/drawing/2010/main" xmlns="" w="9525">
+                  <a14:hiddenLine xmlns="" xmlns:a14="http://schemas.microsoft.com/office/drawing/2010/main" w="9525">
                     <a:solidFill>
                       <a:srgbClr val="000000"/>
                     </a:solidFill>
@@ -10626,7 +10632,7 @@
               </a:ln>
               <a:extLst>
                 <a:ext uri="{91240B29-F687-4f45-9708-019B960494DF}">
-                  <a14:hiddenLine xmlns:a14="http://schemas.microsoft.com/office/drawing/2010/main" xmlns="" w="9525">
+                  <a14:hiddenLine xmlns="" xmlns:a14="http://schemas.microsoft.com/office/drawing/2010/main" w="9525">
                     <a:solidFill>
                       <a:srgbClr val="000000"/>
                     </a:solidFill>
@@ -10688,7 +10694,7 @@
               </a:ln>
               <a:extLst>
                 <a:ext uri="{91240B29-F687-4f45-9708-019B960494DF}">
-                  <a14:hiddenLine xmlns:a14="http://schemas.microsoft.com/office/drawing/2010/main" xmlns="" w="9525">
+                  <a14:hiddenLine xmlns="" xmlns:a14="http://schemas.microsoft.com/office/drawing/2010/main" w="9525">
                     <a:solidFill>
                       <a:srgbClr val="000000"/>
                     </a:solidFill>
@@ -10750,7 +10756,7 @@
               </a:ln>
               <a:extLst>
                 <a:ext uri="{91240B29-F687-4f45-9708-019B960494DF}">
-                  <a14:hiddenLine xmlns:a14="http://schemas.microsoft.com/office/drawing/2010/main" xmlns="" w="9525">
+                  <a14:hiddenLine xmlns="" xmlns:a14="http://schemas.microsoft.com/office/drawing/2010/main" w="9525">
                     <a:solidFill>
                       <a:srgbClr val="000000"/>
                     </a:solidFill>
@@ -10840,7 +10846,7 @@
               </a:ln>
               <a:extLst>
                 <a:ext uri="{91240B29-F687-4f45-9708-019B960494DF}">
-                  <a14:hiddenLine xmlns:a14="http://schemas.microsoft.com/office/drawing/2010/main" xmlns="" w="9525">
+                  <a14:hiddenLine xmlns="" xmlns:a14="http://schemas.microsoft.com/office/drawing/2010/main" w="9525">
                     <a:solidFill>
                       <a:srgbClr val="000000"/>
                     </a:solidFill>
@@ -10874,7 +10880,7 @@
               </a:ln>
               <a:extLst>
                 <a:ext uri="{91240B29-F687-4f45-9708-019B960494DF}">
-                  <a14:hiddenLine xmlns:a14="http://schemas.microsoft.com/office/drawing/2010/main" xmlns="" w="9525">
+                  <a14:hiddenLine xmlns="" xmlns:a14="http://schemas.microsoft.com/office/drawing/2010/main" w="9525">
                     <a:solidFill>
                       <a:srgbClr val="000000"/>
                     </a:solidFill>
@@ -10939,7 +10945,7 @@
               </a:ln>
               <a:extLst>
                 <a:ext uri="{91240B29-F687-4f45-9708-019B960494DF}">
-                  <a14:hiddenLine xmlns:a14="http://schemas.microsoft.com/office/drawing/2010/main" xmlns="" w="9525">
+                  <a14:hiddenLine xmlns="" xmlns:a14="http://schemas.microsoft.com/office/drawing/2010/main" w="9525">
                     <a:solidFill>
                       <a:srgbClr val="000000"/>
                     </a:solidFill>
@@ -11029,7 +11035,7 @@
               </a:ln>
               <a:extLst>
                 <a:ext uri="{91240B29-F687-4f45-9708-019B960494DF}">
-                  <a14:hiddenLine xmlns:a14="http://schemas.microsoft.com/office/drawing/2010/main" xmlns="" w="9525">
+                  <a14:hiddenLine xmlns="" xmlns:a14="http://schemas.microsoft.com/office/drawing/2010/main" w="9525">
                     <a:solidFill>
                       <a:srgbClr val="000000"/>
                     </a:solidFill>
@@ -11091,7 +11097,7 @@
               </a:ln>
               <a:extLst>
                 <a:ext uri="{91240B29-F687-4f45-9708-019B960494DF}">
-                  <a14:hiddenLine xmlns:a14="http://schemas.microsoft.com/office/drawing/2010/main" xmlns="" w="9525">
+                  <a14:hiddenLine xmlns="" xmlns:a14="http://schemas.microsoft.com/office/drawing/2010/main" w="9525">
                     <a:solidFill>
                       <a:srgbClr val="000000"/>
                     </a:solidFill>
@@ -11181,7 +11187,7 @@
               </a:ln>
               <a:extLst>
                 <a:ext uri="{91240B29-F687-4f45-9708-019B960494DF}">
-                  <a14:hiddenLine xmlns:a14="http://schemas.microsoft.com/office/drawing/2010/main" xmlns="" w="9525">
+                  <a14:hiddenLine xmlns="" xmlns:a14="http://schemas.microsoft.com/office/drawing/2010/main" w="9525">
                     <a:solidFill>
                       <a:srgbClr val="000000"/>
                     </a:solidFill>
@@ -11246,7 +11252,7 @@
               </a:ln>
               <a:extLst>
                 <a:ext uri="{91240B29-F687-4f45-9708-019B960494DF}">
-                  <a14:hiddenLine xmlns:a14="http://schemas.microsoft.com/office/drawing/2010/main" xmlns="" w="9525">
+                  <a14:hiddenLine xmlns="" xmlns:a14="http://schemas.microsoft.com/office/drawing/2010/main" w="9525">
                     <a:solidFill>
                       <a:srgbClr val="000000"/>
                     </a:solidFill>
@@ -11308,7 +11314,7 @@
               </a:ln>
               <a:extLst>
                 <a:ext uri="{91240B29-F687-4f45-9708-019B960494DF}">
-                  <a14:hiddenLine xmlns:a14="http://schemas.microsoft.com/office/drawing/2010/main" xmlns="" w="9525">
+                  <a14:hiddenLine xmlns="" xmlns:a14="http://schemas.microsoft.com/office/drawing/2010/main" w="9525">
                     <a:solidFill>
                       <a:srgbClr val="000000"/>
                     </a:solidFill>
@@ -11398,7 +11404,7 @@
               </a:ln>
               <a:extLst>
                 <a:ext uri="{91240B29-F687-4f45-9708-019B960494DF}">
-                  <a14:hiddenLine xmlns:a14="http://schemas.microsoft.com/office/drawing/2010/main" xmlns="" w="9525">
+                  <a14:hiddenLine xmlns="" xmlns:a14="http://schemas.microsoft.com/office/drawing/2010/main" w="9525">
                     <a:solidFill>
                       <a:srgbClr val="000000"/>
                     </a:solidFill>
@@ -11488,7 +11494,7 @@
               </a:ln>
               <a:extLst>
                 <a:ext uri="{91240B29-F687-4f45-9708-019B960494DF}">
-                  <a14:hiddenLine xmlns:a14="http://schemas.microsoft.com/office/drawing/2010/main" xmlns="" w="9525">
+                  <a14:hiddenLine xmlns="" xmlns:a14="http://schemas.microsoft.com/office/drawing/2010/main" w="9525">
                     <a:solidFill>
                       <a:srgbClr val="000000"/>
                     </a:solidFill>
@@ -11553,7 +11559,7 @@
               </a:ln>
               <a:extLst>
                 <a:ext uri="{91240B29-F687-4f45-9708-019B960494DF}">
-                  <a14:hiddenLine xmlns:a14="http://schemas.microsoft.com/office/drawing/2010/main" xmlns="" w="9525">
+                  <a14:hiddenLine xmlns="" xmlns:a14="http://schemas.microsoft.com/office/drawing/2010/main" w="9525">
                     <a:solidFill>
                       <a:srgbClr val="000000"/>
                     </a:solidFill>
@@ -11673,7 +11679,7 @@
               </a:ln>
               <a:extLst>
                 <a:ext uri="{91240B29-F687-4f45-9708-019B960494DF}">
-                  <a14:hiddenLine xmlns:a14="http://schemas.microsoft.com/office/drawing/2010/main" xmlns="" w="9525">
+                  <a14:hiddenLine xmlns="" xmlns:a14="http://schemas.microsoft.com/office/drawing/2010/main" w="9525">
                     <a:solidFill>
                       <a:srgbClr val="000000"/>
                     </a:solidFill>
@@ -11754,7 +11760,7 @@
               </a:ln>
               <a:extLst>
                 <a:ext uri="{91240B29-F687-4f45-9708-019B960494DF}">
-                  <a14:hiddenLine xmlns:a14="http://schemas.microsoft.com/office/drawing/2010/main" xmlns="" w="9525">
+                  <a14:hiddenLine xmlns="" xmlns:a14="http://schemas.microsoft.com/office/drawing/2010/main" w="9525">
                     <a:solidFill>
                       <a:srgbClr val="000000"/>
                     </a:solidFill>
@@ -11869,7 +11875,7 @@
               </a:ln>
               <a:extLst>
                 <a:ext uri="{91240B29-F687-4f45-9708-019B960494DF}">
-                  <a14:hiddenLine xmlns:a14="http://schemas.microsoft.com/office/drawing/2010/main" xmlns="" w="9525">
+                  <a14:hiddenLine xmlns="" xmlns:a14="http://schemas.microsoft.com/office/drawing/2010/main" w="9525">
                     <a:solidFill>
                       <a:srgbClr val="000000"/>
                     </a:solidFill>
@@ -11959,7 +11965,7 @@
               </a:ln>
               <a:extLst>
                 <a:ext uri="{91240B29-F687-4f45-9708-019B960494DF}">
-                  <a14:hiddenLine xmlns:a14="http://schemas.microsoft.com/office/drawing/2010/main" xmlns="" w="9525">
+                  <a14:hiddenLine xmlns="" xmlns:a14="http://schemas.microsoft.com/office/drawing/2010/main" w="9525">
                     <a:solidFill>
                       <a:srgbClr val="000000"/>
                     </a:solidFill>
@@ -12024,7 +12030,7 @@
               </a:ln>
               <a:extLst>
                 <a:ext uri="{91240B29-F687-4f45-9708-019B960494DF}">
-                  <a14:hiddenLine xmlns:a14="http://schemas.microsoft.com/office/drawing/2010/main" xmlns="" w="9525">
+                  <a14:hiddenLine xmlns="" xmlns:a14="http://schemas.microsoft.com/office/drawing/2010/main" w="9525">
                     <a:solidFill>
                       <a:srgbClr val="000000"/>
                     </a:solidFill>
@@ -12114,7 +12120,7 @@
               </a:ln>
               <a:extLst>
                 <a:ext uri="{91240B29-F687-4f45-9708-019B960494DF}">
-                  <a14:hiddenLine xmlns:a14="http://schemas.microsoft.com/office/drawing/2010/main" xmlns="" w="9525">
+                  <a14:hiddenLine xmlns="" xmlns:a14="http://schemas.microsoft.com/office/drawing/2010/main" w="9525">
                     <a:solidFill>
                       <a:srgbClr val="000000"/>
                     </a:solidFill>
@@ -12182,7 +12188,7 @@
               </a:ln>
               <a:extLst>
                 <a:ext uri="{91240B29-F687-4f45-9708-019B960494DF}">
-                  <a14:hiddenLine xmlns:a14="http://schemas.microsoft.com/office/drawing/2010/main" xmlns="" w="9525">
+                  <a14:hiddenLine xmlns="" xmlns:a14="http://schemas.microsoft.com/office/drawing/2010/main" w="9525">
                     <a:solidFill>
                       <a:srgbClr val="000000"/>
                     </a:solidFill>
@@ -12272,7 +12278,7 @@
               </a:ln>
               <a:extLst>
                 <a:ext uri="{91240B29-F687-4f45-9708-019B960494DF}">
-                  <a14:hiddenLine xmlns:a14="http://schemas.microsoft.com/office/drawing/2010/main" xmlns="" w="9525">
+                  <a14:hiddenLine xmlns="" xmlns:a14="http://schemas.microsoft.com/office/drawing/2010/main" w="9525">
                     <a:solidFill>
                       <a:srgbClr val="000000"/>
                     </a:solidFill>
@@ -12340,7 +12346,7 @@
               </a:ln>
               <a:extLst>
                 <a:ext uri="{91240B29-F687-4f45-9708-019B960494DF}">
-                  <a14:hiddenLine xmlns:a14="http://schemas.microsoft.com/office/drawing/2010/main" xmlns="" w="9525">
+                  <a14:hiddenLine xmlns="" xmlns:a14="http://schemas.microsoft.com/office/drawing/2010/main" w="9525">
                     <a:solidFill>
                       <a:srgbClr val="000000"/>
                     </a:solidFill>
@@ -12430,7 +12436,7 @@
               </a:ln>
               <a:extLst>
                 <a:ext uri="{91240B29-F687-4f45-9708-019B960494DF}">
-                  <a14:hiddenLine xmlns:a14="http://schemas.microsoft.com/office/drawing/2010/main" xmlns="" w="9525">
+                  <a14:hiddenLine xmlns="" xmlns:a14="http://schemas.microsoft.com/office/drawing/2010/main" w="9525">
                     <a:solidFill>
                       <a:srgbClr val="000000"/>
                     </a:solidFill>
@@ -12464,7 +12470,7 @@
               </a:ln>
               <a:extLst>
                 <a:ext uri="{91240B29-F687-4f45-9708-019B960494DF}">
-                  <a14:hiddenLine xmlns:a14="http://schemas.microsoft.com/office/drawing/2010/main" xmlns="" w="9525">
+                  <a14:hiddenLine xmlns="" xmlns:a14="http://schemas.microsoft.com/office/drawing/2010/main" w="9525">
                     <a:solidFill>
                       <a:srgbClr val="000000"/>
                     </a:solidFill>
@@ -12604,7 +12610,7 @@
           <a:p>
             <a:fld id="{62B29A1C-2C6F-4F53-8817-88025C8CDCD8}" type="datetimeFigureOut">
               <a:rPr lang="en-US" smtClean="0"/>
-              <a:t>11/21/18</a:t>
+              <a:t>11/27/18</a:t>
             </a:fld>
             <a:endParaRPr lang="en-US"/>
           </a:p>
@@ -13135,6 +13141,171 @@
           <p:cNvPr id="2" name="Title 1">
             <a:extLst>
               <a:ext uri="{FF2B5EF4-FFF2-40B4-BE49-F238E27FC236}">
+                <a16:creationId xmlns:a16="http://schemas.microsoft.com/office/drawing/2014/main" id="{5FEC35EC-B61E-4144-B4A3-E8946DCDB7CA}"/>
+              </a:ext>
+            </a:extLst>
+          </p:cNvPr>
+          <p:cNvSpPr>
+            <a:spLocks noGrp="1"/>
+          </p:cNvSpPr>
+          <p:nvPr>
+            <p:ph type="title"/>
+          </p:nvPr>
+        </p:nvSpPr>
+        <p:spPr/>
+        <p:txBody>
+          <a:bodyPr/>
+          <a:lstStyle/>
+          <a:p>
+            <a:r>
+              <a:rPr lang="en-US" dirty="0">
+                <a:solidFill>
+                  <a:schemeClr val="accent2"/>
+                </a:solidFill>
+              </a:rPr>
+              <a:t>Why </a:t>
+            </a:r>
+            <a:r>
+              <a:rPr lang="en-US" dirty="0"/>
+              <a:t>use a server?</a:t>
+            </a:r>
+          </a:p>
+        </p:txBody>
+      </p:sp>
+      <p:sp>
+        <p:nvSpPr>
+          <p:cNvPr id="3" name="Content Placeholder 2">
+            <a:extLst>
+              <a:ext uri="{FF2B5EF4-FFF2-40B4-BE49-F238E27FC236}">
+                <a16:creationId xmlns:a16="http://schemas.microsoft.com/office/drawing/2014/main" id="{E167FAB0-F0F3-4550-80B6-5BADC3EE0EFC}"/>
+              </a:ext>
+            </a:extLst>
+          </p:cNvPr>
+          <p:cNvSpPr>
+            <a:spLocks noGrp="1"/>
+          </p:cNvSpPr>
+          <p:nvPr>
+            <p:ph idx="1"/>
+          </p:nvPr>
+        </p:nvSpPr>
+        <p:spPr>
+          <a:xfrm>
+            <a:off x="1141412" y="2249486"/>
+            <a:ext cx="9905999" cy="4076885"/>
+          </a:xfrm>
+        </p:spPr>
+        <p:txBody>
+          <a:bodyPr>
+            <a:normAutofit/>
+          </a:bodyPr>
+          <a:lstStyle/>
+          <a:p>
+            <a:r>
+              <a:rPr lang="en-US" dirty="0"/>
+              <a:t>Servers often have more memory and less overhead</a:t>
+            </a:r>
+          </a:p>
+          <a:p>
+            <a:pPr lvl="1"/>
+            <a:r>
+              <a:rPr lang="en-US" dirty="0"/>
+              <a:t>They don’t have to think about whether you’re about to start Pandora or play Candy Crush or open 32 Chrome tabs</a:t>
+            </a:r>
+          </a:p>
+          <a:p>
+            <a:r>
+              <a:rPr lang="en-US" dirty="0"/>
+              <a:t>Great for big data sets</a:t>
+            </a:r>
+          </a:p>
+          <a:p>
+            <a:pPr lvl="1"/>
+            <a:r>
+              <a:rPr lang="en-US" dirty="0"/>
+              <a:t>Databases</a:t>
+            </a:r>
+          </a:p>
+          <a:p>
+            <a:pPr lvl="1"/>
+            <a:r>
+              <a:rPr lang="en-US" dirty="0"/>
+              <a:t>Textual analysis (</a:t>
+            </a:r>
+            <a:r>
+              <a:rPr lang="en-US" dirty="0" err="1"/>
+              <a:t>Voyant</a:t>
+            </a:r>
+            <a:r>
+              <a:rPr lang="en-US" dirty="0"/>
+              <a:t>-Tools, </a:t>
+            </a:r>
+            <a:r>
+              <a:rPr lang="en-US" dirty="0" err="1"/>
+              <a:t>HathiTrust</a:t>
+            </a:r>
+            <a:r>
+              <a:rPr lang="en-US" dirty="0"/>
+              <a:t>, SOTU-</a:t>
+            </a:r>
+            <a:r>
+              <a:rPr lang="en-US" dirty="0" err="1"/>
+              <a:t>db</a:t>
+            </a:r>
+            <a:r>
+              <a:rPr lang="en-US" dirty="0"/>
+              <a:t> 😎)</a:t>
+            </a:r>
+          </a:p>
+          <a:p>
+            <a:r>
+              <a:rPr lang="en-US" dirty="0"/>
+              <a:t>Full control</a:t>
+            </a:r>
+          </a:p>
+          <a:p>
+            <a:pPr lvl="1"/>
+            <a:r>
+              <a:rPr lang="en-US" dirty="0"/>
+              <a:t>A great environment for learning HTML/CSS </a:t>
+            </a:r>
+          </a:p>
+        </p:txBody>
+      </p:sp>
+    </p:spTree>
+    <p:extLst>
+      <p:ext uri="{BB962C8B-B14F-4D97-AF65-F5344CB8AC3E}">
+        <p14:creationId xmlns:p14="http://schemas.microsoft.com/office/powerpoint/2010/main" val="670784547"/>
+      </p:ext>
+    </p:extLst>
+  </p:cSld>
+  <p:clrMapOvr>
+    <a:masterClrMapping/>
+  </p:clrMapOvr>
+</p:sld>
+</file>
+
+<file path=ppt/slides/slide11.xml><?xml version="1.0" encoding="utf-8"?>
+<p:sld xmlns:a="http://schemas.openxmlformats.org/drawingml/2006/main" xmlns:r="http://schemas.openxmlformats.org/officeDocument/2006/relationships" xmlns:p="http://schemas.openxmlformats.org/presentationml/2006/main">
+  <p:cSld>
+    <p:spTree>
+      <p:nvGrpSpPr>
+        <p:cNvPr id="1" name=""/>
+        <p:cNvGrpSpPr/>
+        <p:nvPr/>
+      </p:nvGrpSpPr>
+      <p:grpSpPr>
+        <a:xfrm>
+          <a:off x="0" y="0"/>
+          <a:ext cx="0" cy="0"/>
+          <a:chOff x="0" y="0"/>
+          <a:chExt cx="0" cy="0"/>
+        </a:xfrm>
+      </p:grpSpPr>
+      <p:sp>
+        <p:nvSpPr>
+          <p:cNvPr id="2" name="Title 1">
+            <a:extLst>
+              <a:ext uri="{FF2B5EF4-FFF2-40B4-BE49-F238E27FC236}">
                 <a16:creationId xmlns:a16="http://schemas.microsoft.com/office/drawing/2014/main" id="{FA22CDB8-79C8-43C5-AFFB-930D0262961F}"/>
               </a:ext>
             </a:extLst>
@@ -13283,7 +13454,7 @@
 </p:sld>
 </file>
 
-<file path=ppt/slides/slide11.xml><?xml version="1.0" encoding="utf-8"?>
+<file path=ppt/slides/slide12.xml><?xml version="1.0" encoding="utf-8"?>
 <p:sld xmlns:a="http://schemas.openxmlformats.org/drawingml/2006/main" xmlns:r="http://schemas.openxmlformats.org/officeDocument/2006/relationships" xmlns:p="http://schemas.openxmlformats.org/presentationml/2006/main">
   <p:cSld>
     <p:spTree>
@@ -13448,7 +13619,7 @@
 </p:sld>
 </file>
 
-<file path=ppt/slides/slide12.xml><?xml version="1.0" encoding="utf-8"?>
+<file path=ppt/slides/slide13.xml><?xml version="1.0" encoding="utf-8"?>
 <p:sld xmlns:a="http://schemas.openxmlformats.org/drawingml/2006/main" xmlns:r="http://schemas.openxmlformats.org/officeDocument/2006/relationships" xmlns:p="http://schemas.openxmlformats.org/presentationml/2006/main">
   <p:cSld>
     <p:spTree>
@@ -13554,7 +13725,7 @@
 </p:sld>
 </file>
 
-<file path=ppt/slides/slide13.xml><?xml version="1.0" encoding="utf-8"?>
+<file path=ppt/slides/slide14.xml><?xml version="1.0" encoding="utf-8"?>
 <p:sld xmlns:a="http://schemas.openxmlformats.org/drawingml/2006/main" xmlns:r="http://schemas.openxmlformats.org/officeDocument/2006/relationships" xmlns:p="http://schemas.openxmlformats.org/presentationml/2006/main">
   <p:cSld>
     <p:spTree>
@@ -13662,7 +13833,7 @@
 </p:sld>
 </file>
 
-<file path=ppt/slides/slide14.xml><?xml version="1.0" encoding="utf-8"?>
+<file path=ppt/slides/slide15.xml><?xml version="1.0" encoding="utf-8"?>
 <p:sld xmlns:a="http://schemas.openxmlformats.org/drawingml/2006/main" xmlns:r="http://schemas.openxmlformats.org/officeDocument/2006/relationships" xmlns:p="http://schemas.openxmlformats.org/presentationml/2006/main">
   <p:cSld>
     <p:spTree>
@@ -13982,7 +14153,7 @@
 </p:sld>
 </file>
 
-<file path=ppt/slides/slide15.xml><?xml version="1.0" encoding="utf-8"?>
+<file path=ppt/slides/slide16.xml><?xml version="1.0" encoding="utf-8"?>
 <p:sld xmlns:a="http://schemas.openxmlformats.org/drawingml/2006/main" xmlns:r="http://schemas.openxmlformats.org/officeDocument/2006/relationships" xmlns:p="http://schemas.openxmlformats.org/presentationml/2006/main">
   <p:cSld>
     <p:spTree>
@@ -14351,7 +14522,7 @@
 </p:sld>
 </file>
 
-<file path=ppt/slides/slide16.xml><?xml version="1.0" encoding="utf-8"?>
+<file path=ppt/slides/slide17.xml><?xml version="1.0" encoding="utf-8"?>
 <p:sld xmlns:a="http://schemas.openxmlformats.org/drawingml/2006/main" xmlns:r="http://schemas.openxmlformats.org/officeDocument/2006/relationships" xmlns:p="http://schemas.openxmlformats.org/presentationml/2006/main">
   <p:cSld>
     <p:spTree>
@@ -14744,7 +14915,7 @@
 </p:sld>
 </file>
 
-<file path=ppt/slides/slide17.xml><?xml version="1.0" encoding="utf-8"?>
+<file path=ppt/slides/slide18.xml><?xml version="1.0" encoding="utf-8"?>
 <p:sld xmlns:a="http://schemas.openxmlformats.org/drawingml/2006/main" xmlns:r="http://schemas.openxmlformats.org/officeDocument/2006/relationships" xmlns:p="http://schemas.openxmlformats.org/presentationml/2006/main">
   <p:cSld>
     <p:spTree>
@@ -15273,7 +15444,7 @@
 </p:sld>
 </file>
 
-<file path=ppt/slides/slide18.xml><?xml version="1.0" encoding="utf-8"?>
+<file path=ppt/slides/slide19.xml><?xml version="1.0" encoding="utf-8"?>
 <p:sld xmlns:a="http://schemas.openxmlformats.org/drawingml/2006/main" xmlns:r="http://schemas.openxmlformats.org/officeDocument/2006/relationships" xmlns:p="http://schemas.openxmlformats.org/presentationml/2006/main">
   <p:cSld>
     <p:spTree>
@@ -15672,6 +15843,133 @@
 </file>
 
 <file path=ppt/slides/slide3.xml><?xml version="1.0" encoding="utf-8"?>
+<p:sld xmlns:a="http://schemas.openxmlformats.org/drawingml/2006/main" xmlns:r="http://schemas.openxmlformats.org/officeDocument/2006/relationships" xmlns:p="http://schemas.openxmlformats.org/presentationml/2006/main">
+  <p:cSld>
+    <p:spTree>
+      <p:nvGrpSpPr>
+        <p:cNvPr id="1" name=""/>
+        <p:cNvGrpSpPr/>
+        <p:nvPr/>
+      </p:nvGrpSpPr>
+      <p:grpSpPr>
+        <a:xfrm>
+          <a:off x="0" y="0"/>
+          <a:ext cx="0" cy="0"/>
+          <a:chOff x="0" y="0"/>
+          <a:chExt cx="0" cy="0"/>
+        </a:xfrm>
+      </p:grpSpPr>
+      <p:sp>
+        <p:nvSpPr>
+          <p:cNvPr id="2" name="Title 1">
+            <a:extLst>
+              <a:ext uri="{FF2B5EF4-FFF2-40B4-BE49-F238E27FC236}">
+                <a16:creationId xmlns:a16="http://schemas.microsoft.com/office/drawing/2014/main" id="{01221EC9-7558-4C75-88DB-D6E2753C7299}"/>
+              </a:ext>
+            </a:extLst>
+          </p:cNvPr>
+          <p:cNvSpPr>
+            <a:spLocks noGrp="1"/>
+          </p:cNvSpPr>
+          <p:nvPr>
+            <p:ph type="title"/>
+          </p:nvPr>
+        </p:nvSpPr>
+        <p:spPr>
+          <a:xfrm>
+            <a:off x="1141412" y="314035"/>
+            <a:ext cx="9905998" cy="896361"/>
+          </a:xfrm>
+        </p:spPr>
+        <p:txBody>
+          <a:bodyPr/>
+          <a:lstStyle/>
+          <a:p>
+            <a:r>
+              <a:rPr lang="en-US" dirty="0">
+                <a:solidFill>
+                  <a:schemeClr val="accent2"/>
+                </a:solidFill>
+              </a:rPr>
+              <a:t>Who</a:t>
+            </a:r>
+            <a:r>
+              <a:rPr lang="en-US" dirty="0"/>
+              <a:t> I am</a:t>
+            </a:r>
+          </a:p>
+        </p:txBody>
+      </p:sp>
+      <p:sp>
+        <p:nvSpPr>
+          <p:cNvPr id="3" name="Content Placeholder 2">
+            <a:extLst>
+              <a:ext uri="{FF2B5EF4-FFF2-40B4-BE49-F238E27FC236}">
+                <a16:creationId xmlns:a16="http://schemas.microsoft.com/office/drawing/2014/main" id="{6E75E663-03E0-454D-BF50-E9A5C379F661}"/>
+              </a:ext>
+            </a:extLst>
+          </p:cNvPr>
+          <p:cNvSpPr>
+            <a:spLocks noGrp="1"/>
+          </p:cNvSpPr>
+          <p:nvPr>
+            <p:ph idx="1"/>
+          </p:nvPr>
+        </p:nvSpPr>
+        <p:spPr>
+          <a:xfrm>
+            <a:off x="1141413" y="1366982"/>
+            <a:ext cx="6081424" cy="4424219"/>
+          </a:xfrm>
+        </p:spPr>
+        <p:txBody>
+          <a:bodyPr/>
+          <a:lstStyle/>
+          <a:p>
+            <a:r>
+              <a:rPr lang="en-US" dirty="0"/>
+              <a:t>BA in History and Secondary Education</a:t>
+            </a:r>
+          </a:p>
+          <a:p>
+            <a:r>
+              <a:rPr lang="en-US" dirty="0"/>
+              <a:t>MA in DH</a:t>
+            </a:r>
+          </a:p>
+          <a:p>
+            <a:r>
+              <a:rPr lang="en-US" dirty="0"/>
+              <a:t>Never wrote a line of code before last September</a:t>
+            </a:r>
+          </a:p>
+          <a:p>
+            <a:r>
+              <a:rPr lang="en-US" dirty="0"/>
+              <a:t>Learned most of this via online tutorials </a:t>
+            </a:r>
+            <a:r>
+              <a:rPr lang="en-US"/>
+              <a:t>and guides</a:t>
+            </a:r>
+            <a:endParaRPr lang="en-US" dirty="0"/>
+          </a:p>
+        </p:txBody>
+      </p:sp>
+    </p:spTree>
+    <p:extLst>
+      <p:ext uri="{BB962C8B-B14F-4D97-AF65-F5344CB8AC3E}">
+        <p14:creationId xmlns:p14="http://schemas.microsoft.com/office/powerpoint/2010/main" val="111957924"/>
+      </p:ext>
+    </p:extLst>
+  </p:cSld>
+  <p:clrMapOvr>
+    <a:masterClrMapping/>
+  </p:clrMapOvr>
+</p:sld>
+</file>
+
+<file path=ppt/slides/slide4.xml><?xml version="1.0" encoding="utf-8"?>
 <p:sld xmlns:a="http://schemas.openxmlformats.org/drawingml/2006/main" xmlns:r="http://schemas.openxmlformats.org/officeDocument/2006/relationships" xmlns:p="http://schemas.openxmlformats.org/presentationml/2006/main">
   <p:cSld>
     <p:bg>
@@ -16118,7 +16416,7 @@
 </p:sld>
 </file>
 
-<file path=ppt/slides/slide4.xml><?xml version="1.0" encoding="utf-8"?>
+<file path=ppt/slides/slide5.xml><?xml version="1.0" encoding="utf-8"?>
 <p:sld xmlns:a="http://schemas.openxmlformats.org/drawingml/2006/main" xmlns:r="http://schemas.openxmlformats.org/officeDocument/2006/relationships" xmlns:p="http://schemas.openxmlformats.org/presentationml/2006/main">
   <p:cSld>
     <p:spTree>
@@ -16241,7 +16539,7 @@
 </p:sld>
 </file>
 
-<file path=ppt/slides/slide5.xml><?xml version="1.0" encoding="utf-8"?>
+<file path=ppt/slides/slide6.xml><?xml version="1.0" encoding="utf-8"?>
 <p:sld xmlns:a="http://schemas.openxmlformats.org/drawingml/2006/main" xmlns:r="http://schemas.openxmlformats.org/officeDocument/2006/relationships" xmlns:p="http://schemas.openxmlformats.org/presentationml/2006/main">
   <p:cSld>
     <p:bg>
@@ -16338,7 +16636,7 @@
           <a:noFill/>
           <a:extLst>
             <a:ext uri="{909E8E84-426E-40dd-AFC4-6F175D3DCCD1}">
-              <a14:hiddenFill xmlns="" xmlns:a16="http://schemas.microsoft.com/office/drawing/2014/main" xmlns:p14="http://schemas.microsoft.com/office/powerpoint/2010/main" xmlns:a14="http://schemas.microsoft.com/office/drawing/2010/main">
+              <a14:hiddenFill xmlns:a14="http://schemas.microsoft.com/office/drawing/2010/main" xmlns:p14="http://schemas.microsoft.com/office/powerpoint/2010/main" xmlns:a16="http://schemas.microsoft.com/office/drawing/2014/main" xmlns="">
                 <a:solidFill>
                   <a:srgbClr val="FFFFFF"/>
                 </a:solidFill>
@@ -16429,7 +16727,7 @@
             </a:ln>
             <a:extLst>
               <a:ext uri="{91240B29-F687-4f45-9708-019B960494DF}">
-                <a14:hiddenLine xmlns="" xmlns:a16="http://schemas.microsoft.com/office/drawing/2014/main" xmlns:p14="http://schemas.microsoft.com/office/powerpoint/2010/main" xmlns:a14="http://schemas.microsoft.com/office/drawing/2010/main" w="9525">
+                <a14:hiddenLine xmlns:a14="http://schemas.microsoft.com/office/drawing/2010/main" xmlns:p14="http://schemas.microsoft.com/office/powerpoint/2010/main" xmlns:a16="http://schemas.microsoft.com/office/drawing/2014/main" xmlns="" w="9525">
                   <a:solidFill>
                     <a:srgbClr val="000000"/>
                   </a:solidFill>
@@ -16534,7 +16832,7 @@
             </a:ln>
             <a:extLst>
               <a:ext uri="{91240B29-F687-4f45-9708-019B960494DF}">
-                <a14:hiddenLine xmlns="" xmlns:a16="http://schemas.microsoft.com/office/drawing/2014/main" xmlns:p14="http://schemas.microsoft.com/office/powerpoint/2010/main" xmlns:a14="http://schemas.microsoft.com/office/drawing/2010/main" w="9525">
+                <a14:hiddenLine xmlns:a14="http://schemas.microsoft.com/office/drawing/2010/main" xmlns:p14="http://schemas.microsoft.com/office/powerpoint/2010/main" xmlns:a16="http://schemas.microsoft.com/office/drawing/2014/main" xmlns="" w="9525">
                   <a:solidFill>
                     <a:srgbClr val="000000"/>
                   </a:solidFill>
@@ -16639,7 +16937,7 @@
             </a:ln>
             <a:extLst>
               <a:ext uri="{91240B29-F687-4f45-9708-019B960494DF}">
-                <a14:hiddenLine xmlns="" xmlns:a16="http://schemas.microsoft.com/office/drawing/2014/main" xmlns:p14="http://schemas.microsoft.com/office/powerpoint/2010/main" xmlns:a14="http://schemas.microsoft.com/office/drawing/2010/main" w="9525">
+                <a14:hiddenLine xmlns:a14="http://schemas.microsoft.com/office/drawing/2010/main" xmlns:p14="http://schemas.microsoft.com/office/powerpoint/2010/main" xmlns:a16="http://schemas.microsoft.com/office/drawing/2014/main" xmlns="" w="9525">
                   <a:solidFill>
                     <a:srgbClr val="000000"/>
                   </a:solidFill>
@@ -16688,7 +16986,7 @@
             </a:ln>
             <a:extLst>
               <a:ext uri="{91240B29-F687-4f45-9708-019B960494DF}">
-                <a14:hiddenLine xmlns="" xmlns:a16="http://schemas.microsoft.com/office/drawing/2014/main" xmlns:p14="http://schemas.microsoft.com/office/powerpoint/2010/main" xmlns:a14="http://schemas.microsoft.com/office/drawing/2010/main" w="9525">
+                <a14:hiddenLine xmlns:a14="http://schemas.microsoft.com/office/drawing/2010/main" xmlns:p14="http://schemas.microsoft.com/office/powerpoint/2010/main" xmlns:a16="http://schemas.microsoft.com/office/drawing/2014/main" xmlns="" w="9525">
                   <a:solidFill>
                     <a:srgbClr val="000000"/>
                   </a:solidFill>
@@ -16793,7 +17091,7 @@
             </a:ln>
             <a:extLst>
               <a:ext uri="{91240B29-F687-4f45-9708-019B960494DF}">
-                <a14:hiddenLine xmlns="" xmlns:a16="http://schemas.microsoft.com/office/drawing/2014/main" xmlns:p14="http://schemas.microsoft.com/office/powerpoint/2010/main" xmlns:a14="http://schemas.microsoft.com/office/drawing/2010/main" w="9525">
+                <a14:hiddenLine xmlns:a14="http://schemas.microsoft.com/office/drawing/2010/main" xmlns:p14="http://schemas.microsoft.com/office/powerpoint/2010/main" xmlns:a16="http://schemas.microsoft.com/office/drawing/2014/main" xmlns="" w="9525">
                   <a:solidFill>
                     <a:srgbClr val="000000"/>
                   </a:solidFill>
@@ -16870,7 +17168,7 @@
             </a:ln>
             <a:extLst>
               <a:ext uri="{91240B29-F687-4f45-9708-019B960494DF}">
-                <a14:hiddenLine xmlns="" xmlns:a16="http://schemas.microsoft.com/office/drawing/2014/main" xmlns:p14="http://schemas.microsoft.com/office/powerpoint/2010/main" xmlns:a14="http://schemas.microsoft.com/office/drawing/2010/main" w="9525">
+                <a14:hiddenLine xmlns:a14="http://schemas.microsoft.com/office/drawing/2010/main" xmlns:p14="http://schemas.microsoft.com/office/powerpoint/2010/main" xmlns:a16="http://schemas.microsoft.com/office/drawing/2014/main" xmlns="" w="9525">
                   <a:solidFill>
                     <a:srgbClr val="000000"/>
                   </a:solidFill>
@@ -16947,7 +17245,7 @@
             </a:ln>
             <a:extLst>
               <a:ext uri="{91240B29-F687-4f45-9708-019B960494DF}">
-                <a14:hiddenLine xmlns="" xmlns:a16="http://schemas.microsoft.com/office/drawing/2014/main" xmlns:p14="http://schemas.microsoft.com/office/powerpoint/2010/main" xmlns:a14="http://schemas.microsoft.com/office/drawing/2010/main" w="9525">
+                <a14:hiddenLine xmlns:a14="http://schemas.microsoft.com/office/drawing/2010/main" xmlns:p14="http://schemas.microsoft.com/office/powerpoint/2010/main" xmlns:a16="http://schemas.microsoft.com/office/drawing/2014/main" xmlns="" w="9525">
                   <a:solidFill>
                     <a:srgbClr val="000000"/>
                   </a:solidFill>
@@ -17052,7 +17350,7 @@
             </a:ln>
             <a:extLst>
               <a:ext uri="{91240B29-F687-4f45-9708-019B960494DF}">
-                <a14:hiddenLine xmlns="" xmlns:a16="http://schemas.microsoft.com/office/drawing/2014/main" xmlns:p14="http://schemas.microsoft.com/office/powerpoint/2010/main" xmlns:a14="http://schemas.microsoft.com/office/drawing/2010/main" w="9525">
+                <a14:hiddenLine xmlns:a14="http://schemas.microsoft.com/office/drawing/2010/main" xmlns:p14="http://schemas.microsoft.com/office/powerpoint/2010/main" xmlns:a16="http://schemas.microsoft.com/office/drawing/2014/main" xmlns="" w="9525">
                   <a:solidFill>
                     <a:srgbClr val="000000"/>
                   </a:solidFill>
@@ -17129,7 +17427,7 @@
             </a:ln>
             <a:extLst>
               <a:ext uri="{91240B29-F687-4f45-9708-019B960494DF}">
-                <a14:hiddenLine xmlns="" xmlns:a16="http://schemas.microsoft.com/office/drawing/2014/main" xmlns:p14="http://schemas.microsoft.com/office/powerpoint/2010/main" xmlns:a14="http://schemas.microsoft.com/office/drawing/2010/main" w="9525">
+                <a14:hiddenLine xmlns:a14="http://schemas.microsoft.com/office/drawing/2010/main" xmlns:p14="http://schemas.microsoft.com/office/powerpoint/2010/main" xmlns:a16="http://schemas.microsoft.com/office/drawing/2014/main" xmlns="" w="9525">
                   <a:solidFill>
                     <a:srgbClr val="000000"/>
                   </a:solidFill>
@@ -17206,7 +17504,7 @@
             </a:ln>
             <a:extLst>
               <a:ext uri="{91240B29-F687-4f45-9708-019B960494DF}">
-                <a14:hiddenLine xmlns="" xmlns:a16="http://schemas.microsoft.com/office/drawing/2014/main" xmlns:p14="http://schemas.microsoft.com/office/powerpoint/2010/main" xmlns:a14="http://schemas.microsoft.com/office/drawing/2010/main" w="9525">
+                <a14:hiddenLine xmlns:a14="http://schemas.microsoft.com/office/drawing/2010/main" xmlns:p14="http://schemas.microsoft.com/office/powerpoint/2010/main" xmlns:a16="http://schemas.microsoft.com/office/drawing/2014/main" xmlns="" w="9525">
                   <a:solidFill>
                     <a:srgbClr val="000000"/>
                   </a:solidFill>
@@ -17311,7 +17609,7 @@
             </a:ln>
             <a:extLst>
               <a:ext uri="{91240B29-F687-4f45-9708-019B960494DF}">
-                <a14:hiddenLine xmlns="" xmlns:a16="http://schemas.microsoft.com/office/drawing/2014/main" xmlns:p14="http://schemas.microsoft.com/office/powerpoint/2010/main" xmlns:a14="http://schemas.microsoft.com/office/drawing/2010/main" w="9525">
+                <a14:hiddenLine xmlns:a14="http://schemas.microsoft.com/office/drawing/2010/main" xmlns:p14="http://schemas.microsoft.com/office/powerpoint/2010/main" xmlns:a16="http://schemas.microsoft.com/office/drawing/2014/main" xmlns="" w="9525">
                   <a:solidFill>
                     <a:srgbClr val="000000"/>
                   </a:solidFill>
@@ -17416,7 +17714,7 @@
             </a:ln>
             <a:extLst>
               <a:ext uri="{91240B29-F687-4f45-9708-019B960494DF}">
-                <a14:hiddenLine xmlns="" xmlns:a16="http://schemas.microsoft.com/office/drawing/2014/main" xmlns:p14="http://schemas.microsoft.com/office/powerpoint/2010/main" xmlns:a14="http://schemas.microsoft.com/office/drawing/2010/main" w="9525">
+                <a14:hiddenLine xmlns:a14="http://schemas.microsoft.com/office/drawing/2010/main" xmlns:p14="http://schemas.microsoft.com/office/powerpoint/2010/main" xmlns:a16="http://schemas.microsoft.com/office/drawing/2014/main" xmlns="" w="9525">
                   <a:solidFill>
                     <a:srgbClr val="000000"/>
                   </a:solidFill>
@@ -17493,7 +17791,7 @@
             </a:ln>
             <a:extLst>
               <a:ext uri="{91240B29-F687-4f45-9708-019B960494DF}">
-                <a14:hiddenLine xmlns="" xmlns:a16="http://schemas.microsoft.com/office/drawing/2014/main" xmlns:p14="http://schemas.microsoft.com/office/powerpoint/2010/main" xmlns:a14="http://schemas.microsoft.com/office/drawing/2010/main" w="9525">
+                <a14:hiddenLine xmlns:a14="http://schemas.microsoft.com/office/drawing/2010/main" xmlns:p14="http://schemas.microsoft.com/office/powerpoint/2010/main" xmlns:a16="http://schemas.microsoft.com/office/drawing/2014/main" xmlns="" w="9525">
                   <a:solidFill>
                     <a:srgbClr val="000000"/>
                   </a:solidFill>
@@ -17618,7 +17916,7 @@
             </a:ln>
             <a:extLst>
               <a:ext uri="{91240B29-F687-4f45-9708-019B960494DF}">
-                <a14:hiddenLine xmlns="" xmlns:a16="http://schemas.microsoft.com/office/drawing/2014/main" xmlns:p14="http://schemas.microsoft.com/office/powerpoint/2010/main" xmlns:a14="http://schemas.microsoft.com/office/drawing/2010/main" w="9525">
+                <a14:hiddenLine xmlns:a14="http://schemas.microsoft.com/office/drawing/2010/main" xmlns:p14="http://schemas.microsoft.com/office/powerpoint/2010/main" xmlns:a16="http://schemas.microsoft.com/office/drawing/2014/main" xmlns="" w="9525">
                   <a:solidFill>
                     <a:srgbClr val="000000"/>
                   </a:solidFill>
@@ -17695,7 +17993,7 @@
             </a:ln>
             <a:extLst>
               <a:ext uri="{91240B29-F687-4f45-9708-019B960494DF}">
-                <a14:hiddenLine xmlns="" xmlns:a16="http://schemas.microsoft.com/office/drawing/2014/main" xmlns:p14="http://schemas.microsoft.com/office/powerpoint/2010/main" xmlns:a14="http://schemas.microsoft.com/office/drawing/2010/main" w="9525">
+                <a14:hiddenLine xmlns:a14="http://schemas.microsoft.com/office/drawing/2010/main" xmlns:p14="http://schemas.microsoft.com/office/powerpoint/2010/main" xmlns:a16="http://schemas.microsoft.com/office/drawing/2014/main" xmlns="" w="9525">
                   <a:solidFill>
                     <a:srgbClr val="000000"/>
                   </a:solidFill>
@@ -17800,7 +18098,7 @@
             </a:ln>
             <a:extLst>
               <a:ext uri="{91240B29-F687-4f45-9708-019B960494DF}">
-                <a14:hiddenLine xmlns="" xmlns:a16="http://schemas.microsoft.com/office/drawing/2014/main" xmlns:p14="http://schemas.microsoft.com/office/powerpoint/2010/main" xmlns:a14="http://schemas.microsoft.com/office/drawing/2010/main" w="9525">
+                <a14:hiddenLine xmlns:a14="http://schemas.microsoft.com/office/drawing/2010/main" xmlns:p14="http://schemas.microsoft.com/office/powerpoint/2010/main" xmlns:a16="http://schemas.microsoft.com/office/drawing/2014/main" xmlns="" w="9525">
                   <a:solidFill>
                     <a:srgbClr val="000000"/>
                   </a:solidFill>
@@ -17905,7 +18203,7 @@
             </a:ln>
             <a:extLst>
               <a:ext uri="{91240B29-F687-4f45-9708-019B960494DF}">
-                <a14:hiddenLine xmlns="" xmlns:a16="http://schemas.microsoft.com/office/drawing/2014/main" xmlns:p14="http://schemas.microsoft.com/office/powerpoint/2010/main" xmlns:a14="http://schemas.microsoft.com/office/drawing/2010/main" w="9525">
+                <a14:hiddenLine xmlns:a14="http://schemas.microsoft.com/office/drawing/2010/main" xmlns:p14="http://schemas.microsoft.com/office/powerpoint/2010/main" xmlns:a16="http://schemas.microsoft.com/office/drawing/2014/main" xmlns="" w="9525">
                   <a:solidFill>
                     <a:srgbClr val="000000"/>
                   </a:solidFill>
@@ -17982,7 +18280,7 @@
             </a:ln>
             <a:extLst>
               <a:ext uri="{91240B29-F687-4f45-9708-019B960494DF}">
-                <a14:hiddenLine xmlns="" xmlns:a16="http://schemas.microsoft.com/office/drawing/2014/main" xmlns:p14="http://schemas.microsoft.com/office/powerpoint/2010/main" xmlns:a14="http://schemas.microsoft.com/office/drawing/2010/main" w="9525">
+                <a14:hiddenLine xmlns:a14="http://schemas.microsoft.com/office/drawing/2010/main" xmlns:p14="http://schemas.microsoft.com/office/powerpoint/2010/main" xmlns:a16="http://schemas.microsoft.com/office/drawing/2014/main" xmlns="" w="9525">
                   <a:solidFill>
                     <a:srgbClr val="000000"/>
                   </a:solidFill>
@@ -18087,7 +18385,7 @@
             </a:ln>
             <a:extLst>
               <a:ext uri="{91240B29-F687-4f45-9708-019B960494DF}">
-                <a14:hiddenLine xmlns="" xmlns:a16="http://schemas.microsoft.com/office/drawing/2014/main" xmlns:p14="http://schemas.microsoft.com/office/powerpoint/2010/main" xmlns:a14="http://schemas.microsoft.com/office/drawing/2010/main" w="9525">
+                <a14:hiddenLine xmlns:a14="http://schemas.microsoft.com/office/drawing/2010/main" xmlns:p14="http://schemas.microsoft.com/office/powerpoint/2010/main" xmlns:a16="http://schemas.microsoft.com/office/drawing/2014/main" xmlns="" w="9525">
                   <a:solidFill>
                     <a:srgbClr val="000000"/>
                   </a:solidFill>
@@ -18192,7 +18490,7 @@
             </a:ln>
             <a:extLst>
               <a:ext uri="{91240B29-F687-4f45-9708-019B960494DF}">
-                <a14:hiddenLine xmlns="" xmlns:a16="http://schemas.microsoft.com/office/drawing/2014/main" xmlns:p14="http://schemas.microsoft.com/office/powerpoint/2010/main" xmlns:a14="http://schemas.microsoft.com/office/drawing/2010/main" w="9525">
+                <a14:hiddenLine xmlns:a14="http://schemas.microsoft.com/office/drawing/2010/main" xmlns:p14="http://schemas.microsoft.com/office/powerpoint/2010/main" xmlns:a16="http://schemas.microsoft.com/office/drawing/2014/main" xmlns="" w="9525">
                   <a:solidFill>
                     <a:srgbClr val="000000"/>
                   </a:solidFill>
@@ -18263,7 +18561,7 @@
             </a:ln>
             <a:extLst>
               <a:ext uri="{91240B29-F687-4f45-9708-019B960494DF}">
-                <a14:hiddenLine xmlns="" xmlns:a16="http://schemas.microsoft.com/office/drawing/2014/main" xmlns:p14="http://schemas.microsoft.com/office/powerpoint/2010/main" xmlns:a14="http://schemas.microsoft.com/office/drawing/2010/main" w="9525">
+                <a14:hiddenLine xmlns:a14="http://schemas.microsoft.com/office/drawing/2010/main" xmlns:p14="http://schemas.microsoft.com/office/powerpoint/2010/main" xmlns:a16="http://schemas.microsoft.com/office/drawing/2014/main" xmlns="" w="9525">
                   <a:solidFill>
                     <a:srgbClr val="000000"/>
                   </a:solidFill>
@@ -18368,7 +18666,7 @@
             </a:ln>
             <a:extLst>
               <a:ext uri="{91240B29-F687-4f45-9708-019B960494DF}">
-                <a14:hiddenLine xmlns="" xmlns:a16="http://schemas.microsoft.com/office/drawing/2014/main" xmlns:p14="http://schemas.microsoft.com/office/powerpoint/2010/main" xmlns:a14="http://schemas.microsoft.com/office/drawing/2010/main" w="9525">
+                <a14:hiddenLine xmlns:a14="http://schemas.microsoft.com/office/drawing/2010/main" xmlns:p14="http://schemas.microsoft.com/office/powerpoint/2010/main" xmlns:a16="http://schemas.microsoft.com/office/drawing/2014/main" xmlns="" w="9525">
                   <a:solidFill>
                     <a:srgbClr val="000000"/>
                   </a:solidFill>
@@ -18439,7 +18737,7 @@
             </a:ln>
             <a:extLst>
               <a:ext uri="{91240B29-F687-4f45-9708-019B960494DF}">
-                <a14:hiddenLine xmlns="" xmlns:a16="http://schemas.microsoft.com/office/drawing/2014/main" xmlns:p14="http://schemas.microsoft.com/office/powerpoint/2010/main" xmlns:a14="http://schemas.microsoft.com/office/drawing/2010/main" w="9525">
+                <a14:hiddenLine xmlns:a14="http://schemas.microsoft.com/office/drawing/2010/main" xmlns:p14="http://schemas.microsoft.com/office/powerpoint/2010/main" xmlns:a16="http://schemas.microsoft.com/office/drawing/2014/main" xmlns="" w="9525">
                   <a:solidFill>
                     <a:srgbClr val="000000"/>
                   </a:solidFill>
@@ -18544,7 +18842,7 @@
             </a:ln>
             <a:extLst>
               <a:ext uri="{91240B29-F687-4f45-9708-019B960494DF}">
-                <a14:hiddenLine xmlns="" xmlns:a16="http://schemas.microsoft.com/office/drawing/2014/main" xmlns:p14="http://schemas.microsoft.com/office/powerpoint/2010/main" xmlns:a14="http://schemas.microsoft.com/office/drawing/2010/main" w="9525">
+                <a14:hiddenLine xmlns:a14="http://schemas.microsoft.com/office/drawing/2010/main" xmlns:p14="http://schemas.microsoft.com/office/powerpoint/2010/main" xmlns:a16="http://schemas.microsoft.com/office/drawing/2014/main" xmlns="" w="9525">
                   <a:solidFill>
                     <a:srgbClr val="000000"/>
                   </a:solidFill>
@@ -18627,7 +18925,7 @@
             </a:ln>
             <a:extLst>
               <a:ext uri="{91240B29-F687-4f45-9708-019B960494DF}">
-                <a14:hiddenLine xmlns="" xmlns:a16="http://schemas.microsoft.com/office/drawing/2014/main" xmlns:p14="http://schemas.microsoft.com/office/powerpoint/2010/main" xmlns:a14="http://schemas.microsoft.com/office/drawing/2010/main" w="9525">
+                <a14:hiddenLine xmlns:a14="http://schemas.microsoft.com/office/drawing/2010/main" xmlns:p14="http://schemas.microsoft.com/office/powerpoint/2010/main" xmlns:a16="http://schemas.microsoft.com/office/drawing/2014/main" xmlns="" w="9525">
                   <a:solidFill>
                     <a:srgbClr val="000000"/>
                   </a:solidFill>
@@ -18732,7 +19030,7 @@
             </a:ln>
             <a:extLst>
               <a:ext uri="{91240B29-F687-4f45-9708-019B960494DF}">
-                <a14:hiddenLine xmlns="" xmlns:a16="http://schemas.microsoft.com/office/drawing/2014/main" xmlns:p14="http://schemas.microsoft.com/office/powerpoint/2010/main" xmlns:a14="http://schemas.microsoft.com/office/drawing/2010/main" w="9525">
+                <a14:hiddenLine xmlns:a14="http://schemas.microsoft.com/office/drawing/2010/main" xmlns:p14="http://schemas.microsoft.com/office/powerpoint/2010/main" xmlns:a16="http://schemas.microsoft.com/office/drawing/2014/main" xmlns="" w="9525">
                   <a:solidFill>
                     <a:srgbClr val="000000"/>
                   </a:solidFill>
@@ -18815,7 +19113,7 @@
             </a:ln>
             <a:extLst>
               <a:ext uri="{91240B29-F687-4f45-9708-019B960494DF}">
-                <a14:hiddenLine xmlns="" xmlns:a16="http://schemas.microsoft.com/office/drawing/2014/main" xmlns:p14="http://schemas.microsoft.com/office/powerpoint/2010/main" xmlns:a14="http://schemas.microsoft.com/office/drawing/2010/main" w="9525">
+                <a14:hiddenLine xmlns:a14="http://schemas.microsoft.com/office/drawing/2010/main" xmlns:p14="http://schemas.microsoft.com/office/powerpoint/2010/main" xmlns:a16="http://schemas.microsoft.com/office/drawing/2014/main" xmlns="" w="9525">
                   <a:solidFill>
                     <a:srgbClr val="000000"/>
                   </a:solidFill>
@@ -18920,7 +19218,7 @@
             </a:ln>
             <a:extLst>
               <a:ext uri="{91240B29-F687-4f45-9708-019B960494DF}">
-                <a14:hiddenLine xmlns="" xmlns:a16="http://schemas.microsoft.com/office/drawing/2014/main" xmlns:p14="http://schemas.microsoft.com/office/powerpoint/2010/main" xmlns:a14="http://schemas.microsoft.com/office/drawing/2010/main" w="9525">
+                <a14:hiddenLine xmlns:a14="http://schemas.microsoft.com/office/drawing/2010/main" xmlns:p14="http://schemas.microsoft.com/office/powerpoint/2010/main" xmlns:a16="http://schemas.microsoft.com/office/drawing/2014/main" xmlns="" w="9525">
                   <a:solidFill>
                     <a:srgbClr val="000000"/>
                   </a:solidFill>
@@ -18969,7 +19267,7 @@
             </a:ln>
             <a:extLst>
               <a:ext uri="{91240B29-F687-4f45-9708-019B960494DF}">
-                <a14:hiddenLine xmlns="" xmlns:a16="http://schemas.microsoft.com/office/drawing/2014/main" xmlns:p14="http://schemas.microsoft.com/office/powerpoint/2010/main" xmlns:a14="http://schemas.microsoft.com/office/drawing/2010/main" w="9525">
+                <a14:hiddenLine xmlns:a14="http://schemas.microsoft.com/office/drawing/2010/main" xmlns:p14="http://schemas.microsoft.com/office/powerpoint/2010/main" xmlns:a16="http://schemas.microsoft.com/office/drawing/2014/main" xmlns="" w="9525">
                   <a:solidFill>
                     <a:srgbClr val="000000"/>
                   </a:solidFill>
@@ -19074,7 +19372,7 @@
             </a:ln>
             <a:extLst>
               <a:ext uri="{91240B29-F687-4f45-9708-019B960494DF}">
-                <a14:hiddenLine xmlns="" xmlns:a16="http://schemas.microsoft.com/office/drawing/2014/main" xmlns:p14="http://schemas.microsoft.com/office/powerpoint/2010/main" xmlns:a14="http://schemas.microsoft.com/office/drawing/2010/main" w="9525">
+                <a14:hiddenLine xmlns:a14="http://schemas.microsoft.com/office/drawing/2010/main" xmlns:p14="http://schemas.microsoft.com/office/powerpoint/2010/main" xmlns:a16="http://schemas.microsoft.com/office/drawing/2014/main" xmlns="" w="9525">
                   <a:solidFill>
                     <a:srgbClr val="000000"/>
                   </a:solidFill>
@@ -19151,7 +19449,7 @@
             </a:ln>
             <a:extLst>
               <a:ext uri="{91240B29-F687-4f45-9708-019B960494DF}">
-                <a14:hiddenLine xmlns="" xmlns:a16="http://schemas.microsoft.com/office/drawing/2014/main" xmlns:p14="http://schemas.microsoft.com/office/powerpoint/2010/main" xmlns:a14="http://schemas.microsoft.com/office/drawing/2010/main" w="9525">
+                <a14:hiddenLine xmlns:a14="http://schemas.microsoft.com/office/drawing/2010/main" xmlns:p14="http://schemas.microsoft.com/office/powerpoint/2010/main" xmlns:a16="http://schemas.microsoft.com/office/drawing/2014/main" xmlns="" w="9525">
                   <a:solidFill>
                     <a:srgbClr val="000000"/>
                   </a:solidFill>
@@ -19228,7 +19526,7 @@
             </a:ln>
             <a:extLst>
               <a:ext uri="{91240B29-F687-4f45-9708-019B960494DF}">
-                <a14:hiddenLine xmlns="" xmlns:a16="http://schemas.microsoft.com/office/drawing/2014/main" xmlns:p14="http://schemas.microsoft.com/office/powerpoint/2010/main" xmlns:a14="http://schemas.microsoft.com/office/drawing/2010/main" w="9525">
+                <a14:hiddenLine xmlns:a14="http://schemas.microsoft.com/office/drawing/2010/main" xmlns:p14="http://schemas.microsoft.com/office/powerpoint/2010/main" xmlns:a16="http://schemas.microsoft.com/office/drawing/2014/main" xmlns="" w="9525">
                   <a:solidFill>
                     <a:srgbClr val="000000"/>
                   </a:solidFill>
@@ -19333,7 +19631,7 @@
             </a:ln>
             <a:extLst>
               <a:ext uri="{91240B29-F687-4f45-9708-019B960494DF}">
-                <a14:hiddenLine xmlns="" xmlns:a16="http://schemas.microsoft.com/office/drawing/2014/main" xmlns:p14="http://schemas.microsoft.com/office/powerpoint/2010/main" xmlns:a14="http://schemas.microsoft.com/office/drawing/2010/main" w="9525">
+                <a14:hiddenLine xmlns:a14="http://schemas.microsoft.com/office/drawing/2010/main" xmlns:p14="http://schemas.microsoft.com/office/powerpoint/2010/main" xmlns:a16="http://schemas.microsoft.com/office/drawing/2014/main" xmlns="" w="9525">
                   <a:solidFill>
                     <a:srgbClr val="000000"/>
                   </a:solidFill>
@@ -19416,7 +19714,7 @@
             </a:ln>
             <a:extLst>
               <a:ext uri="{91240B29-F687-4f45-9708-019B960494DF}">
-                <a14:hiddenLine xmlns="" xmlns:a16="http://schemas.microsoft.com/office/drawing/2014/main" xmlns:p14="http://schemas.microsoft.com/office/powerpoint/2010/main" xmlns:a14="http://schemas.microsoft.com/office/drawing/2010/main" w="9525">
+                <a14:hiddenLine xmlns:a14="http://schemas.microsoft.com/office/drawing/2010/main" xmlns:p14="http://schemas.microsoft.com/office/powerpoint/2010/main" xmlns:a16="http://schemas.microsoft.com/office/drawing/2014/main" xmlns="" w="9525">
                   <a:solidFill>
                     <a:srgbClr val="000000"/>
                   </a:solidFill>
@@ -19493,7 +19791,7 @@
             </a:ln>
             <a:extLst>
               <a:ext uri="{91240B29-F687-4f45-9708-019B960494DF}">
-                <a14:hiddenLine xmlns="" xmlns:a16="http://schemas.microsoft.com/office/drawing/2014/main" xmlns:p14="http://schemas.microsoft.com/office/powerpoint/2010/main" xmlns:a14="http://schemas.microsoft.com/office/drawing/2010/main" w="9525">
+                <a14:hiddenLine xmlns:a14="http://schemas.microsoft.com/office/drawing/2010/main" xmlns:p14="http://schemas.microsoft.com/office/powerpoint/2010/main" xmlns:a16="http://schemas.microsoft.com/office/drawing/2014/main" xmlns="" w="9525">
                   <a:solidFill>
                     <a:srgbClr val="000000"/>
                   </a:solidFill>
@@ -19598,7 +19896,7 @@
             </a:ln>
             <a:extLst>
               <a:ext uri="{91240B29-F687-4f45-9708-019B960494DF}">
-                <a14:hiddenLine xmlns="" xmlns:a16="http://schemas.microsoft.com/office/drawing/2014/main" xmlns:p14="http://schemas.microsoft.com/office/powerpoint/2010/main" xmlns:a14="http://schemas.microsoft.com/office/drawing/2010/main" w="9525">
+                <a14:hiddenLine xmlns:a14="http://schemas.microsoft.com/office/drawing/2010/main" xmlns:p14="http://schemas.microsoft.com/office/powerpoint/2010/main" xmlns:a16="http://schemas.microsoft.com/office/drawing/2014/main" xmlns="" w="9525">
                   <a:solidFill>
                     <a:srgbClr val="000000"/>
                   </a:solidFill>
@@ -19675,7 +19973,7 @@
             </a:ln>
             <a:extLst>
               <a:ext uri="{91240B29-F687-4f45-9708-019B960494DF}">
-                <a14:hiddenLine xmlns="" xmlns:a16="http://schemas.microsoft.com/office/drawing/2014/main" xmlns:p14="http://schemas.microsoft.com/office/powerpoint/2010/main" xmlns:a14="http://schemas.microsoft.com/office/drawing/2010/main" w="9525">
+                <a14:hiddenLine xmlns:a14="http://schemas.microsoft.com/office/drawing/2010/main" xmlns:p14="http://schemas.microsoft.com/office/powerpoint/2010/main" xmlns:a16="http://schemas.microsoft.com/office/drawing/2014/main" xmlns="" w="9525">
                   <a:solidFill>
                     <a:srgbClr val="000000"/>
                   </a:solidFill>
@@ -19780,7 +20078,7 @@
             </a:ln>
             <a:extLst>
               <a:ext uri="{91240B29-F687-4f45-9708-019B960494DF}">
-                <a14:hiddenLine xmlns="" xmlns:a16="http://schemas.microsoft.com/office/drawing/2014/main" xmlns:p14="http://schemas.microsoft.com/office/powerpoint/2010/main" xmlns:a14="http://schemas.microsoft.com/office/drawing/2010/main" w="9525">
+                <a14:hiddenLine xmlns:a14="http://schemas.microsoft.com/office/drawing/2010/main" xmlns:p14="http://schemas.microsoft.com/office/powerpoint/2010/main" xmlns:a16="http://schemas.microsoft.com/office/drawing/2014/main" xmlns="" w="9525">
                   <a:solidFill>
                     <a:srgbClr val="000000"/>
                   </a:solidFill>
@@ -19857,7 +20155,7 @@
             </a:ln>
             <a:extLst>
               <a:ext uri="{91240B29-F687-4f45-9708-019B960494DF}">
-                <a14:hiddenLine xmlns="" xmlns:a16="http://schemas.microsoft.com/office/drawing/2014/main" xmlns:p14="http://schemas.microsoft.com/office/powerpoint/2010/main" xmlns:a14="http://schemas.microsoft.com/office/drawing/2010/main" w="9525">
+                <a14:hiddenLine xmlns:a14="http://schemas.microsoft.com/office/drawing/2010/main" xmlns:p14="http://schemas.microsoft.com/office/powerpoint/2010/main" xmlns:a16="http://schemas.microsoft.com/office/drawing/2014/main" xmlns="" w="9525">
                   <a:solidFill>
                     <a:srgbClr val="000000"/>
                   </a:solidFill>
@@ -19962,7 +20260,7 @@
             </a:ln>
             <a:extLst>
               <a:ext uri="{91240B29-F687-4f45-9708-019B960494DF}">
-                <a14:hiddenLine xmlns="" xmlns:a16="http://schemas.microsoft.com/office/drawing/2014/main" xmlns:p14="http://schemas.microsoft.com/office/powerpoint/2010/main" xmlns:a14="http://schemas.microsoft.com/office/drawing/2010/main" w="9525">
+                <a14:hiddenLine xmlns:a14="http://schemas.microsoft.com/office/drawing/2010/main" xmlns:p14="http://schemas.microsoft.com/office/powerpoint/2010/main" xmlns:a16="http://schemas.microsoft.com/office/drawing/2014/main" xmlns="" w="9525">
                   <a:solidFill>
                     <a:srgbClr val="000000"/>
                   </a:solidFill>
@@ -20011,7 +20309,7 @@
             </a:ln>
             <a:extLst>
               <a:ext uri="{91240B29-F687-4f45-9708-019B960494DF}">
-                <a14:hiddenLine xmlns="" xmlns:a16="http://schemas.microsoft.com/office/drawing/2014/main" xmlns:p14="http://schemas.microsoft.com/office/powerpoint/2010/main" xmlns:a14="http://schemas.microsoft.com/office/drawing/2010/main" w="9525">
+                <a14:hiddenLine xmlns:a14="http://schemas.microsoft.com/office/drawing/2010/main" xmlns:p14="http://schemas.microsoft.com/office/powerpoint/2010/main" xmlns:a16="http://schemas.microsoft.com/office/drawing/2014/main" xmlns="" w="9525">
                   <a:solidFill>
                     <a:srgbClr val="000000"/>
                   </a:solidFill>
@@ -20091,7 +20389,7 @@
             </a:ln>
             <a:extLst>
               <a:ext uri="{91240B29-F687-4f45-9708-019B960494DF}">
-                <a14:hiddenLine xmlns="" xmlns:a16="http://schemas.microsoft.com/office/drawing/2014/main" xmlns:p14="http://schemas.microsoft.com/office/powerpoint/2010/main" xmlns:a14="http://schemas.microsoft.com/office/drawing/2010/main" w="9525">
+                <a14:hiddenLine xmlns:a14="http://schemas.microsoft.com/office/drawing/2010/main" xmlns:p14="http://schemas.microsoft.com/office/powerpoint/2010/main" xmlns:a16="http://schemas.microsoft.com/office/drawing/2014/main" xmlns="" w="9525">
                   <a:solidFill>
                     <a:srgbClr val="000000"/>
                   </a:solidFill>
@@ -20196,7 +20494,7 @@
             </a:ln>
             <a:extLst>
               <a:ext uri="{91240B29-F687-4f45-9708-019B960494DF}">
-                <a14:hiddenLine xmlns="" xmlns:a16="http://schemas.microsoft.com/office/drawing/2014/main" xmlns:p14="http://schemas.microsoft.com/office/powerpoint/2010/main" xmlns:a14="http://schemas.microsoft.com/office/drawing/2010/main" w="9525">
+                <a14:hiddenLine xmlns:a14="http://schemas.microsoft.com/office/drawing/2010/main" xmlns:p14="http://schemas.microsoft.com/office/powerpoint/2010/main" xmlns:a16="http://schemas.microsoft.com/office/drawing/2014/main" xmlns="" w="9525">
                   <a:solidFill>
                     <a:srgbClr val="000000"/>
                   </a:solidFill>
@@ -20273,7 +20571,7 @@
             </a:ln>
             <a:extLst>
               <a:ext uri="{91240B29-F687-4f45-9708-019B960494DF}">
-                <a14:hiddenLine xmlns="" xmlns:a16="http://schemas.microsoft.com/office/drawing/2014/main" xmlns:p14="http://schemas.microsoft.com/office/powerpoint/2010/main" xmlns:a14="http://schemas.microsoft.com/office/drawing/2010/main" w="9525">
+                <a14:hiddenLine xmlns:a14="http://schemas.microsoft.com/office/drawing/2010/main" xmlns:p14="http://schemas.microsoft.com/office/powerpoint/2010/main" xmlns:a16="http://schemas.microsoft.com/office/drawing/2014/main" xmlns="" w="9525">
                   <a:solidFill>
                     <a:srgbClr val="000000"/>
                   </a:solidFill>
@@ -20378,7 +20676,7 @@
             </a:ln>
             <a:extLst>
               <a:ext uri="{91240B29-F687-4f45-9708-019B960494DF}">
-                <a14:hiddenLine xmlns="" xmlns:a16="http://schemas.microsoft.com/office/drawing/2014/main" xmlns:p14="http://schemas.microsoft.com/office/powerpoint/2010/main" xmlns:a14="http://schemas.microsoft.com/office/drawing/2010/main" w="9525">
+                <a14:hiddenLine xmlns:a14="http://schemas.microsoft.com/office/drawing/2010/main" xmlns:p14="http://schemas.microsoft.com/office/powerpoint/2010/main" xmlns:a16="http://schemas.microsoft.com/office/drawing/2014/main" xmlns="" w="9525">
                   <a:solidFill>
                     <a:srgbClr val="000000"/>
                   </a:solidFill>
@@ -20483,7 +20781,7 @@
             </a:ln>
             <a:extLst>
               <a:ext uri="{91240B29-F687-4f45-9708-019B960494DF}">
-                <a14:hiddenLine xmlns="" xmlns:a16="http://schemas.microsoft.com/office/drawing/2014/main" xmlns:p14="http://schemas.microsoft.com/office/powerpoint/2010/main" xmlns:a14="http://schemas.microsoft.com/office/drawing/2010/main" w="9525">
+                <a14:hiddenLine xmlns:a14="http://schemas.microsoft.com/office/drawing/2010/main" xmlns:p14="http://schemas.microsoft.com/office/powerpoint/2010/main" xmlns:a16="http://schemas.microsoft.com/office/drawing/2014/main" xmlns="" w="9525">
                   <a:solidFill>
                     <a:srgbClr val="000000"/>
                   </a:solidFill>
@@ -20563,7 +20861,7 @@
             </a:ln>
             <a:extLst>
               <a:ext uri="{91240B29-F687-4f45-9708-019B960494DF}">
-                <a14:hiddenLine xmlns="" xmlns:a16="http://schemas.microsoft.com/office/drawing/2014/main" xmlns:p14="http://schemas.microsoft.com/office/powerpoint/2010/main" xmlns:a14="http://schemas.microsoft.com/office/drawing/2010/main" w="9525">
+                <a14:hiddenLine xmlns:a14="http://schemas.microsoft.com/office/drawing/2010/main" xmlns:p14="http://schemas.microsoft.com/office/powerpoint/2010/main" xmlns:a16="http://schemas.microsoft.com/office/drawing/2014/main" xmlns="" w="9525">
                   <a:solidFill>
                     <a:srgbClr val="000000"/>
                   </a:solidFill>
@@ -20640,7 +20938,7 @@
             </a:ln>
             <a:extLst>
               <a:ext uri="{91240B29-F687-4f45-9708-019B960494DF}">
-                <a14:hiddenLine xmlns="" xmlns:a16="http://schemas.microsoft.com/office/drawing/2014/main" xmlns:p14="http://schemas.microsoft.com/office/powerpoint/2010/main" xmlns:a14="http://schemas.microsoft.com/office/drawing/2010/main" w="9525">
+                <a14:hiddenLine xmlns:a14="http://schemas.microsoft.com/office/drawing/2010/main" xmlns:p14="http://schemas.microsoft.com/office/powerpoint/2010/main" xmlns:a16="http://schemas.microsoft.com/office/drawing/2014/main" xmlns="" w="9525">
                   <a:solidFill>
                     <a:srgbClr val="000000"/>
                   </a:solidFill>
@@ -20745,7 +21043,7 @@
             </a:ln>
             <a:extLst>
               <a:ext uri="{91240B29-F687-4f45-9708-019B960494DF}">
-                <a14:hiddenLine xmlns="" xmlns:a16="http://schemas.microsoft.com/office/drawing/2014/main" xmlns:p14="http://schemas.microsoft.com/office/powerpoint/2010/main" xmlns:a14="http://schemas.microsoft.com/office/drawing/2010/main" w="9525">
+                <a14:hiddenLine xmlns:a14="http://schemas.microsoft.com/office/drawing/2010/main" xmlns:p14="http://schemas.microsoft.com/office/powerpoint/2010/main" xmlns:a16="http://schemas.microsoft.com/office/drawing/2014/main" xmlns="" w="9525">
                   <a:solidFill>
                     <a:srgbClr val="000000"/>
                   </a:solidFill>
@@ -20850,7 +21148,7 @@
             </a:ln>
             <a:extLst>
               <a:ext uri="{91240B29-F687-4f45-9708-019B960494DF}">
-                <a14:hiddenLine xmlns="" xmlns:a16="http://schemas.microsoft.com/office/drawing/2014/main" xmlns:p14="http://schemas.microsoft.com/office/powerpoint/2010/main" xmlns:a14="http://schemas.microsoft.com/office/drawing/2010/main" w="9525">
+                <a14:hiddenLine xmlns:a14="http://schemas.microsoft.com/office/drawing/2010/main" xmlns:p14="http://schemas.microsoft.com/office/powerpoint/2010/main" xmlns:a16="http://schemas.microsoft.com/office/drawing/2014/main" xmlns="" w="9525">
                   <a:solidFill>
                     <a:srgbClr val="000000"/>
                   </a:solidFill>
@@ -20927,7 +21225,7 @@
             </a:ln>
             <a:extLst>
               <a:ext uri="{91240B29-F687-4f45-9708-019B960494DF}">
-                <a14:hiddenLine xmlns="" xmlns:a16="http://schemas.microsoft.com/office/drawing/2014/main" xmlns:p14="http://schemas.microsoft.com/office/powerpoint/2010/main" xmlns:a14="http://schemas.microsoft.com/office/drawing/2010/main" w="9525">
+                <a14:hiddenLine xmlns:a14="http://schemas.microsoft.com/office/drawing/2010/main" xmlns:p14="http://schemas.microsoft.com/office/powerpoint/2010/main" xmlns:a16="http://schemas.microsoft.com/office/drawing/2014/main" xmlns="" w="9525">
                   <a:solidFill>
                     <a:srgbClr val="000000"/>
                   </a:solidFill>
@@ -21062,7 +21360,7 @@
             </a:ln>
             <a:extLst>
               <a:ext uri="{91240B29-F687-4f45-9708-019B960494DF}">
-                <a14:hiddenLine xmlns="" xmlns:a16="http://schemas.microsoft.com/office/drawing/2014/main" xmlns:p14="http://schemas.microsoft.com/office/powerpoint/2010/main" xmlns:a14="http://schemas.microsoft.com/office/drawing/2010/main" w="9525">
+                <a14:hiddenLine xmlns:a14="http://schemas.microsoft.com/office/drawing/2010/main" xmlns:p14="http://schemas.microsoft.com/office/powerpoint/2010/main" xmlns:a16="http://schemas.microsoft.com/office/drawing/2014/main" xmlns="" w="9525">
                   <a:solidFill>
                     <a:srgbClr val="000000"/>
                   </a:solidFill>
@@ -21145,7 +21443,7 @@
             </a:ln>
             <a:extLst>
               <a:ext uri="{91240B29-F687-4f45-9708-019B960494DF}">
-                <a14:hiddenLine xmlns="" xmlns:a16="http://schemas.microsoft.com/office/drawing/2014/main" xmlns:p14="http://schemas.microsoft.com/office/powerpoint/2010/main" xmlns:a14="http://schemas.microsoft.com/office/drawing/2010/main" w="9525">
+                <a14:hiddenLine xmlns:a14="http://schemas.microsoft.com/office/drawing/2010/main" xmlns:p14="http://schemas.microsoft.com/office/powerpoint/2010/main" xmlns:a16="http://schemas.microsoft.com/office/drawing/2014/main" xmlns="" w="9525">
                   <a:solidFill>
                     <a:srgbClr val="000000"/>
                   </a:solidFill>
@@ -21250,7 +21548,7 @@
             </a:ln>
             <a:extLst>
               <a:ext uri="{91240B29-F687-4f45-9708-019B960494DF}">
-                <a14:hiddenLine xmlns="" xmlns:a16="http://schemas.microsoft.com/office/drawing/2014/main" xmlns:p14="http://schemas.microsoft.com/office/powerpoint/2010/main" xmlns:a14="http://schemas.microsoft.com/office/drawing/2010/main" w="9525">
+                <a14:hiddenLine xmlns:a14="http://schemas.microsoft.com/office/drawing/2010/main" xmlns:p14="http://schemas.microsoft.com/office/powerpoint/2010/main" xmlns:a16="http://schemas.microsoft.com/office/drawing/2014/main" xmlns="" w="9525">
                   <a:solidFill>
                     <a:srgbClr val="000000"/>
                   </a:solidFill>
@@ -21407,7 +21705,7 @@
             <a:noFill/>
             <a:extLst>
               <a:ext uri="{909E8E84-426E-40dd-AFC4-6F175D3DCCD1}">
-                <a14:hiddenFill xmlns="" xmlns:a16="http://schemas.microsoft.com/office/drawing/2014/main" xmlns:p14="http://schemas.microsoft.com/office/powerpoint/2010/main" xmlns:mc="http://schemas.openxmlformats.org/markup-compatibility/2006" xmlns:a14="http://schemas.microsoft.com/office/drawing/2010/main">
+                <a14:hiddenFill xmlns:a14="http://schemas.microsoft.com/office/drawing/2010/main" xmlns:mc="http://schemas.openxmlformats.org/markup-compatibility/2006" xmlns:p14="http://schemas.microsoft.com/office/powerpoint/2010/main" xmlns:a16="http://schemas.microsoft.com/office/drawing/2014/main" xmlns="">
                   <a:solidFill>
                     <a:srgbClr val="FFFFFF"/>
                   </a:solidFill>
@@ -21535,7 +21833,7 @@
             </a:ln>
             <a:extLst>
               <a:ext uri="{91240B29-F687-4f45-9708-019B960494DF}">
-                <a14:hiddenLine xmlns="" xmlns:a16="http://schemas.microsoft.com/office/drawing/2014/main" xmlns:p14="http://schemas.microsoft.com/office/powerpoint/2010/main" xmlns:mc="http://schemas.openxmlformats.org/markup-compatibility/2006" xmlns:a14="http://schemas.microsoft.com/office/drawing/2010/main" w="9525">
+                <a14:hiddenLine xmlns:a14="http://schemas.microsoft.com/office/drawing/2010/main" xmlns:mc="http://schemas.openxmlformats.org/markup-compatibility/2006" xmlns:p14="http://schemas.microsoft.com/office/powerpoint/2010/main" xmlns:a16="http://schemas.microsoft.com/office/drawing/2014/main" xmlns="" w="9525">
                   <a:solidFill>
                     <a:srgbClr val="000000"/>
                   </a:solidFill>
@@ -21640,7 +21938,7 @@
             </a:ln>
             <a:extLst>
               <a:ext uri="{91240B29-F687-4f45-9708-019B960494DF}">
-                <a14:hiddenLine xmlns="" xmlns:a16="http://schemas.microsoft.com/office/drawing/2014/main" xmlns:p14="http://schemas.microsoft.com/office/powerpoint/2010/main" xmlns:mc="http://schemas.openxmlformats.org/markup-compatibility/2006" xmlns:a14="http://schemas.microsoft.com/office/drawing/2010/main" w="9525">
+                <a14:hiddenLine xmlns:a14="http://schemas.microsoft.com/office/drawing/2010/main" xmlns:mc="http://schemas.openxmlformats.org/markup-compatibility/2006" xmlns:p14="http://schemas.microsoft.com/office/powerpoint/2010/main" xmlns:a16="http://schemas.microsoft.com/office/drawing/2014/main" xmlns="" w="9525">
                   <a:solidFill>
                     <a:srgbClr val="000000"/>
                   </a:solidFill>
@@ -21745,7 +22043,7 @@
             </a:ln>
             <a:extLst>
               <a:ext uri="{91240B29-F687-4f45-9708-019B960494DF}">
-                <a14:hiddenLine xmlns="" xmlns:a16="http://schemas.microsoft.com/office/drawing/2014/main" xmlns:p14="http://schemas.microsoft.com/office/powerpoint/2010/main" xmlns:mc="http://schemas.openxmlformats.org/markup-compatibility/2006" xmlns:a14="http://schemas.microsoft.com/office/drawing/2010/main" w="9525">
+                <a14:hiddenLine xmlns:a14="http://schemas.microsoft.com/office/drawing/2010/main" xmlns:mc="http://schemas.openxmlformats.org/markup-compatibility/2006" xmlns:p14="http://schemas.microsoft.com/office/powerpoint/2010/main" xmlns:a16="http://schemas.microsoft.com/office/drawing/2014/main" xmlns="" w="9525">
                   <a:solidFill>
                     <a:srgbClr val="000000"/>
                   </a:solidFill>
@@ -21822,7 +22120,7 @@
             </a:ln>
             <a:extLst>
               <a:ext uri="{91240B29-F687-4f45-9708-019B960494DF}">
-                <a14:hiddenLine xmlns="" xmlns:a16="http://schemas.microsoft.com/office/drawing/2014/main" xmlns:p14="http://schemas.microsoft.com/office/powerpoint/2010/main" xmlns:mc="http://schemas.openxmlformats.org/markup-compatibility/2006" xmlns:a14="http://schemas.microsoft.com/office/drawing/2010/main" w="9525">
+                <a14:hiddenLine xmlns:a14="http://schemas.microsoft.com/office/drawing/2010/main" xmlns:mc="http://schemas.openxmlformats.org/markup-compatibility/2006" xmlns:p14="http://schemas.microsoft.com/office/powerpoint/2010/main" xmlns:a16="http://schemas.microsoft.com/office/drawing/2014/main" xmlns="" w="9525">
                   <a:solidFill>
                     <a:srgbClr val="000000"/>
                   </a:solidFill>
@@ -21927,7 +22225,7 @@
             </a:ln>
             <a:extLst>
               <a:ext uri="{91240B29-F687-4f45-9708-019B960494DF}">
-                <a14:hiddenLine xmlns="" xmlns:a16="http://schemas.microsoft.com/office/drawing/2014/main" xmlns:p14="http://schemas.microsoft.com/office/powerpoint/2010/main" xmlns:mc="http://schemas.openxmlformats.org/markup-compatibility/2006" xmlns:a14="http://schemas.microsoft.com/office/drawing/2010/main" w="9525">
+                <a14:hiddenLine xmlns:a14="http://schemas.microsoft.com/office/drawing/2010/main" xmlns:mc="http://schemas.openxmlformats.org/markup-compatibility/2006" xmlns:p14="http://schemas.microsoft.com/office/powerpoint/2010/main" xmlns:a16="http://schemas.microsoft.com/office/drawing/2014/main" xmlns="" w="9525">
                   <a:solidFill>
                     <a:srgbClr val="000000"/>
                   </a:solidFill>
@@ -22004,7 +22302,7 @@
             </a:ln>
             <a:extLst>
               <a:ext uri="{91240B29-F687-4f45-9708-019B960494DF}">
-                <a14:hiddenLine xmlns="" xmlns:a16="http://schemas.microsoft.com/office/drawing/2014/main" xmlns:p14="http://schemas.microsoft.com/office/powerpoint/2010/main" xmlns:mc="http://schemas.openxmlformats.org/markup-compatibility/2006" xmlns:a14="http://schemas.microsoft.com/office/drawing/2010/main" w="9525">
+                <a14:hiddenLine xmlns:a14="http://schemas.microsoft.com/office/drawing/2010/main" xmlns:mc="http://schemas.openxmlformats.org/markup-compatibility/2006" xmlns:p14="http://schemas.microsoft.com/office/powerpoint/2010/main" xmlns:a16="http://schemas.microsoft.com/office/drawing/2014/main" xmlns="" w="9525">
                   <a:solidFill>
                     <a:srgbClr val="000000"/>
                   </a:solidFill>
@@ -22081,7 +22379,7 @@
             </a:ln>
             <a:extLst>
               <a:ext uri="{91240B29-F687-4f45-9708-019B960494DF}">
-                <a14:hiddenLine xmlns="" xmlns:a16="http://schemas.microsoft.com/office/drawing/2014/main" xmlns:p14="http://schemas.microsoft.com/office/powerpoint/2010/main" xmlns:mc="http://schemas.openxmlformats.org/markup-compatibility/2006" xmlns:a14="http://schemas.microsoft.com/office/drawing/2010/main" w="9525">
+                <a14:hiddenLine xmlns:a14="http://schemas.microsoft.com/office/drawing/2010/main" xmlns:mc="http://schemas.openxmlformats.org/markup-compatibility/2006" xmlns:p14="http://schemas.microsoft.com/office/powerpoint/2010/main" xmlns:a16="http://schemas.microsoft.com/office/drawing/2014/main" xmlns="" w="9525">
                   <a:solidFill>
                     <a:srgbClr val="000000"/>
                   </a:solidFill>
@@ -22186,7 +22484,7 @@
             </a:ln>
             <a:extLst>
               <a:ext uri="{91240B29-F687-4f45-9708-019B960494DF}">
-                <a14:hiddenLine xmlns="" xmlns:a16="http://schemas.microsoft.com/office/drawing/2014/main" xmlns:p14="http://schemas.microsoft.com/office/powerpoint/2010/main" xmlns:mc="http://schemas.openxmlformats.org/markup-compatibility/2006" xmlns:a14="http://schemas.microsoft.com/office/drawing/2010/main" w="9525">
+                <a14:hiddenLine xmlns:a14="http://schemas.microsoft.com/office/drawing/2010/main" xmlns:mc="http://schemas.openxmlformats.org/markup-compatibility/2006" xmlns:p14="http://schemas.microsoft.com/office/powerpoint/2010/main" xmlns:a16="http://schemas.microsoft.com/office/drawing/2014/main" xmlns="" w="9525">
                   <a:solidFill>
                     <a:srgbClr val="000000"/>
                   </a:solidFill>
@@ -22291,7 +22589,7 @@
             </a:ln>
             <a:extLst>
               <a:ext uri="{91240B29-F687-4f45-9708-019B960494DF}">
-                <a14:hiddenLine xmlns="" xmlns:a16="http://schemas.microsoft.com/office/drawing/2014/main" xmlns:p14="http://schemas.microsoft.com/office/powerpoint/2010/main" xmlns:mc="http://schemas.openxmlformats.org/markup-compatibility/2006" xmlns:a14="http://schemas.microsoft.com/office/drawing/2010/main" w="9525">
+                <a14:hiddenLine xmlns:a14="http://schemas.microsoft.com/office/drawing/2010/main" xmlns:mc="http://schemas.openxmlformats.org/markup-compatibility/2006" xmlns:p14="http://schemas.microsoft.com/office/powerpoint/2010/main" xmlns:a16="http://schemas.microsoft.com/office/drawing/2014/main" xmlns="" w="9525">
                   <a:solidFill>
                     <a:srgbClr val="000000"/>
                   </a:solidFill>
@@ -22368,7 +22666,7 @@
             </a:ln>
             <a:extLst>
               <a:ext uri="{91240B29-F687-4f45-9708-019B960494DF}">
-                <a14:hiddenLine xmlns="" xmlns:a16="http://schemas.microsoft.com/office/drawing/2014/main" xmlns:p14="http://schemas.microsoft.com/office/powerpoint/2010/main" xmlns:mc="http://schemas.openxmlformats.org/markup-compatibility/2006" xmlns:a14="http://schemas.microsoft.com/office/drawing/2010/main" w="9525">
+                <a14:hiddenLine xmlns:a14="http://schemas.microsoft.com/office/drawing/2010/main" xmlns:mc="http://schemas.openxmlformats.org/markup-compatibility/2006" xmlns:p14="http://schemas.microsoft.com/office/powerpoint/2010/main" xmlns:a16="http://schemas.microsoft.com/office/drawing/2014/main" xmlns="" w="9525">
                   <a:solidFill>
                     <a:srgbClr val="000000"/>
                   </a:solidFill>
@@ -22493,7 +22791,7 @@
             </a:ln>
             <a:extLst>
               <a:ext uri="{91240B29-F687-4f45-9708-019B960494DF}">
-                <a14:hiddenLine xmlns="" xmlns:a16="http://schemas.microsoft.com/office/drawing/2014/main" xmlns:p14="http://schemas.microsoft.com/office/powerpoint/2010/main" xmlns:mc="http://schemas.openxmlformats.org/markup-compatibility/2006" xmlns:a14="http://schemas.microsoft.com/office/drawing/2010/main" w="9525">
+                <a14:hiddenLine xmlns:a14="http://schemas.microsoft.com/office/drawing/2010/main" xmlns:mc="http://schemas.openxmlformats.org/markup-compatibility/2006" xmlns:p14="http://schemas.microsoft.com/office/powerpoint/2010/main" xmlns:a16="http://schemas.microsoft.com/office/drawing/2014/main" xmlns="" w="9525">
                   <a:solidFill>
                     <a:srgbClr val="000000"/>
                   </a:solidFill>
@@ -22607,7 +22905,7 @@
             </a:ln>
             <a:extLst>
               <a:ext uri="{91240B29-F687-4f45-9708-019B960494DF}">
-                <a14:hiddenLine xmlns="" xmlns:a16="http://schemas.microsoft.com/office/drawing/2014/main" xmlns:p14="http://schemas.microsoft.com/office/powerpoint/2010/main" xmlns:mc="http://schemas.openxmlformats.org/markup-compatibility/2006" xmlns:a14="http://schemas.microsoft.com/office/drawing/2010/main" w="9525">
+                <a14:hiddenLine xmlns:a14="http://schemas.microsoft.com/office/drawing/2010/main" xmlns:mc="http://schemas.openxmlformats.org/markup-compatibility/2006" xmlns:p14="http://schemas.microsoft.com/office/powerpoint/2010/main" xmlns:a16="http://schemas.microsoft.com/office/drawing/2014/main" xmlns="" w="9525">
                   <a:solidFill>
                     <a:srgbClr val="000000"/>
                   </a:solidFill>
@@ -22684,7 +22982,7 @@
             </a:ln>
             <a:extLst>
               <a:ext uri="{91240B29-F687-4f45-9708-019B960494DF}">
-                <a14:hiddenLine xmlns="" xmlns:a16="http://schemas.microsoft.com/office/drawing/2014/main" xmlns:p14="http://schemas.microsoft.com/office/powerpoint/2010/main" xmlns:mc="http://schemas.openxmlformats.org/markup-compatibility/2006" xmlns:a14="http://schemas.microsoft.com/office/drawing/2010/main" w="9525">
+                <a14:hiddenLine xmlns:a14="http://schemas.microsoft.com/office/drawing/2010/main" xmlns:mc="http://schemas.openxmlformats.org/markup-compatibility/2006" xmlns:p14="http://schemas.microsoft.com/office/powerpoint/2010/main" xmlns:a16="http://schemas.microsoft.com/office/drawing/2014/main" xmlns="" w="9525">
                   <a:solidFill>
                     <a:srgbClr val="000000"/>
                   </a:solidFill>
@@ -22761,7 +23059,7 @@
             </a:ln>
             <a:extLst>
               <a:ext uri="{91240B29-F687-4f45-9708-019B960494DF}">
-                <a14:hiddenLine xmlns="" xmlns:a16="http://schemas.microsoft.com/office/drawing/2014/main" xmlns:p14="http://schemas.microsoft.com/office/powerpoint/2010/main" xmlns:mc="http://schemas.openxmlformats.org/markup-compatibility/2006" xmlns:a14="http://schemas.microsoft.com/office/drawing/2010/main" w="9525">
+                <a14:hiddenLine xmlns:a14="http://schemas.microsoft.com/office/drawing/2010/main" xmlns:mc="http://schemas.openxmlformats.org/markup-compatibility/2006" xmlns:p14="http://schemas.microsoft.com/office/powerpoint/2010/main" xmlns:a16="http://schemas.microsoft.com/office/drawing/2014/main" xmlns="" w="9525">
                   <a:solidFill>
                     <a:srgbClr val="000000"/>
                   </a:solidFill>
@@ -22866,7 +23164,7 @@
             </a:ln>
             <a:extLst>
               <a:ext uri="{91240B29-F687-4f45-9708-019B960494DF}">
-                <a14:hiddenLine xmlns="" xmlns:a16="http://schemas.microsoft.com/office/drawing/2014/main" xmlns:p14="http://schemas.microsoft.com/office/powerpoint/2010/main" xmlns:mc="http://schemas.openxmlformats.org/markup-compatibility/2006" xmlns:a14="http://schemas.microsoft.com/office/drawing/2010/main" w="9525">
+                <a14:hiddenLine xmlns:a14="http://schemas.microsoft.com/office/drawing/2010/main" xmlns:mc="http://schemas.openxmlformats.org/markup-compatibility/2006" xmlns:p14="http://schemas.microsoft.com/office/powerpoint/2010/main" xmlns:a16="http://schemas.microsoft.com/office/drawing/2014/main" xmlns="" w="9525">
                   <a:solidFill>
                     <a:srgbClr val="000000"/>
                   </a:solidFill>
@@ -22915,7 +23213,7 @@
             </a:ln>
             <a:extLst>
               <a:ext uri="{91240B29-F687-4f45-9708-019B960494DF}">
-                <a14:hiddenLine xmlns="" xmlns:a16="http://schemas.microsoft.com/office/drawing/2014/main" xmlns:p14="http://schemas.microsoft.com/office/powerpoint/2010/main" xmlns:mc="http://schemas.openxmlformats.org/markup-compatibility/2006" xmlns:a14="http://schemas.microsoft.com/office/drawing/2010/main" w="9525">
+                <a14:hiddenLine xmlns:a14="http://schemas.microsoft.com/office/drawing/2010/main" xmlns:mc="http://schemas.openxmlformats.org/markup-compatibility/2006" xmlns:p14="http://schemas.microsoft.com/office/powerpoint/2010/main" xmlns:a16="http://schemas.microsoft.com/office/drawing/2014/main" xmlns="" w="9525">
                   <a:solidFill>
                     <a:srgbClr val="000000"/>
                   </a:solidFill>
@@ -22995,7 +23293,7 @@
             </a:ln>
             <a:extLst>
               <a:ext uri="{91240B29-F687-4f45-9708-019B960494DF}">
-                <a14:hiddenLine xmlns="" xmlns:a16="http://schemas.microsoft.com/office/drawing/2014/main" xmlns:p14="http://schemas.microsoft.com/office/powerpoint/2010/main" xmlns:mc="http://schemas.openxmlformats.org/markup-compatibility/2006" xmlns:a14="http://schemas.microsoft.com/office/drawing/2010/main" w="9525">
+                <a14:hiddenLine xmlns:a14="http://schemas.microsoft.com/office/drawing/2010/main" xmlns:mc="http://schemas.openxmlformats.org/markup-compatibility/2006" xmlns:p14="http://schemas.microsoft.com/office/powerpoint/2010/main" xmlns:a16="http://schemas.microsoft.com/office/drawing/2014/main" xmlns="" w="9525">
                   <a:solidFill>
                     <a:srgbClr val="000000"/>
                   </a:solidFill>
@@ -23100,7 +23398,7 @@
             </a:ln>
             <a:extLst>
               <a:ext uri="{91240B29-F687-4f45-9708-019B960494DF}">
-                <a14:hiddenLine xmlns="" xmlns:a16="http://schemas.microsoft.com/office/drawing/2014/main" xmlns:p14="http://schemas.microsoft.com/office/powerpoint/2010/main" xmlns:mc="http://schemas.openxmlformats.org/markup-compatibility/2006" xmlns:a14="http://schemas.microsoft.com/office/drawing/2010/main" w="9525">
+                <a14:hiddenLine xmlns:a14="http://schemas.microsoft.com/office/drawing/2010/main" xmlns:mc="http://schemas.openxmlformats.org/markup-compatibility/2006" xmlns:p14="http://schemas.microsoft.com/office/powerpoint/2010/main" xmlns:a16="http://schemas.microsoft.com/office/drawing/2014/main" xmlns="" w="9525">
                   <a:solidFill>
                     <a:srgbClr val="000000"/>
                   </a:solidFill>
@@ -23177,7 +23475,7 @@
             </a:ln>
             <a:extLst>
               <a:ext uri="{91240B29-F687-4f45-9708-019B960494DF}">
-                <a14:hiddenLine xmlns="" xmlns:a16="http://schemas.microsoft.com/office/drawing/2014/main" xmlns:p14="http://schemas.microsoft.com/office/powerpoint/2010/main" xmlns:mc="http://schemas.openxmlformats.org/markup-compatibility/2006" xmlns:a14="http://schemas.microsoft.com/office/drawing/2010/main" w="9525">
+                <a14:hiddenLine xmlns:a14="http://schemas.microsoft.com/office/drawing/2010/main" xmlns:mc="http://schemas.openxmlformats.org/markup-compatibility/2006" xmlns:p14="http://schemas.microsoft.com/office/powerpoint/2010/main" xmlns:a16="http://schemas.microsoft.com/office/drawing/2014/main" xmlns="" w="9525">
                   <a:solidFill>
                     <a:srgbClr val="000000"/>
                   </a:solidFill>
@@ -23282,7 +23580,7 @@
             </a:ln>
             <a:extLst>
               <a:ext uri="{91240B29-F687-4f45-9708-019B960494DF}">
-                <a14:hiddenLine xmlns="" xmlns:a16="http://schemas.microsoft.com/office/drawing/2014/main" xmlns:p14="http://schemas.microsoft.com/office/powerpoint/2010/main" xmlns:mc="http://schemas.openxmlformats.org/markup-compatibility/2006" xmlns:a14="http://schemas.microsoft.com/office/drawing/2010/main" w="9525">
+                <a14:hiddenLine xmlns:a14="http://schemas.microsoft.com/office/drawing/2010/main" xmlns:mc="http://schemas.openxmlformats.org/markup-compatibility/2006" xmlns:p14="http://schemas.microsoft.com/office/powerpoint/2010/main" xmlns:a16="http://schemas.microsoft.com/office/drawing/2014/main" xmlns="" w="9525">
                   <a:solidFill>
                     <a:srgbClr val="000000"/>
                   </a:solidFill>
@@ -23362,7 +23660,7 @@
             </a:ln>
             <a:extLst>
               <a:ext uri="{91240B29-F687-4f45-9708-019B960494DF}">
-                <a14:hiddenLine xmlns="" xmlns:a16="http://schemas.microsoft.com/office/drawing/2014/main" xmlns:p14="http://schemas.microsoft.com/office/powerpoint/2010/main" xmlns:mc="http://schemas.openxmlformats.org/markup-compatibility/2006" xmlns:a14="http://schemas.microsoft.com/office/drawing/2010/main" w="9525">
+                <a14:hiddenLine xmlns:a14="http://schemas.microsoft.com/office/drawing/2010/main" xmlns:mc="http://schemas.openxmlformats.org/markup-compatibility/2006" xmlns:p14="http://schemas.microsoft.com/office/powerpoint/2010/main" xmlns:a16="http://schemas.microsoft.com/office/drawing/2014/main" xmlns="" w="9525">
                   <a:solidFill>
                     <a:srgbClr val="000000"/>
                   </a:solidFill>
@@ -23439,7 +23737,7 @@
             </a:ln>
             <a:extLst>
               <a:ext uri="{91240B29-F687-4f45-9708-019B960494DF}">
-                <a14:hiddenLine xmlns="" xmlns:a16="http://schemas.microsoft.com/office/drawing/2014/main" xmlns:p14="http://schemas.microsoft.com/office/powerpoint/2010/main" xmlns:mc="http://schemas.openxmlformats.org/markup-compatibility/2006" xmlns:a14="http://schemas.microsoft.com/office/drawing/2010/main" w="9525">
+                <a14:hiddenLine xmlns:a14="http://schemas.microsoft.com/office/drawing/2010/main" xmlns:mc="http://schemas.openxmlformats.org/markup-compatibility/2006" xmlns:p14="http://schemas.microsoft.com/office/powerpoint/2010/main" xmlns:a16="http://schemas.microsoft.com/office/drawing/2014/main" xmlns="" w="9525">
                   <a:solidFill>
                     <a:srgbClr val="000000"/>
                   </a:solidFill>
@@ -23544,7 +23842,7 @@
             </a:ln>
             <a:extLst>
               <a:ext uri="{91240B29-F687-4f45-9708-019B960494DF}">
-                <a14:hiddenLine xmlns="" xmlns:a16="http://schemas.microsoft.com/office/drawing/2014/main" xmlns:p14="http://schemas.microsoft.com/office/powerpoint/2010/main" xmlns:mc="http://schemas.openxmlformats.org/markup-compatibility/2006" xmlns:a14="http://schemas.microsoft.com/office/drawing/2010/main" w="9525">
+                <a14:hiddenLine xmlns:a14="http://schemas.microsoft.com/office/drawing/2010/main" xmlns:mc="http://schemas.openxmlformats.org/markup-compatibility/2006" xmlns:p14="http://schemas.microsoft.com/office/powerpoint/2010/main" xmlns:a16="http://schemas.microsoft.com/office/drawing/2014/main" xmlns="" w="9525">
                   <a:solidFill>
                     <a:srgbClr val="000000"/>
                   </a:solidFill>
@@ -23649,7 +23947,7 @@
             </a:ln>
             <a:extLst>
               <a:ext uri="{91240B29-F687-4f45-9708-019B960494DF}">
-                <a14:hiddenLine xmlns="" xmlns:a16="http://schemas.microsoft.com/office/drawing/2014/main" xmlns:p14="http://schemas.microsoft.com/office/powerpoint/2010/main" xmlns:mc="http://schemas.openxmlformats.org/markup-compatibility/2006" xmlns:a14="http://schemas.microsoft.com/office/drawing/2010/main" w="9525">
+                <a14:hiddenLine xmlns:a14="http://schemas.microsoft.com/office/drawing/2010/main" xmlns:mc="http://schemas.openxmlformats.org/markup-compatibility/2006" xmlns:p14="http://schemas.microsoft.com/office/powerpoint/2010/main" xmlns:a16="http://schemas.microsoft.com/office/drawing/2014/main" xmlns="" w="9525">
                   <a:solidFill>
                     <a:srgbClr val="000000"/>
                   </a:solidFill>
@@ -23729,7 +24027,7 @@
             </a:ln>
             <a:extLst>
               <a:ext uri="{91240B29-F687-4f45-9708-019B960494DF}">
-                <a14:hiddenLine xmlns="" xmlns:a16="http://schemas.microsoft.com/office/drawing/2014/main" xmlns:p14="http://schemas.microsoft.com/office/powerpoint/2010/main" xmlns:mc="http://schemas.openxmlformats.org/markup-compatibility/2006" xmlns:a14="http://schemas.microsoft.com/office/drawing/2010/main" w="9525">
+                <a14:hiddenLine xmlns:a14="http://schemas.microsoft.com/office/drawing/2010/main" xmlns:mc="http://schemas.openxmlformats.org/markup-compatibility/2006" xmlns:p14="http://schemas.microsoft.com/office/powerpoint/2010/main" xmlns:a16="http://schemas.microsoft.com/office/drawing/2014/main" xmlns="" w="9525">
                   <a:solidFill>
                     <a:srgbClr val="000000"/>
                   </a:solidFill>
@@ -23864,7 +24162,7 @@
             </a:ln>
             <a:extLst>
               <a:ext uri="{91240B29-F687-4f45-9708-019B960494DF}">
-                <a14:hiddenLine xmlns="" xmlns:a16="http://schemas.microsoft.com/office/drawing/2014/main" xmlns:p14="http://schemas.microsoft.com/office/powerpoint/2010/main" xmlns:mc="http://schemas.openxmlformats.org/markup-compatibility/2006" xmlns:a14="http://schemas.microsoft.com/office/drawing/2010/main" w="9525">
+                <a14:hiddenLine xmlns:a14="http://schemas.microsoft.com/office/drawing/2010/main" xmlns:mc="http://schemas.openxmlformats.org/markup-compatibility/2006" xmlns:p14="http://schemas.microsoft.com/office/powerpoint/2010/main" xmlns:a16="http://schemas.microsoft.com/office/drawing/2014/main" xmlns="" w="9525">
                   <a:solidFill>
                     <a:srgbClr val="000000"/>
                   </a:solidFill>
@@ -24335,7 +24633,7 @@
             </a:ln>
             <a:extLst>
               <a:ext uri="{91240B29-F687-4f45-9708-019B960494DF}">
-                <a14:hiddenLine xmlns="" xmlns:a16="http://schemas.microsoft.com/office/drawing/2014/main" xmlns:p14="http://schemas.microsoft.com/office/powerpoint/2010/main" xmlns:mc="http://schemas.openxmlformats.org/markup-compatibility/2006" xmlns:a14="http://schemas.microsoft.com/office/drawing/2010/main" w="9525">
+                <a14:hiddenLine xmlns:a14="http://schemas.microsoft.com/office/drawing/2010/main" xmlns:mc="http://schemas.openxmlformats.org/markup-compatibility/2006" xmlns:p14="http://schemas.microsoft.com/office/powerpoint/2010/main" xmlns:a16="http://schemas.microsoft.com/office/drawing/2014/main" xmlns="" w="9525">
                   <a:solidFill>
                     <a:srgbClr val="000000"/>
                   </a:solidFill>
@@ -24465,7 +24763,7 @@
             </a:ln>
             <a:extLst>
               <a:ext uri="{91240B29-F687-4f45-9708-019B960494DF}">
-                <a14:hiddenLine xmlns="" xmlns:a16="http://schemas.microsoft.com/office/drawing/2014/main" xmlns:p14="http://schemas.microsoft.com/office/powerpoint/2010/main" xmlns:mc="http://schemas.openxmlformats.org/markup-compatibility/2006" xmlns:a14="http://schemas.microsoft.com/office/drawing/2010/main" w="9525">
+                <a14:hiddenLine xmlns:a14="http://schemas.microsoft.com/office/drawing/2010/main" xmlns:mc="http://schemas.openxmlformats.org/markup-compatibility/2006" xmlns:p14="http://schemas.microsoft.com/office/powerpoint/2010/main" xmlns:a16="http://schemas.microsoft.com/office/drawing/2014/main" xmlns="" w="9525">
                   <a:solidFill>
                     <a:srgbClr val="000000"/>
                   </a:solidFill>
@@ -24570,7 +24868,7 @@
             </a:ln>
             <a:extLst>
               <a:ext uri="{91240B29-F687-4f45-9708-019B960494DF}">
-                <a14:hiddenLine xmlns="" xmlns:a16="http://schemas.microsoft.com/office/drawing/2014/main" xmlns:p14="http://schemas.microsoft.com/office/powerpoint/2010/main" xmlns:mc="http://schemas.openxmlformats.org/markup-compatibility/2006" xmlns:a14="http://schemas.microsoft.com/office/drawing/2010/main" w="9525">
+                <a14:hiddenLine xmlns:a14="http://schemas.microsoft.com/office/drawing/2010/main" xmlns:mc="http://schemas.openxmlformats.org/markup-compatibility/2006" xmlns:p14="http://schemas.microsoft.com/office/powerpoint/2010/main" xmlns:a16="http://schemas.microsoft.com/office/drawing/2014/main" xmlns="" w="9525">
                   <a:solidFill>
                     <a:srgbClr val="000000"/>
                   </a:solidFill>
@@ -24650,7 +24948,7 @@
             </a:ln>
             <a:extLst>
               <a:ext uri="{91240B29-F687-4f45-9708-019B960494DF}">
-                <a14:hiddenLine xmlns="" xmlns:a16="http://schemas.microsoft.com/office/drawing/2014/main" xmlns:p14="http://schemas.microsoft.com/office/powerpoint/2010/main" xmlns:mc="http://schemas.openxmlformats.org/markup-compatibility/2006" xmlns:a14="http://schemas.microsoft.com/office/drawing/2010/main" w="9525">
+                <a14:hiddenLine xmlns:a14="http://schemas.microsoft.com/office/drawing/2010/main" xmlns:mc="http://schemas.openxmlformats.org/markup-compatibility/2006" xmlns:p14="http://schemas.microsoft.com/office/powerpoint/2010/main" xmlns:a16="http://schemas.microsoft.com/office/drawing/2014/main" xmlns="" w="9525">
                   <a:solidFill>
                     <a:srgbClr val="000000"/>
                   </a:solidFill>
@@ -24755,7 +25053,7 @@
             </a:ln>
             <a:extLst>
               <a:ext uri="{91240B29-F687-4f45-9708-019B960494DF}">
-                <a14:hiddenLine xmlns="" xmlns:a16="http://schemas.microsoft.com/office/drawing/2014/main" xmlns:p14="http://schemas.microsoft.com/office/powerpoint/2010/main" xmlns:mc="http://schemas.openxmlformats.org/markup-compatibility/2006" xmlns:a14="http://schemas.microsoft.com/office/drawing/2010/main" w="9525">
+                <a14:hiddenLine xmlns:a14="http://schemas.microsoft.com/office/drawing/2010/main" xmlns:mc="http://schemas.openxmlformats.org/markup-compatibility/2006" xmlns:p14="http://schemas.microsoft.com/office/powerpoint/2010/main" xmlns:a16="http://schemas.microsoft.com/office/drawing/2014/main" xmlns="" w="9525">
                   <a:solidFill>
                     <a:srgbClr val="000000"/>
                   </a:solidFill>
@@ -24838,7 +25136,7 @@
             </a:ln>
             <a:extLst>
               <a:ext uri="{91240B29-F687-4f45-9708-019B960494DF}">
-                <a14:hiddenLine xmlns="" xmlns:a16="http://schemas.microsoft.com/office/drawing/2014/main" xmlns:p14="http://schemas.microsoft.com/office/powerpoint/2010/main" xmlns:mc="http://schemas.openxmlformats.org/markup-compatibility/2006" xmlns:a14="http://schemas.microsoft.com/office/drawing/2010/main" w="9525">
+                <a14:hiddenLine xmlns:a14="http://schemas.microsoft.com/office/drawing/2010/main" xmlns:mc="http://schemas.openxmlformats.org/markup-compatibility/2006" xmlns:p14="http://schemas.microsoft.com/office/powerpoint/2010/main" xmlns:a16="http://schemas.microsoft.com/office/drawing/2014/main" xmlns="" w="9525">
                   <a:solidFill>
                     <a:srgbClr val="000000"/>
                   </a:solidFill>
@@ -24943,7 +25241,7 @@
             </a:ln>
             <a:extLst>
               <a:ext uri="{91240B29-F687-4f45-9708-019B960494DF}">
-                <a14:hiddenLine xmlns="" xmlns:a16="http://schemas.microsoft.com/office/drawing/2014/main" xmlns:p14="http://schemas.microsoft.com/office/powerpoint/2010/main" xmlns:mc="http://schemas.openxmlformats.org/markup-compatibility/2006" xmlns:a14="http://schemas.microsoft.com/office/drawing/2010/main" w="9525">
+                <a14:hiddenLine xmlns:a14="http://schemas.microsoft.com/office/drawing/2010/main" xmlns:mc="http://schemas.openxmlformats.org/markup-compatibility/2006" xmlns:p14="http://schemas.microsoft.com/office/powerpoint/2010/main" xmlns:a16="http://schemas.microsoft.com/office/drawing/2014/main" xmlns="" w="9525">
                   <a:solidFill>
                     <a:srgbClr val="000000"/>
                   </a:solidFill>
@@ -25026,7 +25324,7 @@
             </a:ln>
             <a:extLst>
               <a:ext uri="{91240B29-F687-4f45-9708-019B960494DF}">
-                <a14:hiddenLine xmlns="" xmlns:a16="http://schemas.microsoft.com/office/drawing/2014/main" xmlns:p14="http://schemas.microsoft.com/office/powerpoint/2010/main" xmlns:mc="http://schemas.openxmlformats.org/markup-compatibility/2006" xmlns:a14="http://schemas.microsoft.com/office/drawing/2010/main" w="9525">
+                <a14:hiddenLine xmlns:a14="http://schemas.microsoft.com/office/drawing/2010/main" xmlns:mc="http://schemas.openxmlformats.org/markup-compatibility/2006" xmlns:p14="http://schemas.microsoft.com/office/powerpoint/2010/main" xmlns:a16="http://schemas.microsoft.com/office/drawing/2014/main" xmlns="" w="9525">
                   <a:solidFill>
                     <a:srgbClr val="000000"/>
                   </a:solidFill>
@@ -25131,7 +25429,7 @@
             </a:ln>
             <a:extLst>
               <a:ext uri="{91240B29-F687-4f45-9708-019B960494DF}">
-                <a14:hiddenLine xmlns="" xmlns:a16="http://schemas.microsoft.com/office/drawing/2014/main" xmlns:p14="http://schemas.microsoft.com/office/powerpoint/2010/main" xmlns:mc="http://schemas.openxmlformats.org/markup-compatibility/2006" xmlns:a14="http://schemas.microsoft.com/office/drawing/2010/main" w="9525">
+                <a14:hiddenLine xmlns:a14="http://schemas.microsoft.com/office/drawing/2010/main" xmlns:mc="http://schemas.openxmlformats.org/markup-compatibility/2006" xmlns:p14="http://schemas.microsoft.com/office/powerpoint/2010/main" xmlns:a16="http://schemas.microsoft.com/office/drawing/2014/main" xmlns="" w="9525">
                   <a:solidFill>
                     <a:srgbClr val="000000"/>
                   </a:solidFill>
@@ -25180,7 +25478,7 @@
             </a:ln>
             <a:extLst>
               <a:ext uri="{91240B29-F687-4f45-9708-019B960494DF}">
-                <a14:hiddenLine xmlns="" xmlns:a16="http://schemas.microsoft.com/office/drawing/2014/main" xmlns:p14="http://schemas.microsoft.com/office/powerpoint/2010/main" xmlns:mc="http://schemas.openxmlformats.org/markup-compatibility/2006" xmlns:a14="http://schemas.microsoft.com/office/drawing/2010/main" w="9525">
+                <a14:hiddenLine xmlns:a14="http://schemas.microsoft.com/office/drawing/2010/main" xmlns:mc="http://schemas.openxmlformats.org/markup-compatibility/2006" xmlns:p14="http://schemas.microsoft.com/office/powerpoint/2010/main" xmlns:a16="http://schemas.microsoft.com/office/drawing/2014/main" xmlns="" w="9525">
                   <a:solidFill>
                     <a:srgbClr val="000000"/>
                   </a:solidFill>
@@ -25197,254 +25495,6 @@
     <p:extLst>
       <p:ext uri="{BB962C8B-B14F-4D97-AF65-F5344CB8AC3E}">
         <p14:creationId xmlns:p14="http://schemas.microsoft.com/office/powerpoint/2010/main" val="2920967741"/>
-      </p:ext>
-    </p:extLst>
-  </p:cSld>
-  <p:clrMapOvr>
-    <a:masterClrMapping/>
-  </p:clrMapOvr>
-</p:sld>
-</file>
-
-<file path=ppt/slides/slide6.xml><?xml version="1.0" encoding="utf-8"?>
-<p:sld xmlns:a="http://schemas.openxmlformats.org/drawingml/2006/main" xmlns:r="http://schemas.openxmlformats.org/officeDocument/2006/relationships" xmlns:p="http://schemas.openxmlformats.org/presentationml/2006/main">
-  <p:cSld>
-    <p:spTree>
-      <p:nvGrpSpPr>
-        <p:cNvPr id="1" name=""/>
-        <p:cNvGrpSpPr/>
-        <p:nvPr/>
-      </p:nvGrpSpPr>
-      <p:grpSpPr>
-        <a:xfrm>
-          <a:off x="0" y="0"/>
-          <a:ext cx="0" cy="0"/>
-          <a:chOff x="0" y="0"/>
-          <a:chExt cx="0" cy="0"/>
-        </a:xfrm>
-      </p:grpSpPr>
-      <p:sp>
-        <p:nvSpPr>
-          <p:cNvPr id="2" name="Title 1">
-            <a:extLst>
-              <a:ext uri="{FF2B5EF4-FFF2-40B4-BE49-F238E27FC236}">
-                <a16:creationId xmlns:a16="http://schemas.microsoft.com/office/drawing/2014/main" id="{9521E01C-5E37-4F6B-8A8A-AA0271D326AD}"/>
-              </a:ext>
-            </a:extLst>
-          </p:cNvPr>
-          <p:cNvSpPr>
-            <a:spLocks noGrp="1"/>
-          </p:cNvSpPr>
-          <p:nvPr>
-            <p:ph type="title"/>
-          </p:nvPr>
-        </p:nvSpPr>
-        <p:spPr>
-          <a:xfrm>
-            <a:off x="1141413" y="203848"/>
-            <a:ext cx="9905998" cy="1478570"/>
-          </a:xfrm>
-        </p:spPr>
-        <p:txBody>
-          <a:bodyPr/>
-          <a:lstStyle/>
-          <a:p>
-            <a:r>
-              <a:rPr lang="en-US" dirty="0"/>
-              <a:t>What do you mean, “</a:t>
-            </a:r>
-            <a:r>
-              <a:rPr lang="en-US" dirty="0">
-                <a:solidFill>
-                  <a:schemeClr val="accent2"/>
-                </a:solidFill>
-              </a:rPr>
-              <a:t>serving?</a:t>
-            </a:r>
-            <a:r>
-              <a:rPr lang="en-US" dirty="0"/>
-              <a:t>”</a:t>
-            </a:r>
-          </a:p>
-        </p:txBody>
-      </p:sp>
-      <p:sp>
-        <p:nvSpPr>
-          <p:cNvPr id="3" name="Content Placeholder 2">
-            <a:extLst>
-              <a:ext uri="{FF2B5EF4-FFF2-40B4-BE49-F238E27FC236}">
-                <a16:creationId xmlns:a16="http://schemas.microsoft.com/office/drawing/2014/main" id="{D28D70A2-D102-419E-BD25-5348A33B86C4}"/>
-              </a:ext>
-            </a:extLst>
-          </p:cNvPr>
-          <p:cNvSpPr>
-            <a:spLocks noGrp="1"/>
-          </p:cNvSpPr>
-          <p:nvPr>
-            <p:ph idx="1"/>
-          </p:nvPr>
-        </p:nvSpPr>
-        <p:spPr>
-          <a:xfrm>
-            <a:off x="1141413" y="1287777"/>
-            <a:ext cx="9905998" cy="4962898"/>
-          </a:xfrm>
-        </p:spPr>
-        <p:txBody>
-          <a:bodyPr>
-            <a:normAutofit/>
-          </a:bodyPr>
-          <a:lstStyle/>
-          <a:p>
-            <a:r>
-              <a:rPr lang="en-US" sz="2800" dirty="0">
-                <a:solidFill>
-                  <a:schemeClr val="accent1"/>
-                </a:solidFill>
-              </a:rPr>
-              <a:t>STATIC</a:t>
-            </a:r>
-            <a:r>
-              <a:rPr lang="en-US" sz="2800" dirty="0"/>
-              <a:t> WEB PAGES</a:t>
-            </a:r>
-          </a:p>
-          <a:p>
-            <a:pPr lvl="1"/>
-            <a:r>
-              <a:rPr lang="en-US" sz="2400" dirty="0"/>
-              <a:t>Think about a site you have bookmarked that rarely* changes – maybe a favorite </a:t>
-            </a:r>
-            <a:r>
-              <a:rPr lang="en-US" sz="2400" dirty="0" err="1">
-                <a:hlinkClick r:id="rId2"/>
-              </a:rPr>
-              <a:t>LibGuide</a:t>
-            </a:r>
-            <a:endParaRPr lang="en-US" sz="2400" dirty="0"/>
-          </a:p>
-          <a:p>
-            <a:pPr lvl="1"/>
-            <a:r>
-              <a:rPr lang="en-US" sz="2400" dirty="0"/>
-              <a:t>That page is a file that your browser (client) asks for (from the server) when you visit that address</a:t>
-            </a:r>
-          </a:p>
-          <a:p>
-            <a:r>
-              <a:rPr lang="en-US" sz="2800" dirty="0">
-                <a:highlight>
-                  <a:srgbClr val="FFFF00"/>
-                </a:highlight>
-              </a:rPr>
-              <a:t>DYNAMIC</a:t>
-            </a:r>
-            <a:r>
-              <a:rPr lang="en-US" sz="2800" dirty="0"/>
-              <a:t> CONTENT</a:t>
-            </a:r>
-          </a:p>
-          <a:p>
-            <a:pPr lvl="1"/>
-            <a:r>
-              <a:rPr lang="en-US" sz="2400" dirty="0"/>
-              <a:t>Feeds (Facebook, Twitter); search results pages</a:t>
-            </a:r>
-          </a:p>
-          <a:p>
-            <a:pPr lvl="1"/>
-            <a:r>
-              <a:rPr lang="en-US" sz="2400" dirty="0"/>
-              <a:t>The server gathers the info and presents it to the user’s browser (or app) as a file</a:t>
-            </a:r>
-          </a:p>
-        </p:txBody>
-      </p:sp>
-      <p:sp>
-        <p:nvSpPr>
-          <p:cNvPr id="4" name="Speech Bubble: Oval 3">
-            <a:extLst>
-              <a:ext uri="{FF2B5EF4-FFF2-40B4-BE49-F238E27FC236}">
-                <a16:creationId xmlns:a16="http://schemas.microsoft.com/office/drawing/2014/main" id="{62F233C6-2BB4-4AE2-BCDD-28C3E9FE0E22}"/>
-              </a:ext>
-            </a:extLst>
-          </p:cNvPr>
-          <p:cNvSpPr/>
-          <p:nvPr/>
-        </p:nvSpPr>
-        <p:spPr>
-          <a:xfrm>
-            <a:off x="8406808" y="-63499"/>
-            <a:ext cx="3785192" cy="1618624"/>
-          </a:xfrm>
-          <a:prstGeom prst="wedgeEllipseCallout">
-            <a:avLst>
-              <a:gd name="adj1" fmla="val -51503"/>
-              <a:gd name="adj2" fmla="val 77009"/>
-            </a:avLst>
-          </a:prstGeom>
-          <a:solidFill>
-            <a:schemeClr val="accent2">
-              <a:alpha val="38000"/>
-            </a:schemeClr>
-          </a:solidFill>
-        </p:spPr>
-        <p:style>
-          <a:lnRef idx="2">
-            <a:schemeClr val="accent2">
-              <a:shade val="50000"/>
-            </a:schemeClr>
-          </a:lnRef>
-          <a:fillRef idx="1">
-            <a:schemeClr val="accent2"/>
-          </a:fillRef>
-          <a:effectRef idx="0">
-            <a:schemeClr val="accent2"/>
-          </a:effectRef>
-          <a:fontRef idx="minor">
-            <a:schemeClr val="lt1"/>
-          </a:fontRef>
-        </p:style>
-        <p:txBody>
-          <a:bodyPr rtlCol="0" anchor="ctr"/>
-          <a:lstStyle/>
-          <a:p>
-            <a:pPr algn="ctr"/>
-            <a:r>
-              <a:rPr lang="en-US" dirty="0"/>
-              <a:t>Rarely = “not constantly.” </a:t>
-            </a:r>
-            <a:r>
-              <a:rPr lang="en-US" sz="1600" dirty="0"/>
-              <a:t>Compare a </a:t>
-            </a:r>
-            <a:r>
-              <a:rPr lang="en-US" sz="1600" dirty="0" err="1"/>
-              <a:t>LibGuide</a:t>
-            </a:r>
-            <a:r>
-              <a:rPr lang="en-US" sz="1600" dirty="0"/>
-              <a:t>(static)</a:t>
-            </a:r>
-          </a:p>
-          <a:p>
-            <a:pPr algn="ctr"/>
-            <a:r>
-              <a:rPr lang="en-US" dirty="0"/>
-              <a:t> </a:t>
-            </a:r>
-            <a:r>
-              <a:rPr lang="en-US" sz="1600" dirty="0"/>
-              <a:t>with a Twitter feed(dynamic)</a:t>
-            </a:r>
-            <a:endParaRPr lang="en-US" dirty="0"/>
-          </a:p>
-        </p:txBody>
-      </p:sp>
-    </p:spTree>
-    <p:extLst>
-      <p:ext uri="{BB962C8B-B14F-4D97-AF65-F5344CB8AC3E}">
-        <p14:creationId xmlns:p14="http://schemas.microsoft.com/office/powerpoint/2010/main" val="2604460503"/>
       </p:ext>
     </p:extLst>
   </p:cSld>
@@ -25545,6 +25595,254 @@
           <a:lstStyle/>
           <a:p>
             <a:r>
+              <a:rPr lang="en-US" sz="2800" dirty="0">
+                <a:solidFill>
+                  <a:schemeClr val="accent1"/>
+                </a:solidFill>
+              </a:rPr>
+              <a:t>STATIC</a:t>
+            </a:r>
+            <a:r>
+              <a:rPr lang="en-US" sz="2800" dirty="0"/>
+              <a:t> WEB PAGES</a:t>
+            </a:r>
+          </a:p>
+          <a:p>
+            <a:pPr lvl="1"/>
+            <a:r>
+              <a:rPr lang="en-US" sz="2400" dirty="0"/>
+              <a:t>Think about a site you have bookmarked that rarely* changes – maybe a favorite </a:t>
+            </a:r>
+            <a:r>
+              <a:rPr lang="en-US" sz="2400" dirty="0" err="1">
+                <a:hlinkClick r:id="rId2"/>
+              </a:rPr>
+              <a:t>LibGuide</a:t>
+            </a:r>
+            <a:endParaRPr lang="en-US" sz="2400" dirty="0"/>
+          </a:p>
+          <a:p>
+            <a:pPr lvl="1"/>
+            <a:r>
+              <a:rPr lang="en-US" sz="2400" dirty="0"/>
+              <a:t>That page is a file that your browser (client) asks for (from the server) when you visit that address</a:t>
+            </a:r>
+          </a:p>
+          <a:p>
+            <a:r>
+              <a:rPr lang="en-US" sz="2800" dirty="0">
+                <a:highlight>
+                  <a:srgbClr val="FFFF00"/>
+                </a:highlight>
+              </a:rPr>
+              <a:t>DYNAMIC</a:t>
+            </a:r>
+            <a:r>
+              <a:rPr lang="en-US" sz="2800" dirty="0"/>
+              <a:t> CONTENT</a:t>
+            </a:r>
+          </a:p>
+          <a:p>
+            <a:pPr lvl="1"/>
+            <a:r>
+              <a:rPr lang="en-US" sz="2400" dirty="0"/>
+              <a:t>Feeds (Facebook, Twitter); search results pages</a:t>
+            </a:r>
+          </a:p>
+          <a:p>
+            <a:pPr lvl="1"/>
+            <a:r>
+              <a:rPr lang="en-US" sz="2400" dirty="0"/>
+              <a:t>The server gathers the info and presents it to the user’s browser (or app) as a file</a:t>
+            </a:r>
+          </a:p>
+        </p:txBody>
+      </p:sp>
+      <p:sp>
+        <p:nvSpPr>
+          <p:cNvPr id="4" name="Speech Bubble: Oval 3">
+            <a:extLst>
+              <a:ext uri="{FF2B5EF4-FFF2-40B4-BE49-F238E27FC236}">
+                <a16:creationId xmlns:a16="http://schemas.microsoft.com/office/drawing/2014/main" id="{62F233C6-2BB4-4AE2-BCDD-28C3E9FE0E22}"/>
+              </a:ext>
+            </a:extLst>
+          </p:cNvPr>
+          <p:cNvSpPr/>
+          <p:nvPr/>
+        </p:nvSpPr>
+        <p:spPr>
+          <a:xfrm>
+            <a:off x="8406808" y="-63499"/>
+            <a:ext cx="3785192" cy="1618624"/>
+          </a:xfrm>
+          <a:prstGeom prst="wedgeEllipseCallout">
+            <a:avLst>
+              <a:gd name="adj1" fmla="val -51503"/>
+              <a:gd name="adj2" fmla="val 77009"/>
+            </a:avLst>
+          </a:prstGeom>
+          <a:solidFill>
+            <a:schemeClr val="accent2">
+              <a:alpha val="38000"/>
+            </a:schemeClr>
+          </a:solidFill>
+        </p:spPr>
+        <p:style>
+          <a:lnRef idx="2">
+            <a:schemeClr val="accent2">
+              <a:shade val="50000"/>
+            </a:schemeClr>
+          </a:lnRef>
+          <a:fillRef idx="1">
+            <a:schemeClr val="accent2"/>
+          </a:fillRef>
+          <a:effectRef idx="0">
+            <a:schemeClr val="accent2"/>
+          </a:effectRef>
+          <a:fontRef idx="minor">
+            <a:schemeClr val="lt1"/>
+          </a:fontRef>
+        </p:style>
+        <p:txBody>
+          <a:bodyPr rtlCol="0" anchor="ctr"/>
+          <a:lstStyle/>
+          <a:p>
+            <a:pPr algn="ctr"/>
+            <a:r>
+              <a:rPr lang="en-US" dirty="0"/>
+              <a:t>Rarely = “not constantly.” </a:t>
+            </a:r>
+            <a:r>
+              <a:rPr lang="en-US" sz="1600" dirty="0"/>
+              <a:t>Compare a </a:t>
+            </a:r>
+            <a:r>
+              <a:rPr lang="en-US" sz="1600" dirty="0" err="1"/>
+              <a:t>LibGuide</a:t>
+            </a:r>
+            <a:r>
+              <a:rPr lang="en-US" sz="1600" dirty="0"/>
+              <a:t>(static)</a:t>
+            </a:r>
+          </a:p>
+          <a:p>
+            <a:pPr algn="ctr"/>
+            <a:r>
+              <a:rPr lang="en-US" dirty="0"/>
+              <a:t> </a:t>
+            </a:r>
+            <a:r>
+              <a:rPr lang="en-US" sz="1600" dirty="0"/>
+              <a:t>with a Twitter feed(dynamic)</a:t>
+            </a:r>
+            <a:endParaRPr lang="en-US" dirty="0"/>
+          </a:p>
+        </p:txBody>
+      </p:sp>
+    </p:spTree>
+    <p:extLst>
+      <p:ext uri="{BB962C8B-B14F-4D97-AF65-F5344CB8AC3E}">
+        <p14:creationId xmlns:p14="http://schemas.microsoft.com/office/powerpoint/2010/main" val="2604460503"/>
+      </p:ext>
+    </p:extLst>
+  </p:cSld>
+  <p:clrMapOvr>
+    <a:masterClrMapping/>
+  </p:clrMapOvr>
+</p:sld>
+</file>
+
+<file path=ppt/slides/slide8.xml><?xml version="1.0" encoding="utf-8"?>
+<p:sld xmlns:a="http://schemas.openxmlformats.org/drawingml/2006/main" xmlns:r="http://schemas.openxmlformats.org/officeDocument/2006/relationships" xmlns:p="http://schemas.openxmlformats.org/presentationml/2006/main">
+  <p:cSld>
+    <p:spTree>
+      <p:nvGrpSpPr>
+        <p:cNvPr id="1" name=""/>
+        <p:cNvGrpSpPr/>
+        <p:nvPr/>
+      </p:nvGrpSpPr>
+      <p:grpSpPr>
+        <a:xfrm>
+          <a:off x="0" y="0"/>
+          <a:ext cx="0" cy="0"/>
+          <a:chOff x="0" y="0"/>
+          <a:chExt cx="0" cy="0"/>
+        </a:xfrm>
+      </p:grpSpPr>
+      <p:sp>
+        <p:nvSpPr>
+          <p:cNvPr id="2" name="Title 1">
+            <a:extLst>
+              <a:ext uri="{FF2B5EF4-FFF2-40B4-BE49-F238E27FC236}">
+                <a16:creationId xmlns:a16="http://schemas.microsoft.com/office/drawing/2014/main" id="{9521E01C-5E37-4F6B-8A8A-AA0271D326AD}"/>
+              </a:ext>
+            </a:extLst>
+          </p:cNvPr>
+          <p:cNvSpPr>
+            <a:spLocks noGrp="1"/>
+          </p:cNvSpPr>
+          <p:nvPr>
+            <p:ph type="title"/>
+          </p:nvPr>
+        </p:nvSpPr>
+        <p:spPr>
+          <a:xfrm>
+            <a:off x="1141413" y="203848"/>
+            <a:ext cx="9905998" cy="1478570"/>
+          </a:xfrm>
+        </p:spPr>
+        <p:txBody>
+          <a:bodyPr/>
+          <a:lstStyle/>
+          <a:p>
+            <a:r>
+              <a:rPr lang="en-US" dirty="0"/>
+              <a:t>What do you mean, “</a:t>
+            </a:r>
+            <a:r>
+              <a:rPr lang="en-US" dirty="0">
+                <a:solidFill>
+                  <a:schemeClr val="accent2"/>
+                </a:solidFill>
+              </a:rPr>
+              <a:t>serving?</a:t>
+            </a:r>
+            <a:r>
+              <a:rPr lang="en-US" dirty="0"/>
+              <a:t>”</a:t>
+            </a:r>
+          </a:p>
+        </p:txBody>
+      </p:sp>
+      <p:sp>
+        <p:nvSpPr>
+          <p:cNvPr id="3" name="Content Placeholder 2">
+            <a:extLst>
+              <a:ext uri="{FF2B5EF4-FFF2-40B4-BE49-F238E27FC236}">
+                <a16:creationId xmlns:a16="http://schemas.microsoft.com/office/drawing/2014/main" id="{D28D70A2-D102-419E-BD25-5348A33B86C4}"/>
+              </a:ext>
+            </a:extLst>
+          </p:cNvPr>
+          <p:cNvSpPr>
+            <a:spLocks noGrp="1"/>
+          </p:cNvSpPr>
+          <p:nvPr>
+            <p:ph idx="1"/>
+          </p:nvPr>
+        </p:nvSpPr>
+        <p:spPr>
+          <a:xfrm>
+            <a:off x="1141413" y="1287777"/>
+            <a:ext cx="9905998" cy="4962898"/>
+          </a:xfrm>
+        </p:spPr>
+        <p:txBody>
+          <a:bodyPr>
+            <a:normAutofit/>
+          </a:bodyPr>
+          <a:lstStyle/>
+          <a:p>
+            <a:r>
               <a:rPr lang="en-US" dirty="0">
                 <a:solidFill>
                   <a:schemeClr val="accent1"/>
@@ -25614,7 +25912,7 @@
 </p:sld>
 </file>
 
-<file path=ppt/slides/slide8.xml><?xml version="1.0" encoding="utf-8"?>
+<file path=ppt/slides/slide9.xml><?xml version="1.0" encoding="utf-8"?>
 <p:sld xmlns:a="http://schemas.openxmlformats.org/drawingml/2006/main" xmlns:r="http://schemas.openxmlformats.org/officeDocument/2006/relationships" xmlns:p="http://schemas.openxmlformats.org/presentationml/2006/main">
   <p:cSld>
     <p:spTree>
@@ -25718,171 +26016,6 @@
     <p:extLst>
       <p:ext uri="{BB962C8B-B14F-4D97-AF65-F5344CB8AC3E}">
         <p14:creationId xmlns:p14="http://schemas.microsoft.com/office/powerpoint/2010/main" val="147607126"/>
-      </p:ext>
-    </p:extLst>
-  </p:cSld>
-  <p:clrMapOvr>
-    <a:masterClrMapping/>
-  </p:clrMapOvr>
-</p:sld>
-</file>
-
-<file path=ppt/slides/slide9.xml><?xml version="1.0" encoding="utf-8"?>
-<p:sld xmlns:a="http://schemas.openxmlformats.org/drawingml/2006/main" xmlns:r="http://schemas.openxmlformats.org/officeDocument/2006/relationships" xmlns:p="http://schemas.openxmlformats.org/presentationml/2006/main">
-  <p:cSld>
-    <p:spTree>
-      <p:nvGrpSpPr>
-        <p:cNvPr id="1" name=""/>
-        <p:cNvGrpSpPr/>
-        <p:nvPr/>
-      </p:nvGrpSpPr>
-      <p:grpSpPr>
-        <a:xfrm>
-          <a:off x="0" y="0"/>
-          <a:ext cx="0" cy="0"/>
-          <a:chOff x="0" y="0"/>
-          <a:chExt cx="0" cy="0"/>
-        </a:xfrm>
-      </p:grpSpPr>
-      <p:sp>
-        <p:nvSpPr>
-          <p:cNvPr id="2" name="Title 1">
-            <a:extLst>
-              <a:ext uri="{FF2B5EF4-FFF2-40B4-BE49-F238E27FC236}">
-                <a16:creationId xmlns:a16="http://schemas.microsoft.com/office/drawing/2014/main" id="{5FEC35EC-B61E-4144-B4A3-E8946DCDB7CA}"/>
-              </a:ext>
-            </a:extLst>
-          </p:cNvPr>
-          <p:cNvSpPr>
-            <a:spLocks noGrp="1"/>
-          </p:cNvSpPr>
-          <p:nvPr>
-            <p:ph type="title"/>
-          </p:nvPr>
-        </p:nvSpPr>
-        <p:spPr/>
-        <p:txBody>
-          <a:bodyPr/>
-          <a:lstStyle/>
-          <a:p>
-            <a:r>
-              <a:rPr lang="en-US" dirty="0">
-                <a:solidFill>
-                  <a:schemeClr val="accent2"/>
-                </a:solidFill>
-              </a:rPr>
-              <a:t>Why </a:t>
-            </a:r>
-            <a:r>
-              <a:rPr lang="en-US" dirty="0"/>
-              <a:t>use a server?</a:t>
-            </a:r>
-          </a:p>
-        </p:txBody>
-      </p:sp>
-      <p:sp>
-        <p:nvSpPr>
-          <p:cNvPr id="3" name="Content Placeholder 2">
-            <a:extLst>
-              <a:ext uri="{FF2B5EF4-FFF2-40B4-BE49-F238E27FC236}">
-                <a16:creationId xmlns:a16="http://schemas.microsoft.com/office/drawing/2014/main" id="{E167FAB0-F0F3-4550-80B6-5BADC3EE0EFC}"/>
-              </a:ext>
-            </a:extLst>
-          </p:cNvPr>
-          <p:cNvSpPr>
-            <a:spLocks noGrp="1"/>
-          </p:cNvSpPr>
-          <p:nvPr>
-            <p:ph idx="1"/>
-          </p:nvPr>
-        </p:nvSpPr>
-        <p:spPr>
-          <a:xfrm>
-            <a:off x="1141412" y="2249486"/>
-            <a:ext cx="9905999" cy="4076885"/>
-          </a:xfrm>
-        </p:spPr>
-        <p:txBody>
-          <a:bodyPr>
-            <a:normAutofit/>
-          </a:bodyPr>
-          <a:lstStyle/>
-          <a:p>
-            <a:r>
-              <a:rPr lang="en-US" dirty="0"/>
-              <a:t>Servers often have more memory and less overhead</a:t>
-            </a:r>
-          </a:p>
-          <a:p>
-            <a:pPr lvl="1"/>
-            <a:r>
-              <a:rPr lang="en-US" dirty="0"/>
-              <a:t>They don’t have to think about whether you’re about to start Pandora or play Candy Crush or open 32 Chrome tabs</a:t>
-            </a:r>
-          </a:p>
-          <a:p>
-            <a:r>
-              <a:rPr lang="en-US" dirty="0"/>
-              <a:t>Great for big data sets</a:t>
-            </a:r>
-          </a:p>
-          <a:p>
-            <a:pPr lvl="1"/>
-            <a:r>
-              <a:rPr lang="en-US" dirty="0"/>
-              <a:t>Databases</a:t>
-            </a:r>
-          </a:p>
-          <a:p>
-            <a:pPr lvl="1"/>
-            <a:r>
-              <a:rPr lang="en-US" dirty="0"/>
-              <a:t>Textual analysis (</a:t>
-            </a:r>
-            <a:r>
-              <a:rPr lang="en-US" dirty="0" err="1"/>
-              <a:t>Voyant</a:t>
-            </a:r>
-            <a:r>
-              <a:rPr lang="en-US" dirty="0"/>
-              <a:t>-Tools, </a:t>
-            </a:r>
-            <a:r>
-              <a:rPr lang="en-US" dirty="0" err="1"/>
-              <a:t>HathiTrust</a:t>
-            </a:r>
-            <a:r>
-              <a:rPr lang="en-US" dirty="0"/>
-              <a:t>, SOTU-</a:t>
-            </a:r>
-            <a:r>
-              <a:rPr lang="en-US" dirty="0" err="1"/>
-              <a:t>db</a:t>
-            </a:r>
-            <a:r>
-              <a:rPr lang="en-US" dirty="0"/>
-              <a:t> 😎)</a:t>
-            </a:r>
-          </a:p>
-          <a:p>
-            <a:r>
-              <a:rPr lang="en-US" dirty="0"/>
-              <a:t>Full control</a:t>
-            </a:r>
-          </a:p>
-          <a:p>
-            <a:pPr lvl="1"/>
-            <a:r>
-              <a:rPr lang="en-US" dirty="0"/>
-              <a:t>A great environment for learning HTML/CSS </a:t>
-            </a:r>
-          </a:p>
-        </p:txBody>
-      </p:sp>
-    </p:spTree>
-    <p:extLst>
-      <p:ext uri="{BB962C8B-B14F-4D97-AF65-F5344CB8AC3E}">
-        <p14:creationId xmlns:p14="http://schemas.microsoft.com/office/powerpoint/2010/main" val="670784547"/>
       </p:ext>
     </p:extLst>
   </p:cSld>

--- a/docs/humanities-server-workshop.pptx
+++ b/docs/humanities-server-workshop.pptx
@@ -5,7 +5,7 @@
     <p:sldMasterId id="2147483714" r:id="rId1"/>
   </p:sldMasterIdLst>
   <p:notesMasterIdLst>
-    <p:notesMasterId r:id="rId21"/>
+    <p:notesMasterId r:id="rId20"/>
   </p:notesMasterIdLst>
   <p:sldIdLst>
     <p:sldId id="256" r:id="rId2"/>
@@ -16,17 +16,16 @@
     <p:sldId id="264" r:id="rId7"/>
     <p:sldId id="263" r:id="rId8"/>
     <p:sldId id="268" r:id="rId9"/>
-    <p:sldId id="260" r:id="rId10"/>
-    <p:sldId id="261" r:id="rId11"/>
-    <p:sldId id="262" r:id="rId12"/>
-    <p:sldId id="266" r:id="rId13"/>
-    <p:sldId id="267" r:id="rId14"/>
-    <p:sldId id="265" r:id="rId15"/>
-    <p:sldId id="269" r:id="rId16"/>
-    <p:sldId id="270" r:id="rId17"/>
-    <p:sldId id="271" r:id="rId18"/>
-    <p:sldId id="272" r:id="rId19"/>
-    <p:sldId id="273" r:id="rId20"/>
+    <p:sldId id="261" r:id="rId10"/>
+    <p:sldId id="262" r:id="rId11"/>
+    <p:sldId id="266" r:id="rId12"/>
+    <p:sldId id="267" r:id="rId13"/>
+    <p:sldId id="265" r:id="rId14"/>
+    <p:sldId id="269" r:id="rId15"/>
+    <p:sldId id="270" r:id="rId16"/>
+    <p:sldId id="271" r:id="rId17"/>
+    <p:sldId id="272" r:id="rId18"/>
+    <p:sldId id="273" r:id="rId19"/>
   </p:sldIdLst>
   <p:sldSz cx="12192000" cy="6858000"/>
   <p:notesSz cx="6858000" cy="9144000"/>
@@ -215,7 +214,7 @@
           <a:p>
             <a:fld id="{F2888D72-CD00-41C6-B12B-CC9E50E9577B}" type="datetimeFigureOut">
               <a:rPr lang="en-US" smtClean="0"/>
-              <a:t>11/27/18</a:t>
+              <a:t>7/20/21</a:t>
             </a:fld>
             <a:endParaRPr lang="en-US"/>
           </a:p>
@@ -767,7 +766,7 @@
           <a:noFill/>
           <a:extLst>
             <a:ext uri="{909E8E84-426E-40dd-AFC4-6F175D3DCCD1}">
-              <a14:hiddenFill xmlns="" xmlns:a14="http://schemas.microsoft.com/office/drawing/2010/main">
+              <a14:hiddenFill xmlns:a14="http://schemas.microsoft.com/office/drawing/2010/main" xmlns="">
                 <a:solidFill>
                   <a:srgbClr val="FFFFFF"/>
                 </a:solidFill>
@@ -826,7 +825,7 @@
             </a:ln>
             <a:extLst>
               <a:ext uri="{91240B29-F687-4f45-9708-019B960494DF}">
-                <a14:hiddenLine xmlns="" xmlns:a14="http://schemas.microsoft.com/office/drawing/2010/main" w="9525">
+                <a14:hiddenLine xmlns:a14="http://schemas.microsoft.com/office/drawing/2010/main" xmlns="" w="9525">
                   <a:solidFill>
                     <a:srgbClr val="000000"/>
                   </a:solidFill>
@@ -916,7 +915,7 @@
             </a:ln>
             <a:extLst>
               <a:ext uri="{91240B29-F687-4f45-9708-019B960494DF}">
-                <a14:hiddenLine xmlns="" xmlns:a14="http://schemas.microsoft.com/office/drawing/2010/main" w="9525">
+                <a14:hiddenLine xmlns:a14="http://schemas.microsoft.com/office/drawing/2010/main" xmlns="" w="9525">
                   <a:solidFill>
                     <a:srgbClr val="000000"/>
                   </a:solidFill>
@@ -1006,7 +1005,7 @@
             </a:ln>
             <a:extLst>
               <a:ext uri="{91240B29-F687-4f45-9708-019B960494DF}">
-                <a14:hiddenLine xmlns="" xmlns:a14="http://schemas.microsoft.com/office/drawing/2010/main" w="9525">
+                <a14:hiddenLine xmlns:a14="http://schemas.microsoft.com/office/drawing/2010/main" xmlns="" w="9525">
                   <a:solidFill>
                     <a:srgbClr val="000000"/>
                   </a:solidFill>
@@ -1040,7 +1039,7 @@
             </a:ln>
             <a:extLst>
               <a:ext uri="{91240B29-F687-4f45-9708-019B960494DF}">
-                <a14:hiddenLine xmlns="" xmlns:a14="http://schemas.microsoft.com/office/drawing/2010/main" w="9525">
+                <a14:hiddenLine xmlns:a14="http://schemas.microsoft.com/office/drawing/2010/main" xmlns="" w="9525">
                   <a:solidFill>
                     <a:srgbClr val="000000"/>
                   </a:solidFill>
@@ -1130,7 +1129,7 @@
             </a:ln>
             <a:extLst>
               <a:ext uri="{91240B29-F687-4f45-9708-019B960494DF}">
-                <a14:hiddenLine xmlns="" xmlns:a14="http://schemas.microsoft.com/office/drawing/2010/main" w="9525">
+                <a14:hiddenLine xmlns:a14="http://schemas.microsoft.com/office/drawing/2010/main" xmlns="" w="9525">
                   <a:solidFill>
                     <a:srgbClr val="000000"/>
                   </a:solidFill>
@@ -1192,7 +1191,7 @@
             </a:ln>
             <a:extLst>
               <a:ext uri="{91240B29-F687-4f45-9708-019B960494DF}">
-                <a14:hiddenLine xmlns="" xmlns:a14="http://schemas.microsoft.com/office/drawing/2010/main" w="9525">
+                <a14:hiddenLine xmlns:a14="http://schemas.microsoft.com/office/drawing/2010/main" xmlns="" w="9525">
                   <a:solidFill>
                     <a:srgbClr val="000000"/>
                   </a:solidFill>
@@ -1254,7 +1253,7 @@
             </a:ln>
             <a:extLst>
               <a:ext uri="{91240B29-F687-4f45-9708-019B960494DF}">
-                <a14:hiddenLine xmlns="" xmlns:a14="http://schemas.microsoft.com/office/drawing/2010/main" w="9525">
+                <a14:hiddenLine xmlns:a14="http://schemas.microsoft.com/office/drawing/2010/main" xmlns="" w="9525">
                   <a:solidFill>
                     <a:srgbClr val="000000"/>
                   </a:solidFill>
@@ -1344,7 +1343,7 @@
             </a:ln>
             <a:extLst>
               <a:ext uri="{91240B29-F687-4f45-9708-019B960494DF}">
-                <a14:hiddenLine xmlns="" xmlns:a14="http://schemas.microsoft.com/office/drawing/2010/main" w="9525">
+                <a14:hiddenLine xmlns:a14="http://schemas.microsoft.com/office/drawing/2010/main" xmlns="" w="9525">
                   <a:solidFill>
                     <a:srgbClr val="000000"/>
                   </a:solidFill>
@@ -1406,7 +1405,7 @@
             </a:ln>
             <a:extLst>
               <a:ext uri="{91240B29-F687-4f45-9708-019B960494DF}">
-                <a14:hiddenLine xmlns="" xmlns:a14="http://schemas.microsoft.com/office/drawing/2010/main" w="9525">
+                <a14:hiddenLine xmlns:a14="http://schemas.microsoft.com/office/drawing/2010/main" xmlns="" w="9525">
                   <a:solidFill>
                     <a:srgbClr val="000000"/>
                   </a:solidFill>
@@ -1468,7 +1467,7 @@
             </a:ln>
             <a:extLst>
               <a:ext uri="{91240B29-F687-4f45-9708-019B960494DF}">
-                <a14:hiddenLine xmlns="" xmlns:a14="http://schemas.microsoft.com/office/drawing/2010/main" w="9525">
+                <a14:hiddenLine xmlns:a14="http://schemas.microsoft.com/office/drawing/2010/main" xmlns="" w="9525">
                   <a:solidFill>
                     <a:srgbClr val="000000"/>
                   </a:solidFill>
@@ -1558,7 +1557,7 @@
             </a:ln>
             <a:extLst>
               <a:ext uri="{91240B29-F687-4f45-9708-019B960494DF}">
-                <a14:hiddenLine xmlns="" xmlns:a14="http://schemas.microsoft.com/office/drawing/2010/main" w="9525">
+                <a14:hiddenLine xmlns:a14="http://schemas.microsoft.com/office/drawing/2010/main" xmlns="" w="9525">
                   <a:solidFill>
                     <a:srgbClr val="000000"/>
                   </a:solidFill>
@@ -1648,7 +1647,7 @@
             </a:ln>
             <a:extLst>
               <a:ext uri="{91240B29-F687-4f45-9708-019B960494DF}">
-                <a14:hiddenLine xmlns="" xmlns:a14="http://schemas.microsoft.com/office/drawing/2010/main" w="9525">
+                <a14:hiddenLine xmlns:a14="http://schemas.microsoft.com/office/drawing/2010/main" xmlns="" w="9525">
                   <a:solidFill>
                     <a:srgbClr val="000000"/>
                   </a:solidFill>
@@ -1710,7 +1709,7 @@
             </a:ln>
             <a:extLst>
               <a:ext uri="{91240B29-F687-4f45-9708-019B960494DF}">
-                <a14:hiddenLine xmlns="" xmlns:a14="http://schemas.microsoft.com/office/drawing/2010/main" w="9525">
+                <a14:hiddenLine xmlns:a14="http://schemas.microsoft.com/office/drawing/2010/main" xmlns="" w="9525">
                   <a:solidFill>
                     <a:srgbClr val="000000"/>
                   </a:solidFill>
@@ -1820,7 +1819,7 @@
             </a:ln>
             <a:extLst>
               <a:ext uri="{91240B29-F687-4f45-9708-019B960494DF}">
-                <a14:hiddenLine xmlns="" xmlns:a14="http://schemas.microsoft.com/office/drawing/2010/main" w="9525">
+                <a14:hiddenLine xmlns:a14="http://schemas.microsoft.com/office/drawing/2010/main" xmlns="" w="9525">
                   <a:solidFill>
                     <a:srgbClr val="000000"/>
                   </a:solidFill>
@@ -1882,7 +1881,7 @@
             </a:ln>
             <a:extLst>
               <a:ext uri="{91240B29-F687-4f45-9708-019B960494DF}">
-                <a14:hiddenLine xmlns="" xmlns:a14="http://schemas.microsoft.com/office/drawing/2010/main" w="9525">
+                <a14:hiddenLine xmlns:a14="http://schemas.microsoft.com/office/drawing/2010/main" xmlns="" w="9525">
                   <a:solidFill>
                     <a:srgbClr val="000000"/>
                   </a:solidFill>
@@ -1972,7 +1971,7 @@
             </a:ln>
             <a:extLst>
               <a:ext uri="{91240B29-F687-4f45-9708-019B960494DF}">
-                <a14:hiddenLine xmlns="" xmlns:a14="http://schemas.microsoft.com/office/drawing/2010/main" w="9525">
+                <a14:hiddenLine xmlns:a14="http://schemas.microsoft.com/office/drawing/2010/main" xmlns="" w="9525">
                   <a:solidFill>
                     <a:srgbClr val="000000"/>
                   </a:solidFill>
@@ -2062,7 +2061,7 @@
             </a:ln>
             <a:extLst>
               <a:ext uri="{91240B29-F687-4f45-9708-019B960494DF}">
-                <a14:hiddenLine xmlns="" xmlns:a14="http://schemas.microsoft.com/office/drawing/2010/main" w="9525">
+                <a14:hiddenLine xmlns:a14="http://schemas.microsoft.com/office/drawing/2010/main" xmlns="" w="9525">
                   <a:solidFill>
                     <a:srgbClr val="000000"/>
                   </a:solidFill>
@@ -2124,7 +2123,7 @@
             </a:ln>
             <a:extLst>
               <a:ext uri="{91240B29-F687-4f45-9708-019B960494DF}">
-                <a14:hiddenLine xmlns="" xmlns:a14="http://schemas.microsoft.com/office/drawing/2010/main" w="9525">
+                <a14:hiddenLine xmlns:a14="http://schemas.microsoft.com/office/drawing/2010/main" xmlns="" w="9525">
                   <a:solidFill>
                     <a:srgbClr val="000000"/>
                   </a:solidFill>
@@ -2214,7 +2213,7 @@
             </a:ln>
             <a:extLst>
               <a:ext uri="{91240B29-F687-4f45-9708-019B960494DF}">
-                <a14:hiddenLine xmlns="" xmlns:a14="http://schemas.microsoft.com/office/drawing/2010/main" w="9525">
+                <a14:hiddenLine xmlns:a14="http://schemas.microsoft.com/office/drawing/2010/main" xmlns="" w="9525">
                   <a:solidFill>
                     <a:srgbClr val="000000"/>
                   </a:solidFill>
@@ -2304,7 +2303,7 @@
             </a:ln>
             <a:extLst>
               <a:ext uri="{91240B29-F687-4f45-9708-019B960494DF}">
-                <a14:hiddenLine xmlns="" xmlns:a14="http://schemas.microsoft.com/office/drawing/2010/main" w="9525">
+                <a14:hiddenLine xmlns:a14="http://schemas.microsoft.com/office/drawing/2010/main" xmlns="" w="9525">
                   <a:solidFill>
                     <a:srgbClr val="000000"/>
                   </a:solidFill>
@@ -2360,7 +2359,7 @@
             </a:ln>
             <a:extLst>
               <a:ext uri="{91240B29-F687-4f45-9708-019B960494DF}">
-                <a14:hiddenLine xmlns="" xmlns:a14="http://schemas.microsoft.com/office/drawing/2010/main" w="9525">
+                <a14:hiddenLine xmlns:a14="http://schemas.microsoft.com/office/drawing/2010/main" xmlns="" w="9525">
                   <a:solidFill>
                     <a:srgbClr val="000000"/>
                   </a:solidFill>
@@ -2450,7 +2449,7 @@
             </a:ln>
             <a:extLst>
               <a:ext uri="{91240B29-F687-4f45-9708-019B960494DF}">
-                <a14:hiddenLine xmlns="" xmlns:a14="http://schemas.microsoft.com/office/drawing/2010/main" w="9525">
+                <a14:hiddenLine xmlns:a14="http://schemas.microsoft.com/office/drawing/2010/main" xmlns="" w="9525">
                   <a:solidFill>
                     <a:srgbClr val="000000"/>
                   </a:solidFill>
@@ -2506,7 +2505,7 @@
             </a:ln>
             <a:extLst>
               <a:ext uri="{91240B29-F687-4f45-9708-019B960494DF}">
-                <a14:hiddenLine xmlns="" xmlns:a14="http://schemas.microsoft.com/office/drawing/2010/main" w="9525">
+                <a14:hiddenLine xmlns:a14="http://schemas.microsoft.com/office/drawing/2010/main" xmlns="" w="9525">
                   <a:solidFill>
                     <a:srgbClr val="000000"/>
                   </a:solidFill>
@@ -2596,7 +2595,7 @@
             </a:ln>
             <a:extLst>
               <a:ext uri="{91240B29-F687-4f45-9708-019B960494DF}">
-                <a14:hiddenLine xmlns="" xmlns:a14="http://schemas.microsoft.com/office/drawing/2010/main" w="9525">
+                <a14:hiddenLine xmlns:a14="http://schemas.microsoft.com/office/drawing/2010/main" xmlns="" w="9525">
                   <a:solidFill>
                     <a:srgbClr val="000000"/>
                   </a:solidFill>
@@ -2664,7 +2663,7 @@
             </a:ln>
             <a:extLst>
               <a:ext uri="{91240B29-F687-4f45-9708-019B960494DF}">
-                <a14:hiddenLine xmlns="" xmlns:a14="http://schemas.microsoft.com/office/drawing/2010/main" w="9525">
+                <a14:hiddenLine xmlns:a14="http://schemas.microsoft.com/office/drawing/2010/main" xmlns="" w="9525">
                   <a:solidFill>
                     <a:srgbClr val="000000"/>
                   </a:solidFill>
@@ -2754,7 +2753,7 @@
             </a:ln>
             <a:extLst>
               <a:ext uri="{91240B29-F687-4f45-9708-019B960494DF}">
-                <a14:hiddenLine xmlns="" xmlns:a14="http://schemas.microsoft.com/office/drawing/2010/main" w="9525">
+                <a14:hiddenLine xmlns:a14="http://schemas.microsoft.com/office/drawing/2010/main" xmlns="" w="9525">
                   <a:solidFill>
                     <a:srgbClr val="000000"/>
                   </a:solidFill>
@@ -2822,7 +2821,7 @@
             </a:ln>
             <a:extLst>
               <a:ext uri="{91240B29-F687-4f45-9708-019B960494DF}">
-                <a14:hiddenLine xmlns="" xmlns:a14="http://schemas.microsoft.com/office/drawing/2010/main" w="9525">
+                <a14:hiddenLine xmlns:a14="http://schemas.microsoft.com/office/drawing/2010/main" xmlns="" w="9525">
                   <a:solidFill>
                     <a:srgbClr val="000000"/>
                   </a:solidFill>
@@ -2912,7 +2911,7 @@
             </a:ln>
             <a:extLst>
               <a:ext uri="{91240B29-F687-4f45-9708-019B960494DF}">
-                <a14:hiddenLine xmlns="" xmlns:a14="http://schemas.microsoft.com/office/drawing/2010/main" w="9525">
+                <a14:hiddenLine xmlns:a14="http://schemas.microsoft.com/office/drawing/2010/main" xmlns="" w="9525">
                   <a:solidFill>
                     <a:srgbClr val="000000"/>
                   </a:solidFill>
@@ -2946,7 +2945,7 @@
             </a:ln>
             <a:extLst>
               <a:ext uri="{91240B29-F687-4f45-9708-019B960494DF}">
-                <a14:hiddenLine xmlns="" xmlns:a14="http://schemas.microsoft.com/office/drawing/2010/main" w="9525">
+                <a14:hiddenLine xmlns:a14="http://schemas.microsoft.com/office/drawing/2010/main" xmlns="" w="9525">
                   <a:solidFill>
                     <a:srgbClr val="000000"/>
                   </a:solidFill>
@@ -3036,7 +3035,7 @@
             </a:ln>
             <a:extLst>
               <a:ext uri="{91240B29-F687-4f45-9708-019B960494DF}">
-                <a14:hiddenLine xmlns="" xmlns:a14="http://schemas.microsoft.com/office/drawing/2010/main" w="9525">
+                <a14:hiddenLine xmlns:a14="http://schemas.microsoft.com/office/drawing/2010/main" xmlns="" w="9525">
                   <a:solidFill>
                     <a:srgbClr val="000000"/>
                   </a:solidFill>
@@ -3098,7 +3097,7 @@
             </a:ln>
             <a:extLst>
               <a:ext uri="{91240B29-F687-4f45-9708-019B960494DF}">
-                <a14:hiddenLine xmlns="" xmlns:a14="http://schemas.microsoft.com/office/drawing/2010/main" w="9525">
+                <a14:hiddenLine xmlns:a14="http://schemas.microsoft.com/office/drawing/2010/main" xmlns="" w="9525">
                   <a:solidFill>
                     <a:srgbClr val="000000"/>
                   </a:solidFill>
@@ -3160,7 +3159,7 @@
             </a:ln>
             <a:extLst>
               <a:ext uri="{91240B29-F687-4f45-9708-019B960494DF}">
-                <a14:hiddenLine xmlns="" xmlns:a14="http://schemas.microsoft.com/office/drawing/2010/main" w="9525">
+                <a14:hiddenLine xmlns:a14="http://schemas.microsoft.com/office/drawing/2010/main" xmlns="" w="9525">
                   <a:solidFill>
                     <a:srgbClr val="000000"/>
                   </a:solidFill>
@@ -3250,7 +3249,7 @@
             </a:ln>
             <a:extLst>
               <a:ext uri="{91240B29-F687-4f45-9708-019B960494DF}">
-                <a14:hiddenLine xmlns="" xmlns:a14="http://schemas.microsoft.com/office/drawing/2010/main" w="9525">
+                <a14:hiddenLine xmlns:a14="http://schemas.microsoft.com/office/drawing/2010/main" xmlns="" w="9525">
                   <a:solidFill>
                     <a:srgbClr val="000000"/>
                   </a:solidFill>
@@ -3318,7 +3317,7 @@
             </a:ln>
             <a:extLst>
               <a:ext uri="{91240B29-F687-4f45-9708-019B960494DF}">
-                <a14:hiddenLine xmlns="" xmlns:a14="http://schemas.microsoft.com/office/drawing/2010/main" w="9525">
+                <a14:hiddenLine xmlns:a14="http://schemas.microsoft.com/office/drawing/2010/main" xmlns="" w="9525">
                   <a:solidFill>
                     <a:srgbClr val="000000"/>
                   </a:solidFill>
@@ -3380,7 +3379,7 @@
             </a:ln>
             <a:extLst>
               <a:ext uri="{91240B29-F687-4f45-9708-019B960494DF}">
-                <a14:hiddenLine xmlns="" xmlns:a14="http://schemas.microsoft.com/office/drawing/2010/main" w="9525">
+                <a14:hiddenLine xmlns:a14="http://schemas.microsoft.com/office/drawing/2010/main" xmlns="" w="9525">
                   <a:solidFill>
                     <a:srgbClr val="000000"/>
                   </a:solidFill>
@@ -3470,7 +3469,7 @@
             </a:ln>
             <a:extLst>
               <a:ext uri="{91240B29-F687-4f45-9708-019B960494DF}">
-                <a14:hiddenLine xmlns="" xmlns:a14="http://schemas.microsoft.com/office/drawing/2010/main" w="9525">
+                <a14:hiddenLine xmlns:a14="http://schemas.microsoft.com/office/drawing/2010/main" xmlns="" w="9525">
                   <a:solidFill>
                     <a:srgbClr val="000000"/>
                   </a:solidFill>
@@ -3532,7 +3531,7 @@
             </a:ln>
             <a:extLst>
               <a:ext uri="{91240B29-F687-4f45-9708-019B960494DF}">
-                <a14:hiddenLine xmlns="" xmlns:a14="http://schemas.microsoft.com/office/drawing/2010/main" w="9525">
+                <a14:hiddenLine xmlns:a14="http://schemas.microsoft.com/office/drawing/2010/main" xmlns="" w="9525">
                   <a:solidFill>
                     <a:srgbClr val="000000"/>
                   </a:solidFill>
@@ -3622,7 +3621,7 @@
             </a:ln>
             <a:extLst>
               <a:ext uri="{91240B29-F687-4f45-9708-019B960494DF}">
-                <a14:hiddenLine xmlns="" xmlns:a14="http://schemas.microsoft.com/office/drawing/2010/main" w="9525">
+                <a14:hiddenLine xmlns:a14="http://schemas.microsoft.com/office/drawing/2010/main" xmlns="" w="9525">
                   <a:solidFill>
                     <a:srgbClr val="000000"/>
                   </a:solidFill>
@@ -3684,7 +3683,7 @@
             </a:ln>
             <a:extLst>
               <a:ext uri="{91240B29-F687-4f45-9708-019B960494DF}">
-                <a14:hiddenLine xmlns="" xmlns:a14="http://schemas.microsoft.com/office/drawing/2010/main" w="9525">
+                <a14:hiddenLine xmlns:a14="http://schemas.microsoft.com/office/drawing/2010/main" xmlns="" w="9525">
                   <a:solidFill>
                     <a:srgbClr val="000000"/>
                   </a:solidFill>
@@ -3774,7 +3773,7 @@
             </a:ln>
             <a:extLst>
               <a:ext uri="{91240B29-F687-4f45-9708-019B960494DF}">
-                <a14:hiddenLine xmlns="" xmlns:a14="http://schemas.microsoft.com/office/drawing/2010/main" w="9525">
+                <a14:hiddenLine xmlns:a14="http://schemas.microsoft.com/office/drawing/2010/main" xmlns="" w="9525">
                   <a:solidFill>
                     <a:srgbClr val="000000"/>
                   </a:solidFill>
@@ -3808,7 +3807,7 @@
             </a:ln>
             <a:extLst>
               <a:ext uri="{91240B29-F687-4f45-9708-019B960494DF}">
-                <a14:hiddenLine xmlns="" xmlns:a14="http://schemas.microsoft.com/office/drawing/2010/main" w="9525">
+                <a14:hiddenLine xmlns:a14="http://schemas.microsoft.com/office/drawing/2010/main" xmlns="" w="9525">
                   <a:solidFill>
                     <a:srgbClr val="000000"/>
                   </a:solidFill>
@@ -3873,7 +3872,7 @@
             </a:ln>
             <a:extLst>
               <a:ext uri="{91240B29-F687-4f45-9708-019B960494DF}">
-                <a14:hiddenLine xmlns="" xmlns:a14="http://schemas.microsoft.com/office/drawing/2010/main" w="9525">
+                <a14:hiddenLine xmlns:a14="http://schemas.microsoft.com/office/drawing/2010/main" xmlns="" w="9525">
                   <a:solidFill>
                     <a:srgbClr val="000000"/>
                   </a:solidFill>
@@ -3963,7 +3962,7 @@
             </a:ln>
             <a:extLst>
               <a:ext uri="{91240B29-F687-4f45-9708-019B960494DF}">
-                <a14:hiddenLine xmlns="" xmlns:a14="http://schemas.microsoft.com/office/drawing/2010/main" w="9525">
+                <a14:hiddenLine xmlns:a14="http://schemas.microsoft.com/office/drawing/2010/main" xmlns="" w="9525">
                   <a:solidFill>
                     <a:srgbClr val="000000"/>
                   </a:solidFill>
@@ -4025,7 +4024,7 @@
             </a:ln>
             <a:extLst>
               <a:ext uri="{91240B29-F687-4f45-9708-019B960494DF}">
-                <a14:hiddenLine xmlns="" xmlns:a14="http://schemas.microsoft.com/office/drawing/2010/main" w="9525">
+                <a14:hiddenLine xmlns:a14="http://schemas.microsoft.com/office/drawing/2010/main" xmlns="" w="9525">
                   <a:solidFill>
                     <a:srgbClr val="000000"/>
                   </a:solidFill>
@@ -4115,7 +4114,7 @@
             </a:ln>
             <a:extLst>
               <a:ext uri="{91240B29-F687-4f45-9708-019B960494DF}">
-                <a14:hiddenLine xmlns="" xmlns:a14="http://schemas.microsoft.com/office/drawing/2010/main" w="9525">
+                <a14:hiddenLine xmlns:a14="http://schemas.microsoft.com/office/drawing/2010/main" xmlns="" w="9525">
                   <a:solidFill>
                     <a:srgbClr val="000000"/>
                   </a:solidFill>
@@ -4205,7 +4204,7 @@
             </a:ln>
             <a:extLst>
               <a:ext uri="{91240B29-F687-4f45-9708-019B960494DF}">
-                <a14:hiddenLine xmlns="" xmlns:a14="http://schemas.microsoft.com/office/drawing/2010/main" w="9525">
+                <a14:hiddenLine xmlns:a14="http://schemas.microsoft.com/office/drawing/2010/main" xmlns="" w="9525">
                   <a:solidFill>
                     <a:srgbClr val="000000"/>
                   </a:solidFill>
@@ -4270,7 +4269,7 @@
             </a:ln>
             <a:extLst>
               <a:ext uri="{91240B29-F687-4f45-9708-019B960494DF}">
-                <a14:hiddenLine xmlns="" xmlns:a14="http://schemas.microsoft.com/office/drawing/2010/main" w="9525">
+                <a14:hiddenLine xmlns:a14="http://schemas.microsoft.com/office/drawing/2010/main" xmlns="" w="9525">
                   <a:solidFill>
                     <a:srgbClr val="000000"/>
                   </a:solidFill>
@@ -4332,7 +4331,7 @@
             </a:ln>
             <a:extLst>
               <a:ext uri="{91240B29-F687-4f45-9708-019B960494DF}">
-                <a14:hiddenLine xmlns="" xmlns:a14="http://schemas.microsoft.com/office/drawing/2010/main" w="9525">
+                <a14:hiddenLine xmlns:a14="http://schemas.microsoft.com/office/drawing/2010/main" xmlns="" w="9525">
                   <a:solidFill>
                     <a:srgbClr val="000000"/>
                   </a:solidFill>
@@ -4422,7 +4421,7 @@
             </a:ln>
             <a:extLst>
               <a:ext uri="{91240B29-F687-4f45-9708-019B960494DF}">
-                <a14:hiddenLine xmlns="" xmlns:a14="http://schemas.microsoft.com/office/drawing/2010/main" w="9525">
+                <a14:hiddenLine xmlns:a14="http://schemas.microsoft.com/office/drawing/2010/main" xmlns="" w="9525">
                   <a:solidFill>
                     <a:srgbClr val="000000"/>
                   </a:solidFill>
@@ -4512,7 +4511,7 @@
             </a:ln>
             <a:extLst>
               <a:ext uri="{91240B29-F687-4f45-9708-019B960494DF}">
-                <a14:hiddenLine xmlns="" xmlns:a14="http://schemas.microsoft.com/office/drawing/2010/main" w="9525">
+                <a14:hiddenLine xmlns:a14="http://schemas.microsoft.com/office/drawing/2010/main" xmlns="" w="9525">
                   <a:solidFill>
                     <a:srgbClr val="000000"/>
                   </a:solidFill>
@@ -4574,7 +4573,7 @@
             </a:ln>
             <a:extLst>
               <a:ext uri="{91240B29-F687-4f45-9708-019B960494DF}">
-                <a14:hiddenLine xmlns="" xmlns:a14="http://schemas.microsoft.com/office/drawing/2010/main" w="9525">
+                <a14:hiddenLine xmlns:a14="http://schemas.microsoft.com/office/drawing/2010/main" xmlns="" w="9525">
                   <a:solidFill>
                     <a:srgbClr val="000000"/>
                   </a:solidFill>
@@ -4694,7 +4693,7 @@
             </a:ln>
             <a:extLst>
               <a:ext uri="{91240B29-F687-4f45-9708-019B960494DF}">
-                <a14:hiddenLine xmlns="" xmlns:a14="http://schemas.microsoft.com/office/drawing/2010/main" w="9525">
+                <a14:hiddenLine xmlns:a14="http://schemas.microsoft.com/office/drawing/2010/main" xmlns="" w="9525">
                   <a:solidFill>
                     <a:srgbClr val="000000"/>
                   </a:solidFill>
@@ -4762,7 +4761,7 @@
             </a:ln>
             <a:extLst>
               <a:ext uri="{91240B29-F687-4f45-9708-019B960494DF}">
-                <a14:hiddenLine xmlns="" xmlns:a14="http://schemas.microsoft.com/office/drawing/2010/main" w="9525">
+                <a14:hiddenLine xmlns:a14="http://schemas.microsoft.com/office/drawing/2010/main" xmlns="" w="9525">
                   <a:solidFill>
                     <a:srgbClr val="000000"/>
                   </a:solidFill>
@@ -4852,7 +4851,7 @@
             </a:ln>
             <a:extLst>
               <a:ext uri="{91240B29-F687-4f45-9708-019B960494DF}">
-                <a14:hiddenLine xmlns="" xmlns:a14="http://schemas.microsoft.com/office/drawing/2010/main" w="9525">
+                <a14:hiddenLine xmlns:a14="http://schemas.microsoft.com/office/drawing/2010/main" xmlns="" w="9525">
                   <a:solidFill>
                     <a:srgbClr val="000000"/>
                   </a:solidFill>
@@ -4992,7 +4991,7 @@
           <a:p>
             <a:fld id="{62B29A1C-2C6F-4F53-8817-88025C8CDCD8}" type="datetimeFigureOut">
               <a:rPr lang="en-US" smtClean="0"/>
-              <a:t>11/27/18</a:t>
+              <a:t>7/20/21</a:t>
             </a:fld>
             <a:endParaRPr lang="en-US"/>
           </a:p>
@@ -5259,7 +5258,7 @@
           <a:p>
             <a:fld id="{62B29A1C-2C6F-4F53-8817-88025C8CDCD8}" type="datetimeFigureOut">
               <a:rPr lang="en-US" smtClean="0"/>
-              <a:t>11/27/18</a:t>
+              <a:t>7/20/21</a:t>
             </a:fld>
             <a:endParaRPr lang="en-US"/>
           </a:p>
@@ -5455,7 +5454,7 @@
           <a:p>
             <a:fld id="{62B29A1C-2C6F-4F53-8817-88025C8CDCD8}" type="datetimeFigureOut">
               <a:rPr lang="en-US" smtClean="0"/>
-              <a:t>11/27/18</a:t>
+              <a:t>7/20/21</a:t>
             </a:fld>
             <a:endParaRPr lang="en-US"/>
           </a:p>
@@ -5718,7 +5717,7 @@
           <a:p>
             <a:fld id="{62B29A1C-2C6F-4F53-8817-88025C8CDCD8}" type="datetimeFigureOut">
               <a:rPr lang="en-US" smtClean="0"/>
-              <a:t>11/27/18</a:t>
+              <a:t>7/20/21</a:t>
             </a:fld>
             <a:endParaRPr lang="en-US"/>
           </a:p>
@@ -6152,7 +6151,7 @@
           <a:p>
             <a:fld id="{62B29A1C-2C6F-4F53-8817-88025C8CDCD8}" type="datetimeFigureOut">
               <a:rPr lang="en-US" smtClean="0"/>
-              <a:t>11/27/18</a:t>
+              <a:t>7/20/21</a:t>
             </a:fld>
             <a:endParaRPr lang="en-US"/>
           </a:p>
@@ -6698,7 +6697,7 @@
           <a:p>
             <a:fld id="{62B29A1C-2C6F-4F53-8817-88025C8CDCD8}" type="datetimeFigureOut">
               <a:rPr lang="en-US" smtClean="0"/>
-              <a:t>11/27/18</a:t>
+              <a:t>7/20/21</a:t>
             </a:fld>
             <a:endParaRPr lang="en-US"/>
           </a:p>
@@ -7418,7 +7417,7 @@
           <a:p>
             <a:fld id="{62B29A1C-2C6F-4F53-8817-88025C8CDCD8}" type="datetimeFigureOut">
               <a:rPr lang="en-US" smtClean="0"/>
-              <a:t>11/27/18</a:t>
+              <a:t>7/20/21</a:t>
             </a:fld>
             <a:endParaRPr lang="en-US"/>
           </a:p>
@@ -7588,7 +7587,7 @@
           <a:p>
             <a:fld id="{62B29A1C-2C6F-4F53-8817-88025C8CDCD8}" type="datetimeFigureOut">
               <a:rPr lang="en-US" smtClean="0"/>
-              <a:t>11/27/18</a:t>
+              <a:t>7/20/21</a:t>
             </a:fld>
             <a:endParaRPr lang="en-US"/>
           </a:p>
@@ -7768,7 +7767,7 @@
           <a:p>
             <a:fld id="{62B29A1C-2C6F-4F53-8817-88025C8CDCD8}" type="datetimeFigureOut">
               <a:rPr lang="en-US" smtClean="0"/>
-              <a:t>11/27/18</a:t>
+              <a:t>7/20/21</a:t>
             </a:fld>
             <a:endParaRPr lang="en-US"/>
           </a:p>
@@ -7938,7 +7937,7 @@
           <a:p>
             <a:fld id="{62B29A1C-2C6F-4F53-8817-88025C8CDCD8}" type="datetimeFigureOut">
               <a:rPr lang="en-US" smtClean="0"/>
-              <a:t>11/27/18</a:t>
+              <a:t>7/20/21</a:t>
             </a:fld>
             <a:endParaRPr lang="en-US"/>
           </a:p>
@@ -8188,7 +8187,7 @@
           <a:p>
             <a:fld id="{62B29A1C-2C6F-4F53-8817-88025C8CDCD8}" type="datetimeFigureOut">
               <a:rPr lang="en-US" smtClean="0"/>
-              <a:t>11/27/18</a:t>
+              <a:t>7/20/21</a:t>
             </a:fld>
             <a:endParaRPr lang="en-US"/>
           </a:p>
@@ -8420,7 +8419,7 @@
           <a:p>
             <a:fld id="{62B29A1C-2C6F-4F53-8817-88025C8CDCD8}" type="datetimeFigureOut">
               <a:rPr lang="en-US" smtClean="0"/>
-              <a:t>11/27/18</a:t>
+              <a:t>7/20/21</a:t>
             </a:fld>
             <a:endParaRPr lang="en-US"/>
           </a:p>
@@ -8801,7 +8800,7 @@
           <a:p>
             <a:fld id="{62B29A1C-2C6F-4F53-8817-88025C8CDCD8}" type="datetimeFigureOut">
               <a:rPr lang="en-US" smtClean="0"/>
-              <a:t>11/27/18</a:t>
+              <a:t>7/20/21</a:t>
             </a:fld>
             <a:endParaRPr lang="en-US"/>
           </a:p>
@@ -8919,7 +8918,7 @@
           <a:p>
             <a:fld id="{62B29A1C-2C6F-4F53-8817-88025C8CDCD8}" type="datetimeFigureOut">
               <a:rPr lang="en-US" smtClean="0"/>
-              <a:t>11/27/18</a:t>
+              <a:t>7/20/21</a:t>
             </a:fld>
             <a:endParaRPr lang="en-US"/>
           </a:p>
@@ -9014,7 +9013,7 @@
           <a:p>
             <a:fld id="{62B29A1C-2C6F-4F53-8817-88025C8CDCD8}" type="datetimeFigureOut">
               <a:rPr lang="en-US" smtClean="0"/>
-              <a:t>11/27/18</a:t>
+              <a:t>7/20/21</a:t>
             </a:fld>
             <a:endParaRPr lang="en-US"/>
           </a:p>
@@ -9263,7 +9262,7 @@
           <a:p>
             <a:fld id="{62B29A1C-2C6F-4F53-8817-88025C8CDCD8}" type="datetimeFigureOut">
               <a:rPr lang="en-US" smtClean="0"/>
-              <a:t>11/27/18</a:t>
+              <a:t>7/20/21</a:t>
             </a:fld>
             <a:endParaRPr lang="en-US"/>
           </a:p>
@@ -9543,7 +9542,7 @@
           <a:p>
             <a:fld id="{62B29A1C-2C6F-4F53-8817-88025C8CDCD8}" type="datetimeFigureOut">
               <a:rPr lang="en-US" smtClean="0"/>
-              <a:t>11/27/18</a:t>
+              <a:t>7/20/21</a:t>
             </a:fld>
             <a:endParaRPr lang="en-US"/>
           </a:p>
@@ -9666,7 +9665,7 @@
           <a:noFill/>
           <a:extLst>
             <a:ext uri="{909E8E84-426E-40dd-AFC4-6F175D3DCCD1}">
-              <a14:hiddenFill xmlns="" xmlns:a14="http://schemas.microsoft.com/office/drawing/2010/main">
+              <a14:hiddenFill xmlns:a14="http://schemas.microsoft.com/office/drawing/2010/main" xmlns="">
                 <a:solidFill>
                   <a:srgbClr val="FFFFFF"/>
                 </a:solidFill>
@@ -9740,7 +9739,7 @@
               </a:ln>
               <a:extLst>
                 <a:ext uri="{91240B29-F687-4f45-9708-019B960494DF}">
-                  <a14:hiddenLine xmlns="" xmlns:a14="http://schemas.microsoft.com/office/drawing/2010/main" w="9525">
+                  <a14:hiddenLine xmlns:a14="http://schemas.microsoft.com/office/drawing/2010/main" xmlns="" w="9525">
                     <a:solidFill>
                       <a:srgbClr val="000000"/>
                     </a:solidFill>
@@ -9830,7 +9829,7 @@
               </a:ln>
               <a:extLst>
                 <a:ext uri="{91240B29-F687-4f45-9708-019B960494DF}">
-                  <a14:hiddenLine xmlns="" xmlns:a14="http://schemas.microsoft.com/office/drawing/2010/main" w="9525">
+                  <a14:hiddenLine xmlns:a14="http://schemas.microsoft.com/office/drawing/2010/main" xmlns="" w="9525">
                     <a:solidFill>
                       <a:srgbClr val="000000"/>
                     </a:solidFill>
@@ -9920,7 +9919,7 @@
               </a:ln>
               <a:extLst>
                 <a:ext uri="{91240B29-F687-4f45-9708-019B960494DF}">
-                  <a14:hiddenLine xmlns="" xmlns:a14="http://schemas.microsoft.com/office/drawing/2010/main" w="9525">
+                  <a14:hiddenLine xmlns:a14="http://schemas.microsoft.com/office/drawing/2010/main" xmlns="" w="9525">
                     <a:solidFill>
                       <a:srgbClr val="000000"/>
                     </a:solidFill>
@@ -9982,7 +9981,7 @@
               </a:ln>
               <a:extLst>
                 <a:ext uri="{91240B29-F687-4f45-9708-019B960494DF}">
-                  <a14:hiddenLine xmlns="" xmlns:a14="http://schemas.microsoft.com/office/drawing/2010/main" w="9525">
+                  <a14:hiddenLine xmlns:a14="http://schemas.microsoft.com/office/drawing/2010/main" xmlns="" w="9525">
                     <a:solidFill>
                       <a:srgbClr val="000000"/>
                     </a:solidFill>
@@ -10072,7 +10071,7 @@
               </a:ln>
               <a:extLst>
                 <a:ext uri="{91240B29-F687-4f45-9708-019B960494DF}">
-                  <a14:hiddenLine xmlns="" xmlns:a14="http://schemas.microsoft.com/office/drawing/2010/main" w="9525">
+                  <a14:hiddenLine xmlns:a14="http://schemas.microsoft.com/office/drawing/2010/main" xmlns="" w="9525">
                     <a:solidFill>
                       <a:srgbClr val="000000"/>
                     </a:solidFill>
@@ -10134,7 +10133,7 @@
               </a:ln>
               <a:extLst>
                 <a:ext uri="{91240B29-F687-4f45-9708-019B960494DF}">
-                  <a14:hiddenLine xmlns="" xmlns:a14="http://schemas.microsoft.com/office/drawing/2010/main" w="9525">
+                  <a14:hiddenLine xmlns:a14="http://schemas.microsoft.com/office/drawing/2010/main" xmlns="" w="9525">
                     <a:solidFill>
                       <a:srgbClr val="000000"/>
                     </a:solidFill>
@@ -10196,7 +10195,7 @@
               </a:ln>
               <a:extLst>
                 <a:ext uri="{91240B29-F687-4f45-9708-019B960494DF}">
-                  <a14:hiddenLine xmlns="" xmlns:a14="http://schemas.microsoft.com/office/drawing/2010/main" w="9525">
+                  <a14:hiddenLine xmlns:a14="http://schemas.microsoft.com/office/drawing/2010/main" xmlns="" w="9525">
                     <a:solidFill>
                       <a:srgbClr val="000000"/>
                     </a:solidFill>
@@ -10286,7 +10285,7 @@
               </a:ln>
               <a:extLst>
                 <a:ext uri="{91240B29-F687-4f45-9708-019B960494DF}">
-                  <a14:hiddenLine xmlns="" xmlns:a14="http://schemas.microsoft.com/office/drawing/2010/main" w="9525">
+                  <a14:hiddenLine xmlns:a14="http://schemas.microsoft.com/office/drawing/2010/main" xmlns="" w="9525">
                     <a:solidFill>
                       <a:srgbClr val="000000"/>
                     </a:solidFill>
@@ -10376,7 +10375,7 @@
               </a:ln>
               <a:extLst>
                 <a:ext uri="{91240B29-F687-4f45-9708-019B960494DF}">
-                  <a14:hiddenLine xmlns="" xmlns:a14="http://schemas.microsoft.com/office/drawing/2010/main" w="9525">
+                  <a14:hiddenLine xmlns:a14="http://schemas.microsoft.com/office/drawing/2010/main" xmlns="" w="9525">
                     <a:solidFill>
                       <a:srgbClr val="000000"/>
                     </a:solidFill>
@@ -10438,7 +10437,7 @@
               </a:ln>
               <a:extLst>
                 <a:ext uri="{91240B29-F687-4f45-9708-019B960494DF}">
-                  <a14:hiddenLine xmlns="" xmlns:a14="http://schemas.microsoft.com/office/drawing/2010/main" w="9525">
+                  <a14:hiddenLine xmlns:a14="http://schemas.microsoft.com/office/drawing/2010/main" xmlns="" w="9525">
                     <a:solidFill>
                       <a:srgbClr val="000000"/>
                     </a:solidFill>
@@ -10548,7 +10547,7 @@
               </a:ln>
               <a:extLst>
                 <a:ext uri="{91240B29-F687-4f45-9708-019B960494DF}">
-                  <a14:hiddenLine xmlns="" xmlns:a14="http://schemas.microsoft.com/office/drawing/2010/main" w="9525">
+                  <a14:hiddenLine xmlns:a14="http://schemas.microsoft.com/office/drawing/2010/main" xmlns="" w="9525">
                     <a:solidFill>
                       <a:srgbClr val="000000"/>
                     </a:solidFill>
@@ -10632,7 +10631,7 @@
               </a:ln>
               <a:extLst>
                 <a:ext uri="{91240B29-F687-4f45-9708-019B960494DF}">
-                  <a14:hiddenLine xmlns="" xmlns:a14="http://schemas.microsoft.com/office/drawing/2010/main" w="9525">
+                  <a14:hiddenLine xmlns:a14="http://schemas.microsoft.com/office/drawing/2010/main" xmlns="" w="9525">
                     <a:solidFill>
                       <a:srgbClr val="000000"/>
                     </a:solidFill>
@@ -10694,7 +10693,7 @@
               </a:ln>
               <a:extLst>
                 <a:ext uri="{91240B29-F687-4f45-9708-019B960494DF}">
-                  <a14:hiddenLine xmlns="" xmlns:a14="http://schemas.microsoft.com/office/drawing/2010/main" w="9525">
+                  <a14:hiddenLine xmlns:a14="http://schemas.microsoft.com/office/drawing/2010/main" xmlns="" w="9525">
                     <a:solidFill>
                       <a:srgbClr val="000000"/>
                     </a:solidFill>
@@ -10756,7 +10755,7 @@
               </a:ln>
               <a:extLst>
                 <a:ext uri="{91240B29-F687-4f45-9708-019B960494DF}">
-                  <a14:hiddenLine xmlns="" xmlns:a14="http://schemas.microsoft.com/office/drawing/2010/main" w="9525">
+                  <a14:hiddenLine xmlns:a14="http://schemas.microsoft.com/office/drawing/2010/main" xmlns="" w="9525">
                     <a:solidFill>
                       <a:srgbClr val="000000"/>
                     </a:solidFill>
@@ -10846,7 +10845,7 @@
               </a:ln>
               <a:extLst>
                 <a:ext uri="{91240B29-F687-4f45-9708-019B960494DF}">
-                  <a14:hiddenLine xmlns="" xmlns:a14="http://schemas.microsoft.com/office/drawing/2010/main" w="9525">
+                  <a14:hiddenLine xmlns:a14="http://schemas.microsoft.com/office/drawing/2010/main" xmlns="" w="9525">
                     <a:solidFill>
                       <a:srgbClr val="000000"/>
                     </a:solidFill>
@@ -10880,7 +10879,7 @@
               </a:ln>
               <a:extLst>
                 <a:ext uri="{91240B29-F687-4f45-9708-019B960494DF}">
-                  <a14:hiddenLine xmlns="" xmlns:a14="http://schemas.microsoft.com/office/drawing/2010/main" w="9525">
+                  <a14:hiddenLine xmlns:a14="http://schemas.microsoft.com/office/drawing/2010/main" xmlns="" w="9525">
                     <a:solidFill>
                       <a:srgbClr val="000000"/>
                     </a:solidFill>
@@ -10945,7 +10944,7 @@
               </a:ln>
               <a:extLst>
                 <a:ext uri="{91240B29-F687-4f45-9708-019B960494DF}">
-                  <a14:hiddenLine xmlns="" xmlns:a14="http://schemas.microsoft.com/office/drawing/2010/main" w="9525">
+                  <a14:hiddenLine xmlns:a14="http://schemas.microsoft.com/office/drawing/2010/main" xmlns="" w="9525">
                     <a:solidFill>
                       <a:srgbClr val="000000"/>
                     </a:solidFill>
@@ -11035,7 +11034,7 @@
               </a:ln>
               <a:extLst>
                 <a:ext uri="{91240B29-F687-4f45-9708-019B960494DF}">
-                  <a14:hiddenLine xmlns="" xmlns:a14="http://schemas.microsoft.com/office/drawing/2010/main" w="9525">
+                  <a14:hiddenLine xmlns:a14="http://schemas.microsoft.com/office/drawing/2010/main" xmlns="" w="9525">
                     <a:solidFill>
                       <a:srgbClr val="000000"/>
                     </a:solidFill>
@@ -11097,7 +11096,7 @@
               </a:ln>
               <a:extLst>
                 <a:ext uri="{91240B29-F687-4f45-9708-019B960494DF}">
-                  <a14:hiddenLine xmlns="" xmlns:a14="http://schemas.microsoft.com/office/drawing/2010/main" w="9525">
+                  <a14:hiddenLine xmlns:a14="http://schemas.microsoft.com/office/drawing/2010/main" xmlns="" w="9525">
                     <a:solidFill>
                       <a:srgbClr val="000000"/>
                     </a:solidFill>
@@ -11187,7 +11186,7 @@
               </a:ln>
               <a:extLst>
                 <a:ext uri="{91240B29-F687-4f45-9708-019B960494DF}">
-                  <a14:hiddenLine xmlns="" xmlns:a14="http://schemas.microsoft.com/office/drawing/2010/main" w="9525">
+                  <a14:hiddenLine xmlns:a14="http://schemas.microsoft.com/office/drawing/2010/main" xmlns="" w="9525">
                     <a:solidFill>
                       <a:srgbClr val="000000"/>
                     </a:solidFill>
@@ -11252,7 +11251,7 @@
               </a:ln>
               <a:extLst>
                 <a:ext uri="{91240B29-F687-4f45-9708-019B960494DF}">
-                  <a14:hiddenLine xmlns="" xmlns:a14="http://schemas.microsoft.com/office/drawing/2010/main" w="9525">
+                  <a14:hiddenLine xmlns:a14="http://schemas.microsoft.com/office/drawing/2010/main" xmlns="" w="9525">
                     <a:solidFill>
                       <a:srgbClr val="000000"/>
                     </a:solidFill>
@@ -11314,7 +11313,7 @@
               </a:ln>
               <a:extLst>
                 <a:ext uri="{91240B29-F687-4f45-9708-019B960494DF}">
-                  <a14:hiddenLine xmlns="" xmlns:a14="http://schemas.microsoft.com/office/drawing/2010/main" w="9525">
+                  <a14:hiddenLine xmlns:a14="http://schemas.microsoft.com/office/drawing/2010/main" xmlns="" w="9525">
                     <a:solidFill>
                       <a:srgbClr val="000000"/>
                     </a:solidFill>
@@ -11404,7 +11403,7 @@
               </a:ln>
               <a:extLst>
                 <a:ext uri="{91240B29-F687-4f45-9708-019B960494DF}">
-                  <a14:hiddenLine xmlns="" xmlns:a14="http://schemas.microsoft.com/office/drawing/2010/main" w="9525">
+                  <a14:hiddenLine xmlns:a14="http://schemas.microsoft.com/office/drawing/2010/main" xmlns="" w="9525">
                     <a:solidFill>
                       <a:srgbClr val="000000"/>
                     </a:solidFill>
@@ -11494,7 +11493,7 @@
               </a:ln>
               <a:extLst>
                 <a:ext uri="{91240B29-F687-4f45-9708-019B960494DF}">
-                  <a14:hiddenLine xmlns="" xmlns:a14="http://schemas.microsoft.com/office/drawing/2010/main" w="9525">
+                  <a14:hiddenLine xmlns:a14="http://schemas.microsoft.com/office/drawing/2010/main" xmlns="" w="9525">
                     <a:solidFill>
                       <a:srgbClr val="000000"/>
                     </a:solidFill>
@@ -11559,7 +11558,7 @@
               </a:ln>
               <a:extLst>
                 <a:ext uri="{91240B29-F687-4f45-9708-019B960494DF}">
-                  <a14:hiddenLine xmlns="" xmlns:a14="http://schemas.microsoft.com/office/drawing/2010/main" w="9525">
+                  <a14:hiddenLine xmlns:a14="http://schemas.microsoft.com/office/drawing/2010/main" xmlns="" w="9525">
                     <a:solidFill>
                       <a:srgbClr val="000000"/>
                     </a:solidFill>
@@ -11679,7 +11678,7 @@
               </a:ln>
               <a:extLst>
                 <a:ext uri="{91240B29-F687-4f45-9708-019B960494DF}">
-                  <a14:hiddenLine xmlns="" xmlns:a14="http://schemas.microsoft.com/office/drawing/2010/main" w="9525">
+                  <a14:hiddenLine xmlns:a14="http://schemas.microsoft.com/office/drawing/2010/main" xmlns="" w="9525">
                     <a:solidFill>
                       <a:srgbClr val="000000"/>
                     </a:solidFill>
@@ -11760,7 +11759,7 @@
               </a:ln>
               <a:extLst>
                 <a:ext uri="{91240B29-F687-4f45-9708-019B960494DF}">
-                  <a14:hiddenLine xmlns="" xmlns:a14="http://schemas.microsoft.com/office/drawing/2010/main" w="9525">
+                  <a14:hiddenLine xmlns:a14="http://schemas.microsoft.com/office/drawing/2010/main" xmlns="" w="9525">
                     <a:solidFill>
                       <a:srgbClr val="000000"/>
                     </a:solidFill>
@@ -11875,7 +11874,7 @@
               </a:ln>
               <a:extLst>
                 <a:ext uri="{91240B29-F687-4f45-9708-019B960494DF}">
-                  <a14:hiddenLine xmlns="" xmlns:a14="http://schemas.microsoft.com/office/drawing/2010/main" w="9525">
+                  <a14:hiddenLine xmlns:a14="http://schemas.microsoft.com/office/drawing/2010/main" xmlns="" w="9525">
                     <a:solidFill>
                       <a:srgbClr val="000000"/>
                     </a:solidFill>
@@ -11965,7 +11964,7 @@
               </a:ln>
               <a:extLst>
                 <a:ext uri="{91240B29-F687-4f45-9708-019B960494DF}">
-                  <a14:hiddenLine xmlns="" xmlns:a14="http://schemas.microsoft.com/office/drawing/2010/main" w="9525">
+                  <a14:hiddenLine xmlns:a14="http://schemas.microsoft.com/office/drawing/2010/main" xmlns="" w="9525">
                     <a:solidFill>
                       <a:srgbClr val="000000"/>
                     </a:solidFill>
@@ -12030,7 +12029,7 @@
               </a:ln>
               <a:extLst>
                 <a:ext uri="{91240B29-F687-4f45-9708-019B960494DF}">
-                  <a14:hiddenLine xmlns="" xmlns:a14="http://schemas.microsoft.com/office/drawing/2010/main" w="9525">
+                  <a14:hiddenLine xmlns:a14="http://schemas.microsoft.com/office/drawing/2010/main" xmlns="" w="9525">
                     <a:solidFill>
                       <a:srgbClr val="000000"/>
                     </a:solidFill>
@@ -12120,7 +12119,7 @@
               </a:ln>
               <a:extLst>
                 <a:ext uri="{91240B29-F687-4f45-9708-019B960494DF}">
-                  <a14:hiddenLine xmlns="" xmlns:a14="http://schemas.microsoft.com/office/drawing/2010/main" w="9525">
+                  <a14:hiddenLine xmlns:a14="http://schemas.microsoft.com/office/drawing/2010/main" xmlns="" w="9525">
                     <a:solidFill>
                       <a:srgbClr val="000000"/>
                     </a:solidFill>
@@ -12188,7 +12187,7 @@
               </a:ln>
               <a:extLst>
                 <a:ext uri="{91240B29-F687-4f45-9708-019B960494DF}">
-                  <a14:hiddenLine xmlns="" xmlns:a14="http://schemas.microsoft.com/office/drawing/2010/main" w="9525">
+                  <a14:hiddenLine xmlns:a14="http://schemas.microsoft.com/office/drawing/2010/main" xmlns="" w="9525">
                     <a:solidFill>
                       <a:srgbClr val="000000"/>
                     </a:solidFill>
@@ -12278,7 +12277,7 @@
               </a:ln>
               <a:extLst>
                 <a:ext uri="{91240B29-F687-4f45-9708-019B960494DF}">
-                  <a14:hiddenLine xmlns="" xmlns:a14="http://schemas.microsoft.com/office/drawing/2010/main" w="9525">
+                  <a14:hiddenLine xmlns:a14="http://schemas.microsoft.com/office/drawing/2010/main" xmlns="" w="9525">
                     <a:solidFill>
                       <a:srgbClr val="000000"/>
                     </a:solidFill>
@@ -12346,7 +12345,7 @@
               </a:ln>
               <a:extLst>
                 <a:ext uri="{91240B29-F687-4f45-9708-019B960494DF}">
-                  <a14:hiddenLine xmlns="" xmlns:a14="http://schemas.microsoft.com/office/drawing/2010/main" w="9525">
+                  <a14:hiddenLine xmlns:a14="http://schemas.microsoft.com/office/drawing/2010/main" xmlns="" w="9525">
                     <a:solidFill>
                       <a:srgbClr val="000000"/>
                     </a:solidFill>
@@ -12436,7 +12435,7 @@
               </a:ln>
               <a:extLst>
                 <a:ext uri="{91240B29-F687-4f45-9708-019B960494DF}">
-                  <a14:hiddenLine xmlns="" xmlns:a14="http://schemas.microsoft.com/office/drawing/2010/main" w="9525">
+                  <a14:hiddenLine xmlns:a14="http://schemas.microsoft.com/office/drawing/2010/main" xmlns="" w="9525">
                     <a:solidFill>
                       <a:srgbClr val="000000"/>
                     </a:solidFill>
@@ -12470,7 +12469,7 @@
               </a:ln>
               <a:extLst>
                 <a:ext uri="{91240B29-F687-4f45-9708-019B960494DF}">
-                  <a14:hiddenLine xmlns="" xmlns:a14="http://schemas.microsoft.com/office/drawing/2010/main" w="9525">
+                  <a14:hiddenLine xmlns:a14="http://schemas.microsoft.com/office/drawing/2010/main" xmlns="" w="9525">
                     <a:solidFill>
                       <a:srgbClr val="000000"/>
                     </a:solidFill>
@@ -12610,7 +12609,7 @@
           <a:p>
             <a:fld id="{62B29A1C-2C6F-4F53-8817-88025C8CDCD8}" type="datetimeFigureOut">
               <a:rPr lang="en-US" smtClean="0"/>
-              <a:t>11/27/18</a:t>
+              <a:t>7/20/21</a:t>
             </a:fld>
             <a:endParaRPr lang="en-US"/>
           </a:p>
@@ -13141,171 +13140,6 @@
           <p:cNvPr id="2" name="Title 1">
             <a:extLst>
               <a:ext uri="{FF2B5EF4-FFF2-40B4-BE49-F238E27FC236}">
-                <a16:creationId xmlns:a16="http://schemas.microsoft.com/office/drawing/2014/main" id="{5FEC35EC-B61E-4144-B4A3-E8946DCDB7CA}"/>
-              </a:ext>
-            </a:extLst>
-          </p:cNvPr>
-          <p:cNvSpPr>
-            <a:spLocks noGrp="1"/>
-          </p:cNvSpPr>
-          <p:nvPr>
-            <p:ph type="title"/>
-          </p:nvPr>
-        </p:nvSpPr>
-        <p:spPr/>
-        <p:txBody>
-          <a:bodyPr/>
-          <a:lstStyle/>
-          <a:p>
-            <a:r>
-              <a:rPr lang="en-US" dirty="0">
-                <a:solidFill>
-                  <a:schemeClr val="accent2"/>
-                </a:solidFill>
-              </a:rPr>
-              <a:t>Why </a:t>
-            </a:r>
-            <a:r>
-              <a:rPr lang="en-US" dirty="0"/>
-              <a:t>use a server?</a:t>
-            </a:r>
-          </a:p>
-        </p:txBody>
-      </p:sp>
-      <p:sp>
-        <p:nvSpPr>
-          <p:cNvPr id="3" name="Content Placeholder 2">
-            <a:extLst>
-              <a:ext uri="{FF2B5EF4-FFF2-40B4-BE49-F238E27FC236}">
-                <a16:creationId xmlns:a16="http://schemas.microsoft.com/office/drawing/2014/main" id="{E167FAB0-F0F3-4550-80B6-5BADC3EE0EFC}"/>
-              </a:ext>
-            </a:extLst>
-          </p:cNvPr>
-          <p:cNvSpPr>
-            <a:spLocks noGrp="1"/>
-          </p:cNvSpPr>
-          <p:nvPr>
-            <p:ph idx="1"/>
-          </p:nvPr>
-        </p:nvSpPr>
-        <p:spPr>
-          <a:xfrm>
-            <a:off x="1141412" y="2249486"/>
-            <a:ext cx="9905999" cy="4076885"/>
-          </a:xfrm>
-        </p:spPr>
-        <p:txBody>
-          <a:bodyPr>
-            <a:normAutofit/>
-          </a:bodyPr>
-          <a:lstStyle/>
-          <a:p>
-            <a:r>
-              <a:rPr lang="en-US" dirty="0"/>
-              <a:t>Servers often have more memory and less overhead</a:t>
-            </a:r>
-          </a:p>
-          <a:p>
-            <a:pPr lvl="1"/>
-            <a:r>
-              <a:rPr lang="en-US" dirty="0"/>
-              <a:t>They don’t have to think about whether you’re about to start Pandora or play Candy Crush or open 32 Chrome tabs</a:t>
-            </a:r>
-          </a:p>
-          <a:p>
-            <a:r>
-              <a:rPr lang="en-US" dirty="0"/>
-              <a:t>Great for big data sets</a:t>
-            </a:r>
-          </a:p>
-          <a:p>
-            <a:pPr lvl="1"/>
-            <a:r>
-              <a:rPr lang="en-US" dirty="0"/>
-              <a:t>Databases</a:t>
-            </a:r>
-          </a:p>
-          <a:p>
-            <a:pPr lvl="1"/>
-            <a:r>
-              <a:rPr lang="en-US" dirty="0"/>
-              <a:t>Textual analysis (</a:t>
-            </a:r>
-            <a:r>
-              <a:rPr lang="en-US" dirty="0" err="1"/>
-              <a:t>Voyant</a:t>
-            </a:r>
-            <a:r>
-              <a:rPr lang="en-US" dirty="0"/>
-              <a:t>-Tools, </a:t>
-            </a:r>
-            <a:r>
-              <a:rPr lang="en-US" dirty="0" err="1"/>
-              <a:t>HathiTrust</a:t>
-            </a:r>
-            <a:r>
-              <a:rPr lang="en-US" dirty="0"/>
-              <a:t>, SOTU-</a:t>
-            </a:r>
-            <a:r>
-              <a:rPr lang="en-US" dirty="0" err="1"/>
-              <a:t>db</a:t>
-            </a:r>
-            <a:r>
-              <a:rPr lang="en-US" dirty="0"/>
-              <a:t> 😎)</a:t>
-            </a:r>
-          </a:p>
-          <a:p>
-            <a:r>
-              <a:rPr lang="en-US" dirty="0"/>
-              <a:t>Full control</a:t>
-            </a:r>
-          </a:p>
-          <a:p>
-            <a:pPr lvl="1"/>
-            <a:r>
-              <a:rPr lang="en-US" dirty="0"/>
-              <a:t>A great environment for learning HTML/CSS </a:t>
-            </a:r>
-          </a:p>
-        </p:txBody>
-      </p:sp>
-    </p:spTree>
-    <p:extLst>
-      <p:ext uri="{BB962C8B-B14F-4D97-AF65-F5344CB8AC3E}">
-        <p14:creationId xmlns:p14="http://schemas.microsoft.com/office/powerpoint/2010/main" val="670784547"/>
-      </p:ext>
-    </p:extLst>
-  </p:cSld>
-  <p:clrMapOvr>
-    <a:masterClrMapping/>
-  </p:clrMapOvr>
-</p:sld>
-</file>
-
-<file path=ppt/slides/slide11.xml><?xml version="1.0" encoding="utf-8"?>
-<p:sld xmlns:a="http://schemas.openxmlformats.org/drawingml/2006/main" xmlns:r="http://schemas.openxmlformats.org/officeDocument/2006/relationships" xmlns:p="http://schemas.openxmlformats.org/presentationml/2006/main">
-  <p:cSld>
-    <p:spTree>
-      <p:nvGrpSpPr>
-        <p:cNvPr id="1" name=""/>
-        <p:cNvGrpSpPr/>
-        <p:nvPr/>
-      </p:nvGrpSpPr>
-      <p:grpSpPr>
-        <a:xfrm>
-          <a:off x="0" y="0"/>
-          <a:ext cx="0" cy="0"/>
-          <a:chOff x="0" y="0"/>
-          <a:chExt cx="0" cy="0"/>
-        </a:xfrm>
-      </p:grpSpPr>
-      <p:sp>
-        <p:nvSpPr>
-          <p:cNvPr id="2" name="Title 1">
-            <a:extLst>
-              <a:ext uri="{FF2B5EF4-FFF2-40B4-BE49-F238E27FC236}">
                 <a16:creationId xmlns:a16="http://schemas.microsoft.com/office/drawing/2014/main" id="{FA22CDB8-79C8-43C5-AFFB-930D0262961F}"/>
               </a:ext>
             </a:extLst>
@@ -13454,7 +13288,7 @@
 </p:sld>
 </file>
 
-<file path=ppt/slides/slide12.xml><?xml version="1.0" encoding="utf-8"?>
+<file path=ppt/slides/slide11.xml><?xml version="1.0" encoding="utf-8"?>
 <p:sld xmlns:a="http://schemas.openxmlformats.org/drawingml/2006/main" xmlns:r="http://schemas.openxmlformats.org/officeDocument/2006/relationships" xmlns:p="http://schemas.openxmlformats.org/presentationml/2006/main">
   <p:cSld>
     <p:spTree>
@@ -13619,7 +13453,7 @@
 </p:sld>
 </file>
 
-<file path=ppt/slides/slide13.xml><?xml version="1.0" encoding="utf-8"?>
+<file path=ppt/slides/slide12.xml><?xml version="1.0" encoding="utf-8"?>
 <p:sld xmlns:a="http://schemas.openxmlformats.org/drawingml/2006/main" xmlns:r="http://schemas.openxmlformats.org/officeDocument/2006/relationships" xmlns:p="http://schemas.openxmlformats.org/presentationml/2006/main">
   <p:cSld>
     <p:spTree>
@@ -13725,7 +13559,7 @@
 </p:sld>
 </file>
 
-<file path=ppt/slides/slide14.xml><?xml version="1.0" encoding="utf-8"?>
+<file path=ppt/slides/slide13.xml><?xml version="1.0" encoding="utf-8"?>
 <p:sld xmlns:a="http://schemas.openxmlformats.org/drawingml/2006/main" xmlns:r="http://schemas.openxmlformats.org/officeDocument/2006/relationships" xmlns:p="http://schemas.openxmlformats.org/presentationml/2006/main">
   <p:cSld>
     <p:spTree>
@@ -13833,7 +13667,7 @@
 </p:sld>
 </file>
 
-<file path=ppt/slides/slide15.xml><?xml version="1.0" encoding="utf-8"?>
+<file path=ppt/slides/slide14.xml><?xml version="1.0" encoding="utf-8"?>
 <p:sld xmlns:a="http://schemas.openxmlformats.org/drawingml/2006/main" xmlns:r="http://schemas.openxmlformats.org/officeDocument/2006/relationships" xmlns:p="http://schemas.openxmlformats.org/presentationml/2006/main">
   <p:cSld>
     <p:spTree>
@@ -14153,7 +13987,7 @@
 </p:sld>
 </file>
 
-<file path=ppt/slides/slide16.xml><?xml version="1.0" encoding="utf-8"?>
+<file path=ppt/slides/slide15.xml><?xml version="1.0" encoding="utf-8"?>
 <p:sld xmlns:a="http://schemas.openxmlformats.org/drawingml/2006/main" xmlns:r="http://schemas.openxmlformats.org/officeDocument/2006/relationships" xmlns:p="http://schemas.openxmlformats.org/presentationml/2006/main">
   <p:cSld>
     <p:spTree>
@@ -14522,7 +14356,7 @@
 </p:sld>
 </file>
 
-<file path=ppt/slides/slide17.xml><?xml version="1.0" encoding="utf-8"?>
+<file path=ppt/slides/slide16.xml><?xml version="1.0" encoding="utf-8"?>
 <p:sld xmlns:a="http://schemas.openxmlformats.org/drawingml/2006/main" xmlns:r="http://schemas.openxmlformats.org/officeDocument/2006/relationships" xmlns:p="http://schemas.openxmlformats.org/presentationml/2006/main">
   <p:cSld>
     <p:spTree>
@@ -14915,7 +14749,7 @@
 </p:sld>
 </file>
 
-<file path=ppt/slides/slide18.xml><?xml version="1.0" encoding="utf-8"?>
+<file path=ppt/slides/slide17.xml><?xml version="1.0" encoding="utf-8"?>
 <p:sld xmlns:a="http://schemas.openxmlformats.org/drawingml/2006/main" xmlns:r="http://schemas.openxmlformats.org/officeDocument/2006/relationships" xmlns:p="http://schemas.openxmlformats.org/presentationml/2006/main">
   <p:cSld>
     <p:spTree>
@@ -15444,7 +15278,7 @@
 </p:sld>
 </file>
 
-<file path=ppt/slides/slide19.xml><?xml version="1.0" encoding="utf-8"?>
+<file path=ppt/slides/slide18.xml><?xml version="1.0" encoding="utf-8"?>
 <p:sld xmlns:a="http://schemas.openxmlformats.org/drawingml/2006/main" xmlns:r="http://schemas.openxmlformats.org/officeDocument/2006/relationships" xmlns:p="http://schemas.openxmlformats.org/presentationml/2006/main">
   <p:cSld>
     <p:spTree>
@@ -15990,7 +15824,6 @@
                 <a:lumMod val="90000"/>
               </a:schemeClr>
             </a:duotone>
-            <a:extLst/>
           </a:blip>
           <a:stretch/>
         </a:blipFill>
@@ -16560,7 +16393,6 @@
                 <a:lumMod val="90000"/>
               </a:schemeClr>
             </a:duotone>
-            <a:extLst/>
           </a:blip>
           <a:stretch/>
         </a:blipFill>
@@ -16636,7 +16468,7 @@
           <a:noFill/>
           <a:extLst>
             <a:ext uri="{909E8E84-426E-40dd-AFC4-6F175D3DCCD1}">
-              <a14:hiddenFill xmlns:a14="http://schemas.microsoft.com/office/drawing/2010/main" xmlns:p14="http://schemas.microsoft.com/office/powerpoint/2010/main" xmlns:a16="http://schemas.microsoft.com/office/drawing/2014/main" xmlns="">
+              <a14:hiddenFill xmlns="" xmlns:a16="http://schemas.microsoft.com/office/drawing/2014/main" xmlns:p14="http://schemas.microsoft.com/office/powerpoint/2010/main" xmlns:a14="http://schemas.microsoft.com/office/drawing/2010/main">
                 <a:solidFill>
                   <a:srgbClr val="FFFFFF"/>
                 </a:solidFill>
@@ -16727,7 +16559,7 @@
             </a:ln>
             <a:extLst>
               <a:ext uri="{91240B29-F687-4f45-9708-019B960494DF}">
-                <a14:hiddenLine xmlns:a14="http://schemas.microsoft.com/office/drawing/2010/main" xmlns:p14="http://schemas.microsoft.com/office/powerpoint/2010/main" xmlns:a16="http://schemas.microsoft.com/office/drawing/2014/main" xmlns="" w="9525">
+                <a14:hiddenLine xmlns="" xmlns:a16="http://schemas.microsoft.com/office/drawing/2014/main" xmlns:p14="http://schemas.microsoft.com/office/powerpoint/2010/main" xmlns:a14="http://schemas.microsoft.com/office/drawing/2010/main" w="9525">
                   <a:solidFill>
                     <a:srgbClr val="000000"/>
                   </a:solidFill>
@@ -16832,7 +16664,7 @@
             </a:ln>
             <a:extLst>
               <a:ext uri="{91240B29-F687-4f45-9708-019B960494DF}">
-                <a14:hiddenLine xmlns:a14="http://schemas.microsoft.com/office/drawing/2010/main" xmlns:p14="http://schemas.microsoft.com/office/powerpoint/2010/main" xmlns:a16="http://schemas.microsoft.com/office/drawing/2014/main" xmlns="" w="9525">
+                <a14:hiddenLine xmlns="" xmlns:a16="http://schemas.microsoft.com/office/drawing/2014/main" xmlns:p14="http://schemas.microsoft.com/office/powerpoint/2010/main" xmlns:a14="http://schemas.microsoft.com/office/drawing/2010/main" w="9525">
                   <a:solidFill>
                     <a:srgbClr val="000000"/>
                   </a:solidFill>
@@ -16937,7 +16769,7 @@
             </a:ln>
             <a:extLst>
               <a:ext uri="{91240B29-F687-4f45-9708-019B960494DF}">
-                <a14:hiddenLine xmlns:a14="http://schemas.microsoft.com/office/drawing/2010/main" xmlns:p14="http://schemas.microsoft.com/office/powerpoint/2010/main" xmlns:a16="http://schemas.microsoft.com/office/drawing/2014/main" xmlns="" w="9525">
+                <a14:hiddenLine xmlns="" xmlns:a16="http://schemas.microsoft.com/office/drawing/2014/main" xmlns:p14="http://schemas.microsoft.com/office/powerpoint/2010/main" xmlns:a14="http://schemas.microsoft.com/office/drawing/2010/main" w="9525">
                   <a:solidFill>
                     <a:srgbClr val="000000"/>
                   </a:solidFill>
@@ -16986,7 +16818,7 @@
             </a:ln>
             <a:extLst>
               <a:ext uri="{91240B29-F687-4f45-9708-019B960494DF}">
-                <a14:hiddenLine xmlns:a14="http://schemas.microsoft.com/office/drawing/2010/main" xmlns:p14="http://schemas.microsoft.com/office/powerpoint/2010/main" xmlns:a16="http://schemas.microsoft.com/office/drawing/2014/main" xmlns="" w="9525">
+                <a14:hiddenLine xmlns="" xmlns:a16="http://schemas.microsoft.com/office/drawing/2014/main" xmlns:p14="http://schemas.microsoft.com/office/powerpoint/2010/main" xmlns:a14="http://schemas.microsoft.com/office/drawing/2010/main" w="9525">
                   <a:solidFill>
                     <a:srgbClr val="000000"/>
                   </a:solidFill>
@@ -17091,7 +16923,7 @@
             </a:ln>
             <a:extLst>
               <a:ext uri="{91240B29-F687-4f45-9708-019B960494DF}">
-                <a14:hiddenLine xmlns:a14="http://schemas.microsoft.com/office/drawing/2010/main" xmlns:p14="http://schemas.microsoft.com/office/powerpoint/2010/main" xmlns:a16="http://schemas.microsoft.com/office/drawing/2014/main" xmlns="" w="9525">
+                <a14:hiddenLine xmlns="" xmlns:a16="http://schemas.microsoft.com/office/drawing/2014/main" xmlns:p14="http://schemas.microsoft.com/office/powerpoint/2010/main" xmlns:a14="http://schemas.microsoft.com/office/drawing/2010/main" w="9525">
                   <a:solidFill>
                     <a:srgbClr val="000000"/>
                   </a:solidFill>
@@ -17168,7 +17000,7 @@
             </a:ln>
             <a:extLst>
               <a:ext uri="{91240B29-F687-4f45-9708-019B960494DF}">
-                <a14:hiddenLine xmlns:a14="http://schemas.microsoft.com/office/drawing/2010/main" xmlns:p14="http://schemas.microsoft.com/office/powerpoint/2010/main" xmlns:a16="http://schemas.microsoft.com/office/drawing/2014/main" xmlns="" w="9525">
+                <a14:hiddenLine xmlns="" xmlns:a16="http://schemas.microsoft.com/office/drawing/2014/main" xmlns:p14="http://schemas.microsoft.com/office/powerpoint/2010/main" xmlns:a14="http://schemas.microsoft.com/office/drawing/2010/main" w="9525">
                   <a:solidFill>
                     <a:srgbClr val="000000"/>
                   </a:solidFill>
@@ -17245,7 +17077,7 @@
             </a:ln>
             <a:extLst>
               <a:ext uri="{91240B29-F687-4f45-9708-019B960494DF}">
-                <a14:hiddenLine xmlns:a14="http://schemas.microsoft.com/office/drawing/2010/main" xmlns:p14="http://schemas.microsoft.com/office/powerpoint/2010/main" xmlns:a16="http://schemas.microsoft.com/office/drawing/2014/main" xmlns="" w="9525">
+                <a14:hiddenLine xmlns="" xmlns:a16="http://schemas.microsoft.com/office/drawing/2014/main" xmlns:p14="http://schemas.microsoft.com/office/powerpoint/2010/main" xmlns:a14="http://schemas.microsoft.com/office/drawing/2010/main" w="9525">
                   <a:solidFill>
                     <a:srgbClr val="000000"/>
                   </a:solidFill>
@@ -17350,7 +17182,7 @@
             </a:ln>
             <a:extLst>
               <a:ext uri="{91240B29-F687-4f45-9708-019B960494DF}">
-                <a14:hiddenLine xmlns:a14="http://schemas.microsoft.com/office/drawing/2010/main" xmlns:p14="http://schemas.microsoft.com/office/powerpoint/2010/main" xmlns:a16="http://schemas.microsoft.com/office/drawing/2014/main" xmlns="" w="9525">
+                <a14:hiddenLine xmlns="" xmlns:a16="http://schemas.microsoft.com/office/drawing/2014/main" xmlns:p14="http://schemas.microsoft.com/office/powerpoint/2010/main" xmlns:a14="http://schemas.microsoft.com/office/drawing/2010/main" w="9525">
                   <a:solidFill>
                     <a:srgbClr val="000000"/>
                   </a:solidFill>
@@ -17427,7 +17259,7 @@
             </a:ln>
             <a:extLst>
               <a:ext uri="{91240B29-F687-4f45-9708-019B960494DF}">
-                <a14:hiddenLine xmlns:a14="http://schemas.microsoft.com/office/drawing/2010/main" xmlns:p14="http://schemas.microsoft.com/office/powerpoint/2010/main" xmlns:a16="http://schemas.microsoft.com/office/drawing/2014/main" xmlns="" w="9525">
+                <a14:hiddenLine xmlns="" xmlns:a16="http://schemas.microsoft.com/office/drawing/2014/main" xmlns:p14="http://schemas.microsoft.com/office/powerpoint/2010/main" xmlns:a14="http://schemas.microsoft.com/office/drawing/2010/main" w="9525">
                   <a:solidFill>
                     <a:srgbClr val="000000"/>
                   </a:solidFill>
@@ -17504,7 +17336,7 @@
             </a:ln>
             <a:extLst>
               <a:ext uri="{91240B29-F687-4f45-9708-019B960494DF}">
-                <a14:hiddenLine xmlns:a14="http://schemas.microsoft.com/office/drawing/2010/main" xmlns:p14="http://schemas.microsoft.com/office/powerpoint/2010/main" xmlns:a16="http://schemas.microsoft.com/office/drawing/2014/main" xmlns="" w="9525">
+                <a14:hiddenLine xmlns="" xmlns:a16="http://schemas.microsoft.com/office/drawing/2014/main" xmlns:p14="http://schemas.microsoft.com/office/powerpoint/2010/main" xmlns:a14="http://schemas.microsoft.com/office/drawing/2010/main" w="9525">
                   <a:solidFill>
                     <a:srgbClr val="000000"/>
                   </a:solidFill>
@@ -17609,7 +17441,7 @@
             </a:ln>
             <a:extLst>
               <a:ext uri="{91240B29-F687-4f45-9708-019B960494DF}">
-                <a14:hiddenLine xmlns:a14="http://schemas.microsoft.com/office/drawing/2010/main" xmlns:p14="http://schemas.microsoft.com/office/powerpoint/2010/main" xmlns:a16="http://schemas.microsoft.com/office/drawing/2014/main" xmlns="" w="9525">
+                <a14:hiddenLine xmlns="" xmlns:a16="http://schemas.microsoft.com/office/drawing/2014/main" xmlns:p14="http://schemas.microsoft.com/office/powerpoint/2010/main" xmlns:a14="http://schemas.microsoft.com/office/drawing/2010/main" w="9525">
                   <a:solidFill>
                     <a:srgbClr val="000000"/>
                   </a:solidFill>
@@ -17714,7 +17546,7 @@
             </a:ln>
             <a:extLst>
               <a:ext uri="{91240B29-F687-4f45-9708-019B960494DF}">
-                <a14:hiddenLine xmlns:a14="http://schemas.microsoft.com/office/drawing/2010/main" xmlns:p14="http://schemas.microsoft.com/office/powerpoint/2010/main" xmlns:a16="http://schemas.microsoft.com/office/drawing/2014/main" xmlns="" w="9525">
+                <a14:hiddenLine xmlns="" xmlns:a16="http://schemas.microsoft.com/office/drawing/2014/main" xmlns:p14="http://schemas.microsoft.com/office/powerpoint/2010/main" xmlns:a14="http://schemas.microsoft.com/office/drawing/2010/main" w="9525">
                   <a:solidFill>
                     <a:srgbClr val="000000"/>
                   </a:solidFill>
@@ -17791,7 +17623,7 @@
             </a:ln>
             <a:extLst>
               <a:ext uri="{91240B29-F687-4f45-9708-019B960494DF}">
-                <a14:hiddenLine xmlns:a14="http://schemas.microsoft.com/office/drawing/2010/main" xmlns:p14="http://schemas.microsoft.com/office/powerpoint/2010/main" xmlns:a16="http://schemas.microsoft.com/office/drawing/2014/main" xmlns="" w="9525">
+                <a14:hiddenLine xmlns="" xmlns:a16="http://schemas.microsoft.com/office/drawing/2014/main" xmlns:p14="http://schemas.microsoft.com/office/powerpoint/2010/main" xmlns:a14="http://schemas.microsoft.com/office/drawing/2010/main" w="9525">
                   <a:solidFill>
                     <a:srgbClr val="000000"/>
                   </a:solidFill>
@@ -17916,7 +17748,7 @@
             </a:ln>
             <a:extLst>
               <a:ext uri="{91240B29-F687-4f45-9708-019B960494DF}">
-                <a14:hiddenLine xmlns:a14="http://schemas.microsoft.com/office/drawing/2010/main" xmlns:p14="http://schemas.microsoft.com/office/powerpoint/2010/main" xmlns:a16="http://schemas.microsoft.com/office/drawing/2014/main" xmlns="" w="9525">
+                <a14:hiddenLine xmlns="" xmlns:a16="http://schemas.microsoft.com/office/drawing/2014/main" xmlns:p14="http://schemas.microsoft.com/office/powerpoint/2010/main" xmlns:a14="http://schemas.microsoft.com/office/drawing/2010/main" w="9525">
                   <a:solidFill>
                     <a:srgbClr val="000000"/>
                   </a:solidFill>
@@ -17993,7 +17825,7 @@
             </a:ln>
             <a:extLst>
               <a:ext uri="{91240B29-F687-4f45-9708-019B960494DF}">
-                <a14:hiddenLine xmlns:a14="http://schemas.microsoft.com/office/drawing/2010/main" xmlns:p14="http://schemas.microsoft.com/office/powerpoint/2010/main" xmlns:a16="http://schemas.microsoft.com/office/drawing/2014/main" xmlns="" w="9525">
+                <a14:hiddenLine xmlns="" xmlns:a16="http://schemas.microsoft.com/office/drawing/2014/main" xmlns:p14="http://schemas.microsoft.com/office/powerpoint/2010/main" xmlns:a14="http://schemas.microsoft.com/office/drawing/2010/main" w="9525">
                   <a:solidFill>
                     <a:srgbClr val="000000"/>
                   </a:solidFill>
@@ -18098,7 +17930,7 @@
             </a:ln>
             <a:extLst>
               <a:ext uri="{91240B29-F687-4f45-9708-019B960494DF}">
-                <a14:hiddenLine xmlns:a14="http://schemas.microsoft.com/office/drawing/2010/main" xmlns:p14="http://schemas.microsoft.com/office/powerpoint/2010/main" xmlns:a16="http://schemas.microsoft.com/office/drawing/2014/main" xmlns="" w="9525">
+                <a14:hiddenLine xmlns="" xmlns:a16="http://schemas.microsoft.com/office/drawing/2014/main" xmlns:p14="http://schemas.microsoft.com/office/powerpoint/2010/main" xmlns:a14="http://schemas.microsoft.com/office/drawing/2010/main" w="9525">
                   <a:solidFill>
                     <a:srgbClr val="000000"/>
                   </a:solidFill>
@@ -18203,7 +18035,7 @@
             </a:ln>
             <a:extLst>
               <a:ext uri="{91240B29-F687-4f45-9708-019B960494DF}">
-                <a14:hiddenLine xmlns:a14="http://schemas.microsoft.com/office/drawing/2010/main" xmlns:p14="http://schemas.microsoft.com/office/powerpoint/2010/main" xmlns:a16="http://schemas.microsoft.com/office/drawing/2014/main" xmlns="" w="9525">
+                <a14:hiddenLine xmlns="" xmlns:a16="http://schemas.microsoft.com/office/drawing/2014/main" xmlns:p14="http://schemas.microsoft.com/office/powerpoint/2010/main" xmlns:a14="http://schemas.microsoft.com/office/drawing/2010/main" w="9525">
                   <a:solidFill>
                     <a:srgbClr val="000000"/>
                   </a:solidFill>
@@ -18280,7 +18112,7 @@
             </a:ln>
             <a:extLst>
               <a:ext uri="{91240B29-F687-4f45-9708-019B960494DF}">
-                <a14:hiddenLine xmlns:a14="http://schemas.microsoft.com/office/drawing/2010/main" xmlns:p14="http://schemas.microsoft.com/office/powerpoint/2010/main" xmlns:a16="http://schemas.microsoft.com/office/drawing/2014/main" xmlns="" w="9525">
+                <a14:hiddenLine xmlns="" xmlns:a16="http://schemas.microsoft.com/office/drawing/2014/main" xmlns:p14="http://schemas.microsoft.com/office/powerpoint/2010/main" xmlns:a14="http://schemas.microsoft.com/office/drawing/2010/main" w="9525">
                   <a:solidFill>
                     <a:srgbClr val="000000"/>
                   </a:solidFill>
@@ -18385,7 +18217,7 @@
             </a:ln>
             <a:extLst>
               <a:ext uri="{91240B29-F687-4f45-9708-019B960494DF}">
-                <a14:hiddenLine xmlns:a14="http://schemas.microsoft.com/office/drawing/2010/main" xmlns:p14="http://schemas.microsoft.com/office/powerpoint/2010/main" xmlns:a16="http://schemas.microsoft.com/office/drawing/2014/main" xmlns="" w="9525">
+                <a14:hiddenLine xmlns="" xmlns:a16="http://schemas.microsoft.com/office/drawing/2014/main" xmlns:p14="http://schemas.microsoft.com/office/powerpoint/2010/main" xmlns:a14="http://schemas.microsoft.com/office/drawing/2010/main" w="9525">
                   <a:solidFill>
                     <a:srgbClr val="000000"/>
                   </a:solidFill>
@@ -18490,7 +18322,7 @@
             </a:ln>
             <a:extLst>
               <a:ext uri="{91240B29-F687-4f45-9708-019B960494DF}">
-                <a14:hiddenLine xmlns:a14="http://schemas.microsoft.com/office/drawing/2010/main" xmlns:p14="http://schemas.microsoft.com/office/powerpoint/2010/main" xmlns:a16="http://schemas.microsoft.com/office/drawing/2014/main" xmlns="" w="9525">
+                <a14:hiddenLine xmlns="" xmlns:a16="http://schemas.microsoft.com/office/drawing/2014/main" xmlns:p14="http://schemas.microsoft.com/office/powerpoint/2010/main" xmlns:a14="http://schemas.microsoft.com/office/drawing/2010/main" w="9525">
                   <a:solidFill>
                     <a:srgbClr val="000000"/>
                   </a:solidFill>
@@ -18561,7 +18393,7 @@
             </a:ln>
             <a:extLst>
               <a:ext uri="{91240B29-F687-4f45-9708-019B960494DF}">
-                <a14:hiddenLine xmlns:a14="http://schemas.microsoft.com/office/drawing/2010/main" xmlns:p14="http://schemas.microsoft.com/office/powerpoint/2010/main" xmlns:a16="http://schemas.microsoft.com/office/drawing/2014/main" xmlns="" w="9525">
+                <a14:hiddenLine xmlns="" xmlns:a16="http://schemas.microsoft.com/office/drawing/2014/main" xmlns:p14="http://schemas.microsoft.com/office/powerpoint/2010/main" xmlns:a14="http://schemas.microsoft.com/office/drawing/2010/main" w="9525">
                   <a:solidFill>
                     <a:srgbClr val="000000"/>
                   </a:solidFill>
@@ -18666,7 +18498,7 @@
             </a:ln>
             <a:extLst>
               <a:ext uri="{91240B29-F687-4f45-9708-019B960494DF}">
-                <a14:hiddenLine xmlns:a14="http://schemas.microsoft.com/office/drawing/2010/main" xmlns:p14="http://schemas.microsoft.com/office/powerpoint/2010/main" xmlns:a16="http://schemas.microsoft.com/office/drawing/2014/main" xmlns="" w="9525">
+                <a14:hiddenLine xmlns="" xmlns:a16="http://schemas.microsoft.com/office/drawing/2014/main" xmlns:p14="http://schemas.microsoft.com/office/powerpoint/2010/main" xmlns:a14="http://schemas.microsoft.com/office/drawing/2010/main" w="9525">
                   <a:solidFill>
                     <a:srgbClr val="000000"/>
                   </a:solidFill>
@@ -18737,7 +18569,7 @@
             </a:ln>
             <a:extLst>
               <a:ext uri="{91240B29-F687-4f45-9708-019B960494DF}">
-                <a14:hiddenLine xmlns:a14="http://schemas.microsoft.com/office/drawing/2010/main" xmlns:p14="http://schemas.microsoft.com/office/powerpoint/2010/main" xmlns:a16="http://schemas.microsoft.com/office/drawing/2014/main" xmlns="" w="9525">
+                <a14:hiddenLine xmlns="" xmlns:a16="http://schemas.microsoft.com/office/drawing/2014/main" xmlns:p14="http://schemas.microsoft.com/office/powerpoint/2010/main" xmlns:a14="http://schemas.microsoft.com/office/drawing/2010/main" w="9525">
                   <a:solidFill>
                     <a:srgbClr val="000000"/>
                   </a:solidFill>
@@ -18842,7 +18674,7 @@
             </a:ln>
             <a:extLst>
               <a:ext uri="{91240B29-F687-4f45-9708-019B960494DF}">
-                <a14:hiddenLine xmlns:a14="http://schemas.microsoft.com/office/drawing/2010/main" xmlns:p14="http://schemas.microsoft.com/office/powerpoint/2010/main" xmlns:a16="http://schemas.microsoft.com/office/drawing/2014/main" xmlns="" w="9525">
+                <a14:hiddenLine xmlns="" xmlns:a16="http://schemas.microsoft.com/office/drawing/2014/main" xmlns:p14="http://schemas.microsoft.com/office/powerpoint/2010/main" xmlns:a14="http://schemas.microsoft.com/office/drawing/2010/main" w="9525">
                   <a:solidFill>
                     <a:srgbClr val="000000"/>
                   </a:solidFill>
@@ -18925,7 +18757,7 @@
             </a:ln>
             <a:extLst>
               <a:ext uri="{91240B29-F687-4f45-9708-019B960494DF}">
-                <a14:hiddenLine xmlns:a14="http://schemas.microsoft.com/office/drawing/2010/main" xmlns:p14="http://schemas.microsoft.com/office/powerpoint/2010/main" xmlns:a16="http://schemas.microsoft.com/office/drawing/2014/main" xmlns="" w="9525">
+                <a14:hiddenLine xmlns="" xmlns:a16="http://schemas.microsoft.com/office/drawing/2014/main" xmlns:p14="http://schemas.microsoft.com/office/powerpoint/2010/main" xmlns:a14="http://schemas.microsoft.com/office/drawing/2010/main" w="9525">
                   <a:solidFill>
                     <a:srgbClr val="000000"/>
                   </a:solidFill>
@@ -19030,7 +18862,7 @@
             </a:ln>
             <a:extLst>
               <a:ext uri="{91240B29-F687-4f45-9708-019B960494DF}">
-                <a14:hiddenLine xmlns:a14="http://schemas.microsoft.com/office/drawing/2010/main" xmlns:p14="http://schemas.microsoft.com/office/powerpoint/2010/main" xmlns:a16="http://schemas.microsoft.com/office/drawing/2014/main" xmlns="" w="9525">
+                <a14:hiddenLine xmlns="" xmlns:a16="http://schemas.microsoft.com/office/drawing/2014/main" xmlns:p14="http://schemas.microsoft.com/office/powerpoint/2010/main" xmlns:a14="http://schemas.microsoft.com/office/drawing/2010/main" w="9525">
                   <a:solidFill>
                     <a:srgbClr val="000000"/>
                   </a:solidFill>
@@ -19113,7 +18945,7 @@
             </a:ln>
             <a:extLst>
               <a:ext uri="{91240B29-F687-4f45-9708-019B960494DF}">
-                <a14:hiddenLine xmlns:a14="http://schemas.microsoft.com/office/drawing/2010/main" xmlns:p14="http://schemas.microsoft.com/office/powerpoint/2010/main" xmlns:a16="http://schemas.microsoft.com/office/drawing/2014/main" xmlns="" w="9525">
+                <a14:hiddenLine xmlns="" xmlns:a16="http://schemas.microsoft.com/office/drawing/2014/main" xmlns:p14="http://schemas.microsoft.com/office/powerpoint/2010/main" xmlns:a14="http://schemas.microsoft.com/office/drawing/2010/main" w="9525">
                   <a:solidFill>
                     <a:srgbClr val="000000"/>
                   </a:solidFill>
@@ -19218,7 +19050,7 @@
             </a:ln>
             <a:extLst>
               <a:ext uri="{91240B29-F687-4f45-9708-019B960494DF}">
-                <a14:hiddenLine xmlns:a14="http://schemas.microsoft.com/office/drawing/2010/main" xmlns:p14="http://schemas.microsoft.com/office/powerpoint/2010/main" xmlns:a16="http://schemas.microsoft.com/office/drawing/2014/main" xmlns="" w="9525">
+                <a14:hiddenLine xmlns="" xmlns:a16="http://schemas.microsoft.com/office/drawing/2014/main" xmlns:p14="http://schemas.microsoft.com/office/powerpoint/2010/main" xmlns:a14="http://schemas.microsoft.com/office/drawing/2010/main" w="9525">
                   <a:solidFill>
                     <a:srgbClr val="000000"/>
                   </a:solidFill>
@@ -19267,7 +19099,7 @@
             </a:ln>
             <a:extLst>
               <a:ext uri="{91240B29-F687-4f45-9708-019B960494DF}">
-                <a14:hiddenLine xmlns:a14="http://schemas.microsoft.com/office/drawing/2010/main" xmlns:p14="http://schemas.microsoft.com/office/powerpoint/2010/main" xmlns:a16="http://schemas.microsoft.com/office/drawing/2014/main" xmlns="" w="9525">
+                <a14:hiddenLine xmlns="" xmlns:a16="http://schemas.microsoft.com/office/drawing/2014/main" xmlns:p14="http://schemas.microsoft.com/office/powerpoint/2010/main" xmlns:a14="http://schemas.microsoft.com/office/drawing/2010/main" w="9525">
                   <a:solidFill>
                     <a:srgbClr val="000000"/>
                   </a:solidFill>
@@ -19372,7 +19204,7 @@
             </a:ln>
             <a:extLst>
               <a:ext uri="{91240B29-F687-4f45-9708-019B960494DF}">
-                <a14:hiddenLine xmlns:a14="http://schemas.microsoft.com/office/drawing/2010/main" xmlns:p14="http://schemas.microsoft.com/office/powerpoint/2010/main" xmlns:a16="http://schemas.microsoft.com/office/drawing/2014/main" xmlns="" w="9525">
+                <a14:hiddenLine xmlns="" xmlns:a16="http://schemas.microsoft.com/office/drawing/2014/main" xmlns:p14="http://schemas.microsoft.com/office/powerpoint/2010/main" xmlns:a14="http://schemas.microsoft.com/office/drawing/2010/main" w="9525">
                   <a:solidFill>
                     <a:srgbClr val="000000"/>
                   </a:solidFill>
@@ -19449,7 +19281,7 @@
             </a:ln>
             <a:extLst>
               <a:ext uri="{91240B29-F687-4f45-9708-019B960494DF}">
-                <a14:hiddenLine xmlns:a14="http://schemas.microsoft.com/office/drawing/2010/main" xmlns:p14="http://schemas.microsoft.com/office/powerpoint/2010/main" xmlns:a16="http://schemas.microsoft.com/office/drawing/2014/main" xmlns="" w="9525">
+                <a14:hiddenLine xmlns="" xmlns:a16="http://schemas.microsoft.com/office/drawing/2014/main" xmlns:p14="http://schemas.microsoft.com/office/powerpoint/2010/main" xmlns:a14="http://schemas.microsoft.com/office/drawing/2010/main" w="9525">
                   <a:solidFill>
                     <a:srgbClr val="000000"/>
                   </a:solidFill>
@@ -19526,7 +19358,7 @@
             </a:ln>
             <a:extLst>
               <a:ext uri="{91240B29-F687-4f45-9708-019B960494DF}">
-                <a14:hiddenLine xmlns:a14="http://schemas.microsoft.com/office/drawing/2010/main" xmlns:p14="http://schemas.microsoft.com/office/powerpoint/2010/main" xmlns:a16="http://schemas.microsoft.com/office/drawing/2014/main" xmlns="" w="9525">
+                <a14:hiddenLine xmlns="" xmlns:a16="http://schemas.microsoft.com/office/drawing/2014/main" xmlns:p14="http://schemas.microsoft.com/office/powerpoint/2010/main" xmlns:a14="http://schemas.microsoft.com/office/drawing/2010/main" w="9525">
                   <a:solidFill>
                     <a:srgbClr val="000000"/>
                   </a:solidFill>
@@ -19631,7 +19463,7 @@
             </a:ln>
             <a:extLst>
               <a:ext uri="{91240B29-F687-4f45-9708-019B960494DF}">
-                <a14:hiddenLine xmlns:a14="http://schemas.microsoft.com/office/drawing/2010/main" xmlns:p14="http://schemas.microsoft.com/office/powerpoint/2010/main" xmlns:a16="http://schemas.microsoft.com/office/drawing/2014/main" xmlns="" w="9525">
+                <a14:hiddenLine xmlns="" xmlns:a16="http://schemas.microsoft.com/office/drawing/2014/main" xmlns:p14="http://schemas.microsoft.com/office/powerpoint/2010/main" xmlns:a14="http://schemas.microsoft.com/office/drawing/2010/main" w="9525">
                   <a:solidFill>
                     <a:srgbClr val="000000"/>
                   </a:solidFill>
@@ -19714,7 +19546,7 @@
             </a:ln>
             <a:extLst>
               <a:ext uri="{91240B29-F687-4f45-9708-019B960494DF}">
-                <a14:hiddenLine xmlns:a14="http://schemas.microsoft.com/office/drawing/2010/main" xmlns:p14="http://schemas.microsoft.com/office/powerpoint/2010/main" xmlns:a16="http://schemas.microsoft.com/office/drawing/2014/main" xmlns="" w="9525">
+                <a14:hiddenLine xmlns="" xmlns:a16="http://schemas.microsoft.com/office/drawing/2014/main" xmlns:p14="http://schemas.microsoft.com/office/powerpoint/2010/main" xmlns:a14="http://schemas.microsoft.com/office/drawing/2010/main" w="9525">
                   <a:solidFill>
                     <a:srgbClr val="000000"/>
                   </a:solidFill>
@@ -19791,7 +19623,7 @@
             </a:ln>
             <a:extLst>
               <a:ext uri="{91240B29-F687-4f45-9708-019B960494DF}">
-                <a14:hiddenLine xmlns:a14="http://schemas.microsoft.com/office/drawing/2010/main" xmlns:p14="http://schemas.microsoft.com/office/powerpoint/2010/main" xmlns:a16="http://schemas.microsoft.com/office/drawing/2014/main" xmlns="" w="9525">
+                <a14:hiddenLine xmlns="" xmlns:a16="http://schemas.microsoft.com/office/drawing/2014/main" xmlns:p14="http://schemas.microsoft.com/office/powerpoint/2010/main" xmlns:a14="http://schemas.microsoft.com/office/drawing/2010/main" w="9525">
                   <a:solidFill>
                     <a:srgbClr val="000000"/>
                   </a:solidFill>
@@ -19896,7 +19728,7 @@
             </a:ln>
             <a:extLst>
               <a:ext uri="{91240B29-F687-4f45-9708-019B960494DF}">
-                <a14:hiddenLine xmlns:a14="http://schemas.microsoft.com/office/drawing/2010/main" xmlns:p14="http://schemas.microsoft.com/office/powerpoint/2010/main" xmlns:a16="http://schemas.microsoft.com/office/drawing/2014/main" xmlns="" w="9525">
+                <a14:hiddenLine xmlns="" xmlns:a16="http://schemas.microsoft.com/office/drawing/2014/main" xmlns:p14="http://schemas.microsoft.com/office/powerpoint/2010/main" xmlns:a14="http://schemas.microsoft.com/office/drawing/2010/main" w="9525">
                   <a:solidFill>
                     <a:srgbClr val="000000"/>
                   </a:solidFill>
@@ -19973,7 +19805,7 @@
             </a:ln>
             <a:extLst>
               <a:ext uri="{91240B29-F687-4f45-9708-019B960494DF}">
-                <a14:hiddenLine xmlns:a14="http://schemas.microsoft.com/office/drawing/2010/main" xmlns:p14="http://schemas.microsoft.com/office/powerpoint/2010/main" xmlns:a16="http://schemas.microsoft.com/office/drawing/2014/main" xmlns="" w="9525">
+                <a14:hiddenLine xmlns="" xmlns:a16="http://schemas.microsoft.com/office/drawing/2014/main" xmlns:p14="http://schemas.microsoft.com/office/powerpoint/2010/main" xmlns:a14="http://schemas.microsoft.com/office/drawing/2010/main" w="9525">
                   <a:solidFill>
                     <a:srgbClr val="000000"/>
                   </a:solidFill>
@@ -20078,7 +19910,7 @@
             </a:ln>
             <a:extLst>
               <a:ext uri="{91240B29-F687-4f45-9708-019B960494DF}">
-                <a14:hiddenLine xmlns:a14="http://schemas.microsoft.com/office/drawing/2010/main" xmlns:p14="http://schemas.microsoft.com/office/powerpoint/2010/main" xmlns:a16="http://schemas.microsoft.com/office/drawing/2014/main" xmlns="" w="9525">
+                <a14:hiddenLine xmlns="" xmlns:a16="http://schemas.microsoft.com/office/drawing/2014/main" xmlns:p14="http://schemas.microsoft.com/office/powerpoint/2010/main" xmlns:a14="http://schemas.microsoft.com/office/drawing/2010/main" w="9525">
                   <a:solidFill>
                     <a:srgbClr val="000000"/>
                   </a:solidFill>
@@ -20155,7 +19987,7 @@
             </a:ln>
             <a:extLst>
               <a:ext uri="{91240B29-F687-4f45-9708-019B960494DF}">
-                <a14:hiddenLine xmlns:a14="http://schemas.microsoft.com/office/drawing/2010/main" xmlns:p14="http://schemas.microsoft.com/office/powerpoint/2010/main" xmlns:a16="http://schemas.microsoft.com/office/drawing/2014/main" xmlns="" w="9525">
+                <a14:hiddenLine xmlns="" xmlns:a16="http://schemas.microsoft.com/office/drawing/2014/main" xmlns:p14="http://schemas.microsoft.com/office/powerpoint/2010/main" xmlns:a14="http://schemas.microsoft.com/office/drawing/2010/main" w="9525">
                   <a:solidFill>
                     <a:srgbClr val="000000"/>
                   </a:solidFill>
@@ -20260,7 +20092,7 @@
             </a:ln>
             <a:extLst>
               <a:ext uri="{91240B29-F687-4f45-9708-019B960494DF}">
-                <a14:hiddenLine xmlns:a14="http://schemas.microsoft.com/office/drawing/2010/main" xmlns:p14="http://schemas.microsoft.com/office/powerpoint/2010/main" xmlns:a16="http://schemas.microsoft.com/office/drawing/2014/main" xmlns="" w="9525">
+                <a14:hiddenLine xmlns="" xmlns:a16="http://schemas.microsoft.com/office/drawing/2014/main" xmlns:p14="http://schemas.microsoft.com/office/powerpoint/2010/main" xmlns:a14="http://schemas.microsoft.com/office/drawing/2010/main" w="9525">
                   <a:solidFill>
                     <a:srgbClr val="000000"/>
                   </a:solidFill>
@@ -20309,7 +20141,7 @@
             </a:ln>
             <a:extLst>
               <a:ext uri="{91240B29-F687-4f45-9708-019B960494DF}">
-                <a14:hiddenLine xmlns:a14="http://schemas.microsoft.com/office/drawing/2010/main" xmlns:p14="http://schemas.microsoft.com/office/powerpoint/2010/main" xmlns:a16="http://schemas.microsoft.com/office/drawing/2014/main" xmlns="" w="9525">
+                <a14:hiddenLine xmlns="" xmlns:a16="http://schemas.microsoft.com/office/drawing/2014/main" xmlns:p14="http://schemas.microsoft.com/office/powerpoint/2010/main" xmlns:a14="http://schemas.microsoft.com/office/drawing/2010/main" w="9525">
                   <a:solidFill>
                     <a:srgbClr val="000000"/>
                   </a:solidFill>
@@ -20389,7 +20221,7 @@
             </a:ln>
             <a:extLst>
               <a:ext uri="{91240B29-F687-4f45-9708-019B960494DF}">
-                <a14:hiddenLine xmlns:a14="http://schemas.microsoft.com/office/drawing/2010/main" xmlns:p14="http://schemas.microsoft.com/office/powerpoint/2010/main" xmlns:a16="http://schemas.microsoft.com/office/drawing/2014/main" xmlns="" w="9525">
+                <a14:hiddenLine xmlns="" xmlns:a16="http://schemas.microsoft.com/office/drawing/2014/main" xmlns:p14="http://schemas.microsoft.com/office/powerpoint/2010/main" xmlns:a14="http://schemas.microsoft.com/office/drawing/2010/main" w="9525">
                   <a:solidFill>
                     <a:srgbClr val="000000"/>
                   </a:solidFill>
@@ -20494,7 +20326,7 @@
             </a:ln>
             <a:extLst>
               <a:ext uri="{91240B29-F687-4f45-9708-019B960494DF}">
-                <a14:hiddenLine xmlns:a14="http://schemas.microsoft.com/office/drawing/2010/main" xmlns:p14="http://schemas.microsoft.com/office/powerpoint/2010/main" xmlns:a16="http://schemas.microsoft.com/office/drawing/2014/main" xmlns="" w="9525">
+                <a14:hiddenLine xmlns="" xmlns:a16="http://schemas.microsoft.com/office/drawing/2014/main" xmlns:p14="http://schemas.microsoft.com/office/powerpoint/2010/main" xmlns:a14="http://schemas.microsoft.com/office/drawing/2010/main" w="9525">
                   <a:solidFill>
                     <a:srgbClr val="000000"/>
                   </a:solidFill>
@@ -20571,7 +20403,7 @@
             </a:ln>
             <a:extLst>
               <a:ext uri="{91240B29-F687-4f45-9708-019B960494DF}">
-                <a14:hiddenLine xmlns:a14="http://schemas.microsoft.com/office/drawing/2010/main" xmlns:p14="http://schemas.microsoft.com/office/powerpoint/2010/main" xmlns:a16="http://schemas.microsoft.com/office/drawing/2014/main" xmlns="" w="9525">
+                <a14:hiddenLine xmlns="" xmlns:a16="http://schemas.microsoft.com/office/drawing/2014/main" xmlns:p14="http://schemas.microsoft.com/office/powerpoint/2010/main" xmlns:a14="http://schemas.microsoft.com/office/drawing/2010/main" w="9525">
                   <a:solidFill>
                     <a:srgbClr val="000000"/>
                   </a:solidFill>
@@ -20676,7 +20508,7 @@
             </a:ln>
             <a:extLst>
               <a:ext uri="{91240B29-F687-4f45-9708-019B960494DF}">
-                <a14:hiddenLine xmlns:a14="http://schemas.microsoft.com/office/drawing/2010/main" xmlns:p14="http://schemas.microsoft.com/office/powerpoint/2010/main" xmlns:a16="http://schemas.microsoft.com/office/drawing/2014/main" xmlns="" w="9525">
+                <a14:hiddenLine xmlns="" xmlns:a16="http://schemas.microsoft.com/office/drawing/2014/main" xmlns:p14="http://schemas.microsoft.com/office/powerpoint/2010/main" xmlns:a14="http://schemas.microsoft.com/office/drawing/2010/main" w="9525">
                   <a:solidFill>
                     <a:srgbClr val="000000"/>
                   </a:solidFill>
@@ -20781,7 +20613,7 @@
             </a:ln>
             <a:extLst>
               <a:ext uri="{91240B29-F687-4f45-9708-019B960494DF}">
-                <a14:hiddenLine xmlns:a14="http://schemas.microsoft.com/office/drawing/2010/main" xmlns:p14="http://schemas.microsoft.com/office/powerpoint/2010/main" xmlns:a16="http://schemas.microsoft.com/office/drawing/2014/main" xmlns="" w="9525">
+                <a14:hiddenLine xmlns="" xmlns:a16="http://schemas.microsoft.com/office/drawing/2014/main" xmlns:p14="http://schemas.microsoft.com/office/powerpoint/2010/main" xmlns:a14="http://schemas.microsoft.com/office/drawing/2010/main" w="9525">
                   <a:solidFill>
                     <a:srgbClr val="000000"/>
                   </a:solidFill>
@@ -20861,7 +20693,7 @@
             </a:ln>
             <a:extLst>
               <a:ext uri="{91240B29-F687-4f45-9708-019B960494DF}">
-                <a14:hiddenLine xmlns:a14="http://schemas.microsoft.com/office/drawing/2010/main" xmlns:p14="http://schemas.microsoft.com/office/powerpoint/2010/main" xmlns:a16="http://schemas.microsoft.com/office/drawing/2014/main" xmlns="" w="9525">
+                <a14:hiddenLine xmlns="" xmlns:a16="http://schemas.microsoft.com/office/drawing/2014/main" xmlns:p14="http://schemas.microsoft.com/office/powerpoint/2010/main" xmlns:a14="http://schemas.microsoft.com/office/drawing/2010/main" w="9525">
                   <a:solidFill>
                     <a:srgbClr val="000000"/>
                   </a:solidFill>
@@ -20938,7 +20770,7 @@
             </a:ln>
             <a:extLst>
               <a:ext uri="{91240B29-F687-4f45-9708-019B960494DF}">
-                <a14:hiddenLine xmlns:a14="http://schemas.microsoft.com/office/drawing/2010/main" xmlns:p14="http://schemas.microsoft.com/office/powerpoint/2010/main" xmlns:a16="http://schemas.microsoft.com/office/drawing/2014/main" xmlns="" w="9525">
+                <a14:hiddenLine xmlns="" xmlns:a16="http://schemas.microsoft.com/office/drawing/2014/main" xmlns:p14="http://schemas.microsoft.com/office/powerpoint/2010/main" xmlns:a14="http://schemas.microsoft.com/office/drawing/2010/main" w="9525">
                   <a:solidFill>
                     <a:srgbClr val="000000"/>
                   </a:solidFill>
@@ -21043,7 +20875,7 @@
             </a:ln>
             <a:extLst>
               <a:ext uri="{91240B29-F687-4f45-9708-019B960494DF}">
-                <a14:hiddenLine xmlns:a14="http://schemas.microsoft.com/office/drawing/2010/main" xmlns:p14="http://schemas.microsoft.com/office/powerpoint/2010/main" xmlns:a16="http://schemas.microsoft.com/office/drawing/2014/main" xmlns="" w="9525">
+                <a14:hiddenLine xmlns="" xmlns:a16="http://schemas.microsoft.com/office/drawing/2014/main" xmlns:p14="http://schemas.microsoft.com/office/powerpoint/2010/main" xmlns:a14="http://schemas.microsoft.com/office/drawing/2010/main" w="9525">
                   <a:solidFill>
                     <a:srgbClr val="000000"/>
                   </a:solidFill>
@@ -21148,7 +20980,7 @@
             </a:ln>
             <a:extLst>
               <a:ext uri="{91240B29-F687-4f45-9708-019B960494DF}">
-                <a14:hiddenLine xmlns:a14="http://schemas.microsoft.com/office/drawing/2010/main" xmlns:p14="http://schemas.microsoft.com/office/powerpoint/2010/main" xmlns:a16="http://schemas.microsoft.com/office/drawing/2014/main" xmlns="" w="9525">
+                <a14:hiddenLine xmlns="" xmlns:a16="http://schemas.microsoft.com/office/drawing/2014/main" xmlns:p14="http://schemas.microsoft.com/office/powerpoint/2010/main" xmlns:a14="http://schemas.microsoft.com/office/drawing/2010/main" w="9525">
                   <a:solidFill>
                     <a:srgbClr val="000000"/>
                   </a:solidFill>
@@ -21225,7 +21057,7 @@
             </a:ln>
             <a:extLst>
               <a:ext uri="{91240B29-F687-4f45-9708-019B960494DF}">
-                <a14:hiddenLine xmlns:a14="http://schemas.microsoft.com/office/drawing/2010/main" xmlns:p14="http://schemas.microsoft.com/office/powerpoint/2010/main" xmlns:a16="http://schemas.microsoft.com/office/drawing/2014/main" xmlns="" w="9525">
+                <a14:hiddenLine xmlns="" xmlns:a16="http://schemas.microsoft.com/office/drawing/2014/main" xmlns:p14="http://schemas.microsoft.com/office/powerpoint/2010/main" xmlns:a14="http://schemas.microsoft.com/office/drawing/2010/main" w="9525">
                   <a:solidFill>
                     <a:srgbClr val="000000"/>
                   </a:solidFill>
@@ -21360,7 +21192,7 @@
             </a:ln>
             <a:extLst>
               <a:ext uri="{91240B29-F687-4f45-9708-019B960494DF}">
-                <a14:hiddenLine xmlns:a14="http://schemas.microsoft.com/office/drawing/2010/main" xmlns:p14="http://schemas.microsoft.com/office/powerpoint/2010/main" xmlns:a16="http://schemas.microsoft.com/office/drawing/2014/main" xmlns="" w="9525">
+                <a14:hiddenLine xmlns="" xmlns:a16="http://schemas.microsoft.com/office/drawing/2014/main" xmlns:p14="http://schemas.microsoft.com/office/powerpoint/2010/main" xmlns:a14="http://schemas.microsoft.com/office/drawing/2010/main" w="9525">
                   <a:solidFill>
                     <a:srgbClr val="000000"/>
                   </a:solidFill>
@@ -21443,7 +21275,7 @@
             </a:ln>
             <a:extLst>
               <a:ext uri="{91240B29-F687-4f45-9708-019B960494DF}">
-                <a14:hiddenLine xmlns:a14="http://schemas.microsoft.com/office/drawing/2010/main" xmlns:p14="http://schemas.microsoft.com/office/powerpoint/2010/main" xmlns:a16="http://schemas.microsoft.com/office/drawing/2014/main" xmlns="" w="9525">
+                <a14:hiddenLine xmlns="" xmlns:a16="http://schemas.microsoft.com/office/drawing/2014/main" xmlns:p14="http://schemas.microsoft.com/office/powerpoint/2010/main" xmlns:a14="http://schemas.microsoft.com/office/drawing/2010/main" w="9525">
                   <a:solidFill>
                     <a:srgbClr val="000000"/>
                   </a:solidFill>
@@ -21548,7 +21380,7 @@
             </a:ln>
             <a:extLst>
               <a:ext uri="{91240B29-F687-4f45-9708-019B960494DF}">
-                <a14:hiddenLine xmlns:a14="http://schemas.microsoft.com/office/drawing/2010/main" xmlns:p14="http://schemas.microsoft.com/office/powerpoint/2010/main" xmlns:a16="http://schemas.microsoft.com/office/drawing/2014/main" xmlns="" w="9525">
+                <a14:hiddenLine xmlns="" xmlns:a16="http://schemas.microsoft.com/office/drawing/2014/main" xmlns:p14="http://schemas.microsoft.com/office/powerpoint/2010/main" xmlns:a14="http://schemas.microsoft.com/office/drawing/2010/main" w="9525">
                   <a:solidFill>
                     <a:srgbClr val="000000"/>
                   </a:solidFill>
@@ -21705,7 +21537,7 @@
             <a:noFill/>
             <a:extLst>
               <a:ext uri="{909E8E84-426E-40dd-AFC4-6F175D3DCCD1}">
-                <a14:hiddenFill xmlns:a14="http://schemas.microsoft.com/office/drawing/2010/main" xmlns:mc="http://schemas.openxmlformats.org/markup-compatibility/2006" xmlns:p14="http://schemas.microsoft.com/office/powerpoint/2010/main" xmlns:a16="http://schemas.microsoft.com/office/drawing/2014/main" xmlns="">
+                <a14:hiddenFill xmlns="" xmlns:a16="http://schemas.microsoft.com/office/drawing/2014/main" xmlns:p14="http://schemas.microsoft.com/office/powerpoint/2010/main" xmlns:mc="http://schemas.openxmlformats.org/markup-compatibility/2006" xmlns:a14="http://schemas.microsoft.com/office/drawing/2010/main">
                   <a:solidFill>
                     <a:srgbClr val="FFFFFF"/>
                   </a:solidFill>
@@ -21833,7 +21665,7 @@
             </a:ln>
             <a:extLst>
               <a:ext uri="{91240B29-F687-4f45-9708-019B960494DF}">
-                <a14:hiddenLine xmlns:a14="http://schemas.microsoft.com/office/drawing/2010/main" xmlns:mc="http://schemas.openxmlformats.org/markup-compatibility/2006" xmlns:p14="http://schemas.microsoft.com/office/powerpoint/2010/main" xmlns:a16="http://schemas.microsoft.com/office/drawing/2014/main" xmlns="" w="9525">
+                <a14:hiddenLine xmlns="" xmlns:a16="http://schemas.microsoft.com/office/drawing/2014/main" xmlns:p14="http://schemas.microsoft.com/office/powerpoint/2010/main" xmlns:mc="http://schemas.openxmlformats.org/markup-compatibility/2006" xmlns:a14="http://schemas.microsoft.com/office/drawing/2010/main" w="9525">
                   <a:solidFill>
                     <a:srgbClr val="000000"/>
                   </a:solidFill>
@@ -21938,7 +21770,7 @@
             </a:ln>
             <a:extLst>
               <a:ext uri="{91240B29-F687-4f45-9708-019B960494DF}">
-                <a14:hiddenLine xmlns:a14="http://schemas.microsoft.com/office/drawing/2010/main" xmlns:mc="http://schemas.openxmlformats.org/markup-compatibility/2006" xmlns:p14="http://schemas.microsoft.com/office/powerpoint/2010/main" xmlns:a16="http://schemas.microsoft.com/office/drawing/2014/main" xmlns="" w="9525">
+                <a14:hiddenLine xmlns="" xmlns:a16="http://schemas.microsoft.com/office/drawing/2014/main" xmlns:p14="http://schemas.microsoft.com/office/powerpoint/2010/main" xmlns:mc="http://schemas.openxmlformats.org/markup-compatibility/2006" xmlns:a14="http://schemas.microsoft.com/office/drawing/2010/main" w="9525">
                   <a:solidFill>
                     <a:srgbClr val="000000"/>
                   </a:solidFill>
@@ -22043,7 +21875,7 @@
             </a:ln>
             <a:extLst>
               <a:ext uri="{91240B29-F687-4f45-9708-019B960494DF}">
-                <a14:hiddenLine xmlns:a14="http://schemas.microsoft.com/office/drawing/2010/main" xmlns:mc="http://schemas.openxmlformats.org/markup-compatibility/2006" xmlns:p14="http://schemas.microsoft.com/office/powerpoint/2010/main" xmlns:a16="http://schemas.microsoft.com/office/drawing/2014/main" xmlns="" w="9525">
+                <a14:hiddenLine xmlns="" xmlns:a16="http://schemas.microsoft.com/office/drawing/2014/main" xmlns:p14="http://schemas.microsoft.com/office/powerpoint/2010/main" xmlns:mc="http://schemas.openxmlformats.org/markup-compatibility/2006" xmlns:a14="http://schemas.microsoft.com/office/drawing/2010/main" w="9525">
                   <a:solidFill>
                     <a:srgbClr val="000000"/>
                   </a:solidFill>
@@ -22120,7 +21952,7 @@
             </a:ln>
             <a:extLst>
               <a:ext uri="{91240B29-F687-4f45-9708-019B960494DF}">
-                <a14:hiddenLine xmlns:a14="http://schemas.microsoft.com/office/drawing/2010/main" xmlns:mc="http://schemas.openxmlformats.org/markup-compatibility/2006" xmlns:p14="http://schemas.microsoft.com/office/powerpoint/2010/main" xmlns:a16="http://schemas.microsoft.com/office/drawing/2014/main" xmlns="" w="9525">
+                <a14:hiddenLine xmlns="" xmlns:a16="http://schemas.microsoft.com/office/drawing/2014/main" xmlns:p14="http://schemas.microsoft.com/office/powerpoint/2010/main" xmlns:mc="http://schemas.openxmlformats.org/markup-compatibility/2006" xmlns:a14="http://schemas.microsoft.com/office/drawing/2010/main" w="9525">
                   <a:solidFill>
                     <a:srgbClr val="000000"/>
                   </a:solidFill>
@@ -22225,7 +22057,7 @@
             </a:ln>
             <a:extLst>
               <a:ext uri="{91240B29-F687-4f45-9708-019B960494DF}">
-                <a14:hiddenLine xmlns:a14="http://schemas.microsoft.com/office/drawing/2010/main" xmlns:mc="http://schemas.openxmlformats.org/markup-compatibility/2006" xmlns:p14="http://schemas.microsoft.com/office/powerpoint/2010/main" xmlns:a16="http://schemas.microsoft.com/office/drawing/2014/main" xmlns="" w="9525">
+                <a14:hiddenLine xmlns="" xmlns:a16="http://schemas.microsoft.com/office/drawing/2014/main" xmlns:p14="http://schemas.microsoft.com/office/powerpoint/2010/main" xmlns:mc="http://schemas.openxmlformats.org/markup-compatibility/2006" xmlns:a14="http://schemas.microsoft.com/office/drawing/2010/main" w="9525">
                   <a:solidFill>
                     <a:srgbClr val="000000"/>
                   </a:solidFill>
@@ -22302,7 +22134,7 @@
             </a:ln>
             <a:extLst>
               <a:ext uri="{91240B29-F687-4f45-9708-019B960494DF}">
-                <a14:hiddenLine xmlns:a14="http://schemas.microsoft.com/office/drawing/2010/main" xmlns:mc="http://schemas.openxmlformats.org/markup-compatibility/2006" xmlns:p14="http://schemas.microsoft.com/office/powerpoint/2010/main" xmlns:a16="http://schemas.microsoft.com/office/drawing/2014/main" xmlns="" w="9525">
+                <a14:hiddenLine xmlns="" xmlns:a16="http://schemas.microsoft.com/office/drawing/2014/main" xmlns:p14="http://schemas.microsoft.com/office/powerpoint/2010/main" xmlns:mc="http://schemas.openxmlformats.org/markup-compatibility/2006" xmlns:a14="http://schemas.microsoft.com/office/drawing/2010/main" w="9525">
                   <a:solidFill>
                     <a:srgbClr val="000000"/>
                   </a:solidFill>
@@ -22379,7 +22211,7 @@
             </a:ln>
             <a:extLst>
               <a:ext uri="{91240B29-F687-4f45-9708-019B960494DF}">
-                <a14:hiddenLine xmlns:a14="http://schemas.microsoft.com/office/drawing/2010/main" xmlns:mc="http://schemas.openxmlformats.org/markup-compatibility/2006" xmlns:p14="http://schemas.microsoft.com/office/powerpoint/2010/main" xmlns:a16="http://schemas.microsoft.com/office/drawing/2014/main" xmlns="" w="9525">
+                <a14:hiddenLine xmlns="" xmlns:a16="http://schemas.microsoft.com/office/drawing/2014/main" xmlns:p14="http://schemas.microsoft.com/office/powerpoint/2010/main" xmlns:mc="http://schemas.openxmlformats.org/markup-compatibility/2006" xmlns:a14="http://schemas.microsoft.com/office/drawing/2010/main" w="9525">
                   <a:solidFill>
                     <a:srgbClr val="000000"/>
                   </a:solidFill>
@@ -22484,7 +22316,7 @@
             </a:ln>
             <a:extLst>
               <a:ext uri="{91240B29-F687-4f45-9708-019B960494DF}">
-                <a14:hiddenLine xmlns:a14="http://schemas.microsoft.com/office/drawing/2010/main" xmlns:mc="http://schemas.openxmlformats.org/markup-compatibility/2006" xmlns:p14="http://schemas.microsoft.com/office/powerpoint/2010/main" xmlns:a16="http://schemas.microsoft.com/office/drawing/2014/main" xmlns="" w="9525">
+                <a14:hiddenLine xmlns="" xmlns:a16="http://schemas.microsoft.com/office/drawing/2014/main" xmlns:p14="http://schemas.microsoft.com/office/powerpoint/2010/main" xmlns:mc="http://schemas.openxmlformats.org/markup-compatibility/2006" xmlns:a14="http://schemas.microsoft.com/office/drawing/2010/main" w="9525">
                   <a:solidFill>
                     <a:srgbClr val="000000"/>
                   </a:solidFill>
@@ -22589,7 +22421,7 @@
             </a:ln>
             <a:extLst>
               <a:ext uri="{91240B29-F687-4f45-9708-019B960494DF}">
-                <a14:hiddenLine xmlns:a14="http://schemas.microsoft.com/office/drawing/2010/main" xmlns:mc="http://schemas.openxmlformats.org/markup-compatibility/2006" xmlns:p14="http://schemas.microsoft.com/office/powerpoint/2010/main" xmlns:a16="http://schemas.microsoft.com/office/drawing/2014/main" xmlns="" w="9525">
+                <a14:hiddenLine xmlns="" xmlns:a16="http://schemas.microsoft.com/office/drawing/2014/main" xmlns:p14="http://schemas.microsoft.com/office/powerpoint/2010/main" xmlns:mc="http://schemas.openxmlformats.org/markup-compatibility/2006" xmlns:a14="http://schemas.microsoft.com/office/drawing/2010/main" w="9525">
                   <a:solidFill>
                     <a:srgbClr val="000000"/>
                   </a:solidFill>
@@ -22666,7 +22498,7 @@
             </a:ln>
             <a:extLst>
               <a:ext uri="{91240B29-F687-4f45-9708-019B960494DF}">
-                <a14:hiddenLine xmlns:a14="http://schemas.microsoft.com/office/drawing/2010/main" xmlns:mc="http://schemas.openxmlformats.org/markup-compatibility/2006" xmlns:p14="http://schemas.microsoft.com/office/powerpoint/2010/main" xmlns:a16="http://schemas.microsoft.com/office/drawing/2014/main" xmlns="" w="9525">
+                <a14:hiddenLine xmlns="" xmlns:a16="http://schemas.microsoft.com/office/drawing/2014/main" xmlns:p14="http://schemas.microsoft.com/office/powerpoint/2010/main" xmlns:mc="http://schemas.openxmlformats.org/markup-compatibility/2006" xmlns:a14="http://schemas.microsoft.com/office/drawing/2010/main" w="9525">
                   <a:solidFill>
                     <a:srgbClr val="000000"/>
                   </a:solidFill>
@@ -22791,7 +22623,7 @@
             </a:ln>
             <a:extLst>
               <a:ext uri="{91240B29-F687-4f45-9708-019B960494DF}">
-                <a14:hiddenLine xmlns:a14="http://schemas.microsoft.com/office/drawing/2010/main" xmlns:mc="http://schemas.openxmlformats.org/markup-compatibility/2006" xmlns:p14="http://schemas.microsoft.com/office/powerpoint/2010/main" xmlns:a16="http://schemas.microsoft.com/office/drawing/2014/main" xmlns="" w="9525">
+                <a14:hiddenLine xmlns="" xmlns:a16="http://schemas.microsoft.com/office/drawing/2014/main" xmlns:p14="http://schemas.microsoft.com/office/powerpoint/2010/main" xmlns:mc="http://schemas.openxmlformats.org/markup-compatibility/2006" xmlns:a14="http://schemas.microsoft.com/office/drawing/2010/main" w="9525">
                   <a:solidFill>
                     <a:srgbClr val="000000"/>
                   </a:solidFill>
@@ -22905,7 +22737,7 @@
             </a:ln>
             <a:extLst>
               <a:ext uri="{91240B29-F687-4f45-9708-019B960494DF}">
-                <a14:hiddenLine xmlns:a14="http://schemas.microsoft.com/office/drawing/2010/main" xmlns:mc="http://schemas.openxmlformats.org/markup-compatibility/2006" xmlns:p14="http://schemas.microsoft.com/office/powerpoint/2010/main" xmlns:a16="http://schemas.microsoft.com/office/drawing/2014/main" xmlns="" w="9525">
+                <a14:hiddenLine xmlns="" xmlns:a16="http://schemas.microsoft.com/office/drawing/2014/main" xmlns:p14="http://schemas.microsoft.com/office/powerpoint/2010/main" xmlns:mc="http://schemas.openxmlformats.org/markup-compatibility/2006" xmlns:a14="http://schemas.microsoft.com/office/drawing/2010/main" w="9525">
                   <a:solidFill>
                     <a:srgbClr val="000000"/>
                   </a:solidFill>
@@ -22982,7 +22814,7 @@
             </a:ln>
             <a:extLst>
               <a:ext uri="{91240B29-F687-4f45-9708-019B960494DF}">
-                <a14:hiddenLine xmlns:a14="http://schemas.microsoft.com/office/drawing/2010/main" xmlns:mc="http://schemas.openxmlformats.org/markup-compatibility/2006" xmlns:p14="http://schemas.microsoft.com/office/powerpoint/2010/main" xmlns:a16="http://schemas.microsoft.com/office/drawing/2014/main" xmlns="" w="9525">
+                <a14:hiddenLine xmlns="" xmlns:a16="http://schemas.microsoft.com/office/drawing/2014/main" xmlns:p14="http://schemas.microsoft.com/office/powerpoint/2010/main" xmlns:mc="http://schemas.openxmlformats.org/markup-compatibility/2006" xmlns:a14="http://schemas.microsoft.com/office/drawing/2010/main" w="9525">
                   <a:solidFill>
                     <a:srgbClr val="000000"/>
                   </a:solidFill>
@@ -23059,7 +22891,7 @@
             </a:ln>
             <a:extLst>
               <a:ext uri="{91240B29-F687-4f45-9708-019B960494DF}">
-                <a14:hiddenLine xmlns:a14="http://schemas.microsoft.com/office/drawing/2010/main" xmlns:mc="http://schemas.openxmlformats.org/markup-compatibility/2006" xmlns:p14="http://schemas.microsoft.com/office/powerpoint/2010/main" xmlns:a16="http://schemas.microsoft.com/office/drawing/2014/main" xmlns="" w="9525">
+                <a14:hiddenLine xmlns="" xmlns:a16="http://schemas.microsoft.com/office/drawing/2014/main" xmlns:p14="http://schemas.microsoft.com/office/powerpoint/2010/main" xmlns:mc="http://schemas.openxmlformats.org/markup-compatibility/2006" xmlns:a14="http://schemas.microsoft.com/office/drawing/2010/main" w="9525">
                   <a:solidFill>
                     <a:srgbClr val="000000"/>
                   </a:solidFill>
@@ -23164,7 +22996,7 @@
             </a:ln>
             <a:extLst>
               <a:ext uri="{91240B29-F687-4f45-9708-019B960494DF}">
-                <a14:hiddenLine xmlns:a14="http://schemas.microsoft.com/office/drawing/2010/main" xmlns:mc="http://schemas.openxmlformats.org/markup-compatibility/2006" xmlns:p14="http://schemas.microsoft.com/office/powerpoint/2010/main" xmlns:a16="http://schemas.microsoft.com/office/drawing/2014/main" xmlns="" w="9525">
+                <a14:hiddenLine xmlns="" xmlns:a16="http://schemas.microsoft.com/office/drawing/2014/main" xmlns:p14="http://schemas.microsoft.com/office/powerpoint/2010/main" xmlns:mc="http://schemas.openxmlformats.org/markup-compatibility/2006" xmlns:a14="http://schemas.microsoft.com/office/drawing/2010/main" w="9525">
                   <a:solidFill>
                     <a:srgbClr val="000000"/>
                   </a:solidFill>
@@ -23213,7 +23045,7 @@
             </a:ln>
             <a:extLst>
               <a:ext uri="{91240B29-F687-4f45-9708-019B960494DF}">
-                <a14:hiddenLine xmlns:a14="http://schemas.microsoft.com/office/drawing/2010/main" xmlns:mc="http://schemas.openxmlformats.org/markup-compatibility/2006" xmlns:p14="http://schemas.microsoft.com/office/powerpoint/2010/main" xmlns:a16="http://schemas.microsoft.com/office/drawing/2014/main" xmlns="" w="9525">
+                <a14:hiddenLine xmlns="" xmlns:a16="http://schemas.microsoft.com/office/drawing/2014/main" xmlns:p14="http://schemas.microsoft.com/office/powerpoint/2010/main" xmlns:mc="http://schemas.openxmlformats.org/markup-compatibility/2006" xmlns:a14="http://schemas.microsoft.com/office/drawing/2010/main" w="9525">
                   <a:solidFill>
                     <a:srgbClr val="000000"/>
                   </a:solidFill>
@@ -23293,7 +23125,7 @@
             </a:ln>
             <a:extLst>
               <a:ext uri="{91240B29-F687-4f45-9708-019B960494DF}">
-                <a14:hiddenLine xmlns:a14="http://schemas.microsoft.com/office/drawing/2010/main" xmlns:mc="http://schemas.openxmlformats.org/markup-compatibility/2006" xmlns:p14="http://schemas.microsoft.com/office/powerpoint/2010/main" xmlns:a16="http://schemas.microsoft.com/office/drawing/2014/main" xmlns="" w="9525">
+                <a14:hiddenLine xmlns="" xmlns:a16="http://schemas.microsoft.com/office/drawing/2014/main" xmlns:p14="http://schemas.microsoft.com/office/powerpoint/2010/main" xmlns:mc="http://schemas.openxmlformats.org/markup-compatibility/2006" xmlns:a14="http://schemas.microsoft.com/office/drawing/2010/main" w="9525">
                   <a:solidFill>
                     <a:srgbClr val="000000"/>
                   </a:solidFill>
@@ -23398,7 +23230,7 @@
             </a:ln>
             <a:extLst>
               <a:ext uri="{91240B29-F687-4f45-9708-019B960494DF}">
-                <a14:hiddenLine xmlns:a14="http://schemas.microsoft.com/office/drawing/2010/main" xmlns:mc="http://schemas.openxmlformats.org/markup-compatibility/2006" xmlns:p14="http://schemas.microsoft.com/office/powerpoint/2010/main" xmlns:a16="http://schemas.microsoft.com/office/drawing/2014/main" xmlns="" w="9525">
+                <a14:hiddenLine xmlns="" xmlns:a16="http://schemas.microsoft.com/office/drawing/2014/main" xmlns:p14="http://schemas.microsoft.com/office/powerpoint/2010/main" xmlns:mc="http://schemas.openxmlformats.org/markup-compatibility/2006" xmlns:a14="http://schemas.microsoft.com/office/drawing/2010/main" w="9525">
                   <a:solidFill>
                     <a:srgbClr val="000000"/>
                   </a:solidFill>
@@ -23475,7 +23307,7 @@
             </a:ln>
             <a:extLst>
               <a:ext uri="{91240B29-F687-4f45-9708-019B960494DF}">
-                <a14:hiddenLine xmlns:a14="http://schemas.microsoft.com/office/drawing/2010/main" xmlns:mc="http://schemas.openxmlformats.org/markup-compatibility/2006" xmlns:p14="http://schemas.microsoft.com/office/powerpoint/2010/main" xmlns:a16="http://schemas.microsoft.com/office/drawing/2014/main" xmlns="" w="9525">
+                <a14:hiddenLine xmlns="" xmlns:a16="http://schemas.microsoft.com/office/drawing/2014/main" xmlns:p14="http://schemas.microsoft.com/office/powerpoint/2010/main" xmlns:mc="http://schemas.openxmlformats.org/markup-compatibility/2006" xmlns:a14="http://schemas.microsoft.com/office/drawing/2010/main" w="9525">
                   <a:solidFill>
                     <a:srgbClr val="000000"/>
                   </a:solidFill>
@@ -23580,7 +23412,7 @@
             </a:ln>
             <a:extLst>
               <a:ext uri="{91240B29-F687-4f45-9708-019B960494DF}">
-                <a14:hiddenLine xmlns:a14="http://schemas.microsoft.com/office/drawing/2010/main" xmlns:mc="http://schemas.openxmlformats.org/markup-compatibility/2006" xmlns:p14="http://schemas.microsoft.com/office/powerpoint/2010/main" xmlns:a16="http://schemas.microsoft.com/office/drawing/2014/main" xmlns="" w="9525">
+                <a14:hiddenLine xmlns="" xmlns:a16="http://schemas.microsoft.com/office/drawing/2014/main" xmlns:p14="http://schemas.microsoft.com/office/powerpoint/2010/main" xmlns:mc="http://schemas.openxmlformats.org/markup-compatibility/2006" xmlns:a14="http://schemas.microsoft.com/office/drawing/2010/main" w="9525">
                   <a:solidFill>
                     <a:srgbClr val="000000"/>
                   </a:solidFill>
@@ -23660,7 +23492,7 @@
             </a:ln>
             <a:extLst>
               <a:ext uri="{91240B29-F687-4f45-9708-019B960494DF}">
-                <a14:hiddenLine xmlns:a14="http://schemas.microsoft.com/office/drawing/2010/main" xmlns:mc="http://schemas.openxmlformats.org/markup-compatibility/2006" xmlns:p14="http://schemas.microsoft.com/office/powerpoint/2010/main" xmlns:a16="http://schemas.microsoft.com/office/drawing/2014/main" xmlns="" w="9525">
+                <a14:hiddenLine xmlns="" xmlns:a16="http://schemas.microsoft.com/office/drawing/2014/main" xmlns:p14="http://schemas.microsoft.com/office/powerpoint/2010/main" xmlns:mc="http://schemas.openxmlformats.org/markup-compatibility/2006" xmlns:a14="http://schemas.microsoft.com/office/drawing/2010/main" w="9525">
                   <a:solidFill>
                     <a:srgbClr val="000000"/>
                   </a:solidFill>
@@ -23737,7 +23569,7 @@
             </a:ln>
             <a:extLst>
               <a:ext uri="{91240B29-F687-4f45-9708-019B960494DF}">
-                <a14:hiddenLine xmlns:a14="http://schemas.microsoft.com/office/drawing/2010/main" xmlns:mc="http://schemas.openxmlformats.org/markup-compatibility/2006" xmlns:p14="http://schemas.microsoft.com/office/powerpoint/2010/main" xmlns:a16="http://schemas.microsoft.com/office/drawing/2014/main" xmlns="" w="9525">
+                <a14:hiddenLine xmlns="" xmlns:a16="http://schemas.microsoft.com/office/drawing/2014/main" xmlns:p14="http://schemas.microsoft.com/office/powerpoint/2010/main" xmlns:mc="http://schemas.openxmlformats.org/markup-compatibility/2006" xmlns:a14="http://schemas.microsoft.com/office/drawing/2010/main" w="9525">
                   <a:solidFill>
                     <a:srgbClr val="000000"/>
                   </a:solidFill>
@@ -23842,7 +23674,7 @@
             </a:ln>
             <a:extLst>
               <a:ext uri="{91240B29-F687-4f45-9708-019B960494DF}">
-                <a14:hiddenLine xmlns:a14="http://schemas.microsoft.com/office/drawing/2010/main" xmlns:mc="http://schemas.openxmlformats.org/markup-compatibility/2006" xmlns:p14="http://schemas.microsoft.com/office/powerpoint/2010/main" xmlns:a16="http://schemas.microsoft.com/office/drawing/2014/main" xmlns="" w="9525">
+                <a14:hiddenLine xmlns="" xmlns:a16="http://schemas.microsoft.com/office/drawing/2014/main" xmlns:p14="http://schemas.microsoft.com/office/powerpoint/2010/main" xmlns:mc="http://schemas.openxmlformats.org/markup-compatibility/2006" xmlns:a14="http://schemas.microsoft.com/office/drawing/2010/main" w="9525">
                   <a:solidFill>
                     <a:srgbClr val="000000"/>
                   </a:solidFill>
@@ -23947,7 +23779,7 @@
             </a:ln>
             <a:extLst>
               <a:ext uri="{91240B29-F687-4f45-9708-019B960494DF}">
-                <a14:hiddenLine xmlns:a14="http://schemas.microsoft.com/office/drawing/2010/main" xmlns:mc="http://schemas.openxmlformats.org/markup-compatibility/2006" xmlns:p14="http://schemas.microsoft.com/office/powerpoint/2010/main" xmlns:a16="http://schemas.microsoft.com/office/drawing/2014/main" xmlns="" w="9525">
+                <a14:hiddenLine xmlns="" xmlns:a16="http://schemas.microsoft.com/office/drawing/2014/main" xmlns:p14="http://schemas.microsoft.com/office/powerpoint/2010/main" xmlns:mc="http://schemas.openxmlformats.org/markup-compatibility/2006" xmlns:a14="http://schemas.microsoft.com/office/drawing/2010/main" w="9525">
                   <a:solidFill>
                     <a:srgbClr val="000000"/>
                   </a:solidFill>
@@ -24027,7 +23859,7 @@
             </a:ln>
             <a:extLst>
               <a:ext uri="{91240B29-F687-4f45-9708-019B960494DF}">
-                <a14:hiddenLine xmlns:a14="http://schemas.microsoft.com/office/drawing/2010/main" xmlns:mc="http://schemas.openxmlformats.org/markup-compatibility/2006" xmlns:p14="http://schemas.microsoft.com/office/powerpoint/2010/main" xmlns:a16="http://schemas.microsoft.com/office/drawing/2014/main" xmlns="" w="9525">
+                <a14:hiddenLine xmlns="" xmlns:a16="http://schemas.microsoft.com/office/drawing/2014/main" xmlns:p14="http://schemas.microsoft.com/office/powerpoint/2010/main" xmlns:mc="http://schemas.openxmlformats.org/markup-compatibility/2006" xmlns:a14="http://schemas.microsoft.com/office/drawing/2010/main" w="9525">
                   <a:solidFill>
                     <a:srgbClr val="000000"/>
                   </a:solidFill>
@@ -24162,7 +23994,7 @@
             </a:ln>
             <a:extLst>
               <a:ext uri="{91240B29-F687-4f45-9708-019B960494DF}">
-                <a14:hiddenLine xmlns:a14="http://schemas.microsoft.com/office/drawing/2010/main" xmlns:mc="http://schemas.openxmlformats.org/markup-compatibility/2006" xmlns:p14="http://schemas.microsoft.com/office/powerpoint/2010/main" xmlns:a16="http://schemas.microsoft.com/office/drawing/2014/main" xmlns="" w="9525">
+                <a14:hiddenLine xmlns="" xmlns:a16="http://schemas.microsoft.com/office/drawing/2014/main" xmlns:p14="http://schemas.microsoft.com/office/powerpoint/2010/main" xmlns:mc="http://schemas.openxmlformats.org/markup-compatibility/2006" xmlns:a14="http://schemas.microsoft.com/office/drawing/2010/main" w="9525">
                   <a:solidFill>
                     <a:srgbClr val="000000"/>
                   </a:solidFill>
@@ -24633,7 +24465,7 @@
             </a:ln>
             <a:extLst>
               <a:ext uri="{91240B29-F687-4f45-9708-019B960494DF}">
-                <a14:hiddenLine xmlns:a14="http://schemas.microsoft.com/office/drawing/2010/main" xmlns:mc="http://schemas.openxmlformats.org/markup-compatibility/2006" xmlns:p14="http://schemas.microsoft.com/office/powerpoint/2010/main" xmlns:a16="http://schemas.microsoft.com/office/drawing/2014/main" xmlns="" w="9525">
+                <a14:hiddenLine xmlns="" xmlns:a16="http://schemas.microsoft.com/office/drawing/2014/main" xmlns:p14="http://schemas.microsoft.com/office/powerpoint/2010/main" xmlns:mc="http://schemas.openxmlformats.org/markup-compatibility/2006" xmlns:a14="http://schemas.microsoft.com/office/drawing/2010/main" w="9525">
                   <a:solidFill>
                     <a:srgbClr val="000000"/>
                   </a:solidFill>
@@ -24763,7 +24595,7 @@
             </a:ln>
             <a:extLst>
               <a:ext uri="{91240B29-F687-4f45-9708-019B960494DF}">
-                <a14:hiddenLine xmlns:a14="http://schemas.microsoft.com/office/drawing/2010/main" xmlns:mc="http://schemas.openxmlformats.org/markup-compatibility/2006" xmlns:p14="http://schemas.microsoft.com/office/powerpoint/2010/main" xmlns:a16="http://schemas.microsoft.com/office/drawing/2014/main" xmlns="" w="9525">
+                <a14:hiddenLine xmlns="" xmlns:a16="http://schemas.microsoft.com/office/drawing/2014/main" xmlns:p14="http://schemas.microsoft.com/office/powerpoint/2010/main" xmlns:mc="http://schemas.openxmlformats.org/markup-compatibility/2006" xmlns:a14="http://schemas.microsoft.com/office/drawing/2010/main" w="9525">
                   <a:solidFill>
                     <a:srgbClr val="000000"/>
                   </a:solidFill>
@@ -24868,7 +24700,7 @@
             </a:ln>
             <a:extLst>
               <a:ext uri="{91240B29-F687-4f45-9708-019B960494DF}">
-                <a14:hiddenLine xmlns:a14="http://schemas.microsoft.com/office/drawing/2010/main" xmlns:mc="http://schemas.openxmlformats.org/markup-compatibility/2006" xmlns:p14="http://schemas.microsoft.com/office/powerpoint/2010/main" xmlns:a16="http://schemas.microsoft.com/office/drawing/2014/main" xmlns="" w="9525">
+                <a14:hiddenLine xmlns="" xmlns:a16="http://schemas.microsoft.com/office/drawing/2014/main" xmlns:p14="http://schemas.microsoft.com/office/powerpoint/2010/main" xmlns:mc="http://schemas.openxmlformats.org/markup-compatibility/2006" xmlns:a14="http://schemas.microsoft.com/office/drawing/2010/main" w="9525">
                   <a:solidFill>
                     <a:srgbClr val="000000"/>
                   </a:solidFill>
@@ -24948,7 +24780,7 @@
             </a:ln>
             <a:extLst>
               <a:ext uri="{91240B29-F687-4f45-9708-019B960494DF}">
-                <a14:hiddenLine xmlns:a14="http://schemas.microsoft.com/office/drawing/2010/main" xmlns:mc="http://schemas.openxmlformats.org/markup-compatibility/2006" xmlns:p14="http://schemas.microsoft.com/office/powerpoint/2010/main" xmlns:a16="http://schemas.microsoft.com/office/drawing/2014/main" xmlns="" w="9525">
+                <a14:hiddenLine xmlns="" xmlns:a16="http://schemas.microsoft.com/office/drawing/2014/main" xmlns:p14="http://schemas.microsoft.com/office/powerpoint/2010/main" xmlns:mc="http://schemas.openxmlformats.org/markup-compatibility/2006" xmlns:a14="http://schemas.microsoft.com/office/drawing/2010/main" w="9525">
                   <a:solidFill>
                     <a:srgbClr val="000000"/>
                   </a:solidFill>
@@ -25053,7 +24885,7 @@
             </a:ln>
             <a:extLst>
               <a:ext uri="{91240B29-F687-4f45-9708-019B960494DF}">
-                <a14:hiddenLine xmlns:a14="http://schemas.microsoft.com/office/drawing/2010/main" xmlns:mc="http://schemas.openxmlformats.org/markup-compatibility/2006" xmlns:p14="http://schemas.microsoft.com/office/powerpoint/2010/main" xmlns:a16="http://schemas.microsoft.com/office/drawing/2014/main" xmlns="" w="9525">
+                <a14:hiddenLine xmlns="" xmlns:a16="http://schemas.microsoft.com/office/drawing/2014/main" xmlns:p14="http://schemas.microsoft.com/office/powerpoint/2010/main" xmlns:mc="http://schemas.openxmlformats.org/markup-compatibility/2006" xmlns:a14="http://schemas.microsoft.com/office/drawing/2010/main" w="9525">
                   <a:solidFill>
                     <a:srgbClr val="000000"/>
                   </a:solidFill>
@@ -25136,7 +24968,7 @@
             </a:ln>
             <a:extLst>
               <a:ext uri="{91240B29-F687-4f45-9708-019B960494DF}">
-                <a14:hiddenLine xmlns:a14="http://schemas.microsoft.com/office/drawing/2010/main" xmlns:mc="http://schemas.openxmlformats.org/markup-compatibility/2006" xmlns:p14="http://schemas.microsoft.com/office/powerpoint/2010/main" xmlns:a16="http://schemas.microsoft.com/office/drawing/2014/main" xmlns="" w="9525">
+                <a14:hiddenLine xmlns="" xmlns:a16="http://schemas.microsoft.com/office/drawing/2014/main" xmlns:p14="http://schemas.microsoft.com/office/powerpoint/2010/main" xmlns:mc="http://schemas.openxmlformats.org/markup-compatibility/2006" xmlns:a14="http://schemas.microsoft.com/office/drawing/2010/main" w="9525">
                   <a:solidFill>
                     <a:srgbClr val="000000"/>
                   </a:solidFill>
@@ -25241,7 +25073,7 @@
             </a:ln>
             <a:extLst>
               <a:ext uri="{91240B29-F687-4f45-9708-019B960494DF}">
-                <a14:hiddenLine xmlns:a14="http://schemas.microsoft.com/office/drawing/2010/main" xmlns:mc="http://schemas.openxmlformats.org/markup-compatibility/2006" xmlns:p14="http://schemas.microsoft.com/office/powerpoint/2010/main" xmlns:a16="http://schemas.microsoft.com/office/drawing/2014/main" xmlns="" w="9525">
+                <a14:hiddenLine xmlns="" xmlns:a16="http://schemas.microsoft.com/office/drawing/2014/main" xmlns:p14="http://schemas.microsoft.com/office/powerpoint/2010/main" xmlns:mc="http://schemas.openxmlformats.org/markup-compatibility/2006" xmlns:a14="http://schemas.microsoft.com/office/drawing/2010/main" w="9525">
                   <a:solidFill>
                     <a:srgbClr val="000000"/>
                   </a:solidFill>
@@ -25324,7 +25156,7 @@
             </a:ln>
             <a:extLst>
               <a:ext uri="{91240B29-F687-4f45-9708-019B960494DF}">
-                <a14:hiddenLine xmlns:a14="http://schemas.microsoft.com/office/drawing/2010/main" xmlns:mc="http://schemas.openxmlformats.org/markup-compatibility/2006" xmlns:p14="http://schemas.microsoft.com/office/powerpoint/2010/main" xmlns:a16="http://schemas.microsoft.com/office/drawing/2014/main" xmlns="" w="9525">
+                <a14:hiddenLine xmlns="" xmlns:a16="http://schemas.microsoft.com/office/drawing/2014/main" xmlns:p14="http://schemas.microsoft.com/office/powerpoint/2010/main" xmlns:mc="http://schemas.openxmlformats.org/markup-compatibility/2006" xmlns:a14="http://schemas.microsoft.com/office/drawing/2010/main" w="9525">
                   <a:solidFill>
                     <a:srgbClr val="000000"/>
                   </a:solidFill>
@@ -25429,7 +25261,7 @@
             </a:ln>
             <a:extLst>
               <a:ext uri="{91240B29-F687-4f45-9708-019B960494DF}">
-                <a14:hiddenLine xmlns:a14="http://schemas.microsoft.com/office/drawing/2010/main" xmlns:mc="http://schemas.openxmlformats.org/markup-compatibility/2006" xmlns:p14="http://schemas.microsoft.com/office/powerpoint/2010/main" xmlns:a16="http://schemas.microsoft.com/office/drawing/2014/main" xmlns="" w="9525">
+                <a14:hiddenLine xmlns="" xmlns:a16="http://schemas.microsoft.com/office/drawing/2014/main" xmlns:p14="http://schemas.microsoft.com/office/powerpoint/2010/main" xmlns:mc="http://schemas.openxmlformats.org/markup-compatibility/2006" xmlns:a14="http://schemas.microsoft.com/office/drawing/2010/main" w="9525">
                   <a:solidFill>
                     <a:srgbClr val="000000"/>
                   </a:solidFill>
@@ -25478,7 +25310,7 @@
             </a:ln>
             <a:extLst>
               <a:ext uri="{91240B29-F687-4f45-9708-019B960494DF}">
-                <a14:hiddenLine xmlns:a14="http://schemas.microsoft.com/office/drawing/2010/main" xmlns:mc="http://schemas.openxmlformats.org/markup-compatibility/2006" xmlns:p14="http://schemas.microsoft.com/office/powerpoint/2010/main" xmlns:a16="http://schemas.microsoft.com/office/drawing/2014/main" xmlns="" w="9525">
+                <a14:hiddenLine xmlns="" xmlns:a16="http://schemas.microsoft.com/office/drawing/2014/main" xmlns:p14="http://schemas.microsoft.com/office/powerpoint/2010/main" xmlns:mc="http://schemas.openxmlformats.org/markup-compatibility/2006" xmlns:a14="http://schemas.microsoft.com/office/drawing/2010/main" w="9525">
                   <a:solidFill>
                     <a:srgbClr val="000000"/>
                   </a:solidFill>
@@ -25934,7 +25766,7 @@
           <p:cNvPr id="2" name="Title 1">
             <a:extLst>
               <a:ext uri="{FF2B5EF4-FFF2-40B4-BE49-F238E27FC236}">
-                <a16:creationId xmlns:a16="http://schemas.microsoft.com/office/drawing/2014/main" id="{613D8FE7-2436-49A0-8275-EF75ADFA06AB}"/>
+                <a16:creationId xmlns:a16="http://schemas.microsoft.com/office/drawing/2014/main" id="{5FEC35EC-B61E-4144-B4A3-E8946DCDB7CA}"/>
               </a:ext>
             </a:extLst>
           </p:cNvPr>
@@ -25951,71 +25783,123 @@
           <a:lstStyle/>
           <a:p>
             <a:r>
-              <a:rPr lang="en-US" dirty="0"/>
-              <a:t>A few server </a:t>
-            </a:r>
-            <a:r>
               <a:rPr lang="en-US" dirty="0">
                 <a:solidFill>
                   <a:schemeClr val="accent2"/>
                 </a:solidFill>
               </a:rPr>
-              <a:t>use-case illustrations</a:t>
+              <a:t>Why </a:t>
+            </a:r>
+            <a:r>
+              <a:rPr lang="en-US" dirty="0"/>
+              <a:t>use a server?</a:t>
             </a:r>
           </a:p>
         </p:txBody>
       </p:sp>
-      <p:pic>
-        <p:nvPicPr>
-          <p:cNvPr id="1026" name="Picture 2" descr="https://upload.wikimedia.org/wikipedia/commons/thumb/f/fb/Server-based-network.svg/232px-Server-based-network.svg.png">
+      <p:sp>
+        <p:nvSpPr>
+          <p:cNvPr id="3" name="Content Placeholder 2">
             <a:extLst>
               <a:ext uri="{FF2B5EF4-FFF2-40B4-BE49-F238E27FC236}">
-                <a16:creationId xmlns:a16="http://schemas.microsoft.com/office/drawing/2014/main" id="{B90D281A-DA19-429E-82DC-17BCC45DF3A1}"/>
+                <a16:creationId xmlns:a16="http://schemas.microsoft.com/office/drawing/2014/main" id="{E167FAB0-F0F3-4550-80B6-5BADC3EE0EFC}"/>
               </a:ext>
             </a:extLst>
           </p:cNvPr>
-          <p:cNvPicPr>
-            <a:picLocks noChangeAspect="1" noChangeArrowheads="1"/>
-          </p:cNvPicPr>
-          <p:nvPr/>
-        </p:nvPicPr>
-        <p:blipFill>
-          <a:blip r:embed="rId2">
-            <a:extLst>
-              <a:ext uri="{28A0092B-C50C-407E-A947-70E740481C1C}">
-                <a14:useLocalDpi xmlns:a14="http://schemas.microsoft.com/office/drawing/2010/main" val="0"/>
-              </a:ext>
-            </a:extLst>
-          </a:blip>
-          <a:srcRect/>
-          <a:stretch>
-            <a:fillRect/>
-          </a:stretch>
-        </p:blipFill>
-        <p:spPr bwMode="auto">
+          <p:cNvSpPr>
+            <a:spLocks noGrp="1"/>
+          </p:cNvSpPr>
+          <p:nvPr>
+            <p:ph idx="1"/>
+          </p:nvPr>
+        </p:nvSpPr>
+        <p:spPr>
           <a:xfrm>
-            <a:off x="482895" y="1560968"/>
-            <a:ext cx="5120463" cy="5297031"/>
+            <a:off x="1141412" y="2249486"/>
+            <a:ext cx="9905999" cy="4076885"/>
           </a:xfrm>
-          <a:prstGeom prst="rect">
-            <a:avLst/>
-          </a:prstGeom>
-          <a:noFill/>
-          <a:extLst>
-            <a:ext uri="{909E8E84-426E-40DD-AFC4-6F175D3DCCD1}">
-              <a14:hiddenFill xmlns:a14="http://schemas.microsoft.com/office/drawing/2010/main">
-                <a:solidFill>
-                  <a:srgbClr val="FFFFFF"/>
-                </a:solidFill>
-              </a14:hiddenFill>
-            </a:ext>
-          </a:extLst>
         </p:spPr>
-      </p:pic>
+        <p:txBody>
+          <a:bodyPr>
+            <a:normAutofit/>
+          </a:bodyPr>
+          <a:lstStyle/>
+          <a:p>
+            <a:r>
+              <a:rPr lang="en-US" dirty="0"/>
+              <a:t>Servers often have more memory and less overhead</a:t>
+            </a:r>
+          </a:p>
+          <a:p>
+            <a:pPr lvl="1"/>
+            <a:r>
+              <a:rPr lang="en-US" dirty="0"/>
+              <a:t>They don’t have to think about whether you’re about to start Pandora or play Candy Crush or open 32 Chrome tabs</a:t>
+            </a:r>
+          </a:p>
+          <a:p>
+            <a:r>
+              <a:rPr lang="en-US" dirty="0"/>
+              <a:t>Great for big data sets</a:t>
+            </a:r>
+          </a:p>
+          <a:p>
+            <a:pPr lvl="1"/>
+            <a:r>
+              <a:rPr lang="en-US" dirty="0"/>
+              <a:t>Databases</a:t>
+            </a:r>
+          </a:p>
+          <a:p>
+            <a:pPr lvl="1"/>
+            <a:r>
+              <a:rPr lang="en-US" dirty="0"/>
+              <a:t>Textual analysis (</a:t>
+            </a:r>
+            <a:r>
+              <a:rPr lang="en-US" dirty="0" err="1"/>
+              <a:t>Voyant</a:t>
+            </a:r>
+            <a:r>
+              <a:rPr lang="en-US" dirty="0"/>
+              <a:t>-Tools, </a:t>
+            </a:r>
+            <a:r>
+              <a:rPr lang="en-US" dirty="0" err="1"/>
+              <a:t>HathiTrust</a:t>
+            </a:r>
+            <a:r>
+              <a:rPr lang="en-US" dirty="0"/>
+              <a:t>, SOTU-</a:t>
+            </a:r>
+            <a:r>
+              <a:rPr lang="en-US" dirty="0" err="1"/>
+              <a:t>db</a:t>
+            </a:r>
+            <a:r>
+              <a:rPr lang="en-US" dirty="0"/>
+              <a:t> 😎)</a:t>
+            </a:r>
+          </a:p>
+          <a:p>
+            <a:r>
+              <a:rPr lang="en-US" dirty="0"/>
+              <a:t>Full control</a:t>
+            </a:r>
+          </a:p>
+          <a:p>
+            <a:pPr lvl="1"/>
+            <a:r>
+              <a:rPr lang="en-US" dirty="0"/>
+              <a:t>A great environment for learning HTML/CSS </a:t>
+            </a:r>
+          </a:p>
+        </p:txBody>
+      </p:sp>
     </p:spTree>
     <p:extLst>
       <p:ext uri="{BB962C8B-B14F-4D97-AF65-F5344CB8AC3E}">
-        <p14:creationId xmlns:p14="http://schemas.microsoft.com/office/powerpoint/2010/main" val="147607126"/>
+        <p14:creationId xmlns:p14="http://schemas.microsoft.com/office/powerpoint/2010/main" val="670784547"/>
       </p:ext>
     </p:extLst>
   </p:cSld>
